--- a/analysis/project.pptx
+++ b/analysis/project.pptx
@@ -5,7 +5,7 @@
     <p:sldMasterId id="2147483648" r:id="rId1"/>
   </p:sldMasterIdLst>
   <p:notesMasterIdLst>
-    <p:notesMasterId r:id="rId13"/>
+    <p:notesMasterId r:id="rId17"/>
   </p:notesMasterIdLst>
   <p:sldIdLst>
     <p:sldId id="256" r:id="rId2"/>
@@ -17,8 +17,12 @@
     <p:sldId id="265" r:id="rId8"/>
     <p:sldId id="266" r:id="rId9"/>
     <p:sldId id="262" r:id="rId10"/>
-    <p:sldId id="267" r:id="rId11"/>
-    <p:sldId id="268" r:id="rId12"/>
+    <p:sldId id="269" r:id="rId11"/>
+    <p:sldId id="270" r:id="rId12"/>
+    <p:sldId id="271" r:id="rId13"/>
+    <p:sldId id="273" r:id="rId14"/>
+    <p:sldId id="267" r:id="rId15"/>
+    <p:sldId id="268" r:id="rId16"/>
   </p:sldIdLst>
   <p:sldSz cx="12192000" cy="6858000"/>
   <p:notesSz cx="6858000" cy="9144000"/>
@@ -136,6 +140,4126 @@
 </p:presentation>
 </file>
 
+<file path=ppt/charts/chart1.xml><?xml version="1.0" encoding="utf-8"?>
+<c:chartSpace xmlns:c="http://schemas.openxmlformats.org/drawingml/2006/chart" xmlns:a="http://schemas.openxmlformats.org/drawingml/2006/main" xmlns:r="http://schemas.openxmlformats.org/officeDocument/2006/relationships" xmlns:c16r2="http://schemas.microsoft.com/office/drawing/2015/06/chart">
+  <c:date1904 val="0"/>
+  <c:lang val="en-US"/>
+  <c:roundedCorners val="0"/>
+  <mc:AlternateContent xmlns:mc="http://schemas.openxmlformats.org/markup-compatibility/2006">
+    <mc:Choice xmlns:c14="http://schemas.microsoft.com/office/drawing/2007/8/2/chart" Requires="c14">
+      <c14:style val="102"/>
+    </mc:Choice>
+    <mc:Fallback>
+      <c:style val="2"/>
+    </mc:Fallback>
+  </mc:AlternateContent>
+  <c:chart>
+    <c:title>
+      <c:tx>
+        <c:rich>
+          <a:bodyPr rot="0" spcFirstLastPara="1" vertOverflow="ellipsis" vert="horz" wrap="square" anchor="ctr" anchorCtr="1"/>
+          <a:lstStyle/>
+          <a:p>
+            <a:pPr>
+              <a:defRPr sz="1400" b="0" i="0" u="none" strike="noStrike" kern="1200" spc="0" baseline="0">
+                <a:solidFill>
+                  <a:schemeClr val="tx1">
+                    <a:lumMod val="65000"/>
+                    <a:lumOff val="35000"/>
+                  </a:schemeClr>
+                </a:solidFill>
+                <a:latin typeface="+mn-lt"/>
+                <a:ea typeface="+mn-ea"/>
+                <a:cs typeface="+mn-cs"/>
+              </a:defRPr>
+            </a:pPr>
+            <a:r>
+              <a:rPr lang="en-US" dirty="0" err="1" smtClean="0"/>
+              <a:t>N</a:t>
+            </a:r>
+            <a:r>
+              <a:rPr lang="en-US" altLang="zh-CN" dirty="0" err="1" smtClean="0"/>
+              <a:t>oraxon</a:t>
+            </a:r>
+            <a:r>
+              <a:rPr lang="en-US" altLang="zh-CN" dirty="0" smtClean="0"/>
+              <a:t> RF-R</a:t>
+            </a:r>
+            <a:endParaRPr lang="en-US" dirty="0"/>
+          </a:p>
+        </c:rich>
+      </c:tx>
+      <c:layout/>
+      <c:overlay val="0"/>
+      <c:spPr>
+        <a:noFill/>
+        <a:ln>
+          <a:noFill/>
+        </a:ln>
+        <a:effectLst/>
+      </c:spPr>
+      <c:txPr>
+        <a:bodyPr rot="0" spcFirstLastPara="1" vertOverflow="ellipsis" vert="horz" wrap="square" anchor="ctr" anchorCtr="1"/>
+        <a:lstStyle/>
+        <a:p>
+          <a:pPr>
+            <a:defRPr sz="1400" b="0" i="0" u="none" strike="noStrike" kern="1200" spc="0" baseline="0">
+              <a:solidFill>
+                <a:schemeClr val="tx1">
+                  <a:lumMod val="65000"/>
+                  <a:lumOff val="35000"/>
+                </a:schemeClr>
+              </a:solidFill>
+              <a:latin typeface="+mn-lt"/>
+              <a:ea typeface="+mn-ea"/>
+              <a:cs typeface="+mn-cs"/>
+            </a:defRPr>
+          </a:pPr>
+          <a:endParaRPr lang="en-US"/>
+        </a:p>
+      </c:txPr>
+    </c:title>
+    <c:autoTitleDeleted val="0"/>
+    <c:plotArea>
+      <c:layout/>
+      <c:barChart>
+        <c:barDir val="col"/>
+        <c:grouping val="clustered"/>
+        <c:varyColors val="0"/>
+        <c:ser>
+          <c:idx val="0"/>
+          <c:order val="0"/>
+          <c:spPr>
+            <a:solidFill>
+              <a:schemeClr val="accent1"/>
+            </a:solidFill>
+            <a:ln>
+              <a:noFill/>
+            </a:ln>
+            <a:effectLst/>
+          </c:spPr>
+          <c:invertIfNegative val="0"/>
+          <c:cat>
+            <c:strRef>
+              <c:f>Coefficient!$B$4:$B$38</c:f>
+              <c:strCache>
+                <c:ptCount val="35"/>
+                <c:pt idx="0">
+                  <c:v>LLACx</c:v>
+                </c:pt>
+                <c:pt idx="1">
+                  <c:v> LLGYz</c:v>
+                </c:pt>
+                <c:pt idx="2">
+                  <c:v> RankleWid</c:v>
+                </c:pt>
+                <c:pt idx="3">
+                  <c:v> LMACy</c:v>
+                </c:pt>
+                <c:pt idx="4">
+                  <c:v> RLGYz</c:v>
+                </c:pt>
+                <c:pt idx="5">
+                  <c:v> LkneeWid</c:v>
+                </c:pt>
+                <c:pt idx="6">
+                  <c:v> LLACz</c:v>
+                </c:pt>
+                <c:pt idx="7">
+                  <c:v> RMGYz</c:v>
+                </c:pt>
+                <c:pt idx="8">
+                  <c:v> LLACy</c:v>
+                </c:pt>
+                <c:pt idx="9">
+                  <c:v> RMACx</c:v>
+                </c:pt>
+                <c:pt idx="10">
+                  <c:v> LMACx</c:v>
+                </c:pt>
+                <c:pt idx="11">
+                  <c:v> LMGYz</c:v>
+                </c:pt>
+                <c:pt idx="12">
+                  <c:v> RMACy</c:v>
+                </c:pt>
+                <c:pt idx="13">
+                  <c:v> Rleglen</c:v>
+                </c:pt>
+                <c:pt idx="14">
+                  <c:v> RLACy</c:v>
+                </c:pt>
+                <c:pt idx="15">
+                  <c:v> LLGYx</c:v>
+                </c:pt>
+                <c:pt idx="16">
+                  <c:v> LLGYy</c:v>
+                </c:pt>
+                <c:pt idx="17">
+                  <c:v> RLACx</c:v>
+                </c:pt>
+                <c:pt idx="18">
+                  <c:v> RLGYy</c:v>
+                </c:pt>
+                <c:pt idx="19">
+                  <c:v> RLACz</c:v>
+                </c:pt>
+                <c:pt idx="20">
+                  <c:v> LMGYy</c:v>
+                </c:pt>
+                <c:pt idx="21">
+                  <c:v> RLGYx</c:v>
+                </c:pt>
+                <c:pt idx="22">
+                  <c:v> RkneeWid</c:v>
+                </c:pt>
+                <c:pt idx="23">
+                  <c:v> LankleWid</c:v>
+                </c:pt>
+                <c:pt idx="24">
+                  <c:v> RMGYy</c:v>
+                </c:pt>
+                <c:pt idx="25">
+                  <c:v> LMACz</c:v>
+                </c:pt>
+                <c:pt idx="26">
+                  <c:v> LMGYx</c:v>
+                </c:pt>
+                <c:pt idx="27">
+                  <c:v> RMGYx</c:v>
+                </c:pt>
+                <c:pt idx="28">
+                  <c:v> RMACz</c:v>
+                </c:pt>
+                <c:pt idx="29">
+                  <c:v> age</c:v>
+                </c:pt>
+                <c:pt idx="30">
+                  <c:v> mass</c:v>
+                </c:pt>
+                <c:pt idx="31">
+                  <c:v> height</c:v>
+                </c:pt>
+                <c:pt idx="32">
+                  <c:v> Lleglen</c:v>
+                </c:pt>
+                <c:pt idx="33">
+                  <c:v> gender_M</c:v>
+                </c:pt>
+                <c:pt idx="34">
+                  <c:v> gender_F</c:v>
+                </c:pt>
+              </c:strCache>
+            </c:strRef>
+          </c:cat>
+          <c:val>
+            <c:numRef>
+              <c:f>Coefficient!$C$4:$C$38</c:f>
+              <c:numCache>
+                <c:formatCode>General</c:formatCode>
+                <c:ptCount val="35"/>
+                <c:pt idx="0">
+                  <c:v>0.25939072054060802</c:v>
+                </c:pt>
+                <c:pt idx="1">
+                  <c:v>0.130622840267926</c:v>
+                </c:pt>
+                <c:pt idx="2">
+                  <c:v>0.107055319938611</c:v>
+                </c:pt>
+                <c:pt idx="3">
+                  <c:v>4.5657781754163997E-2</c:v>
+                </c:pt>
+                <c:pt idx="4">
+                  <c:v>4.0679502412865901E-2</c:v>
+                </c:pt>
+                <c:pt idx="5">
+                  <c:v>3.5811990542492303E-2</c:v>
+                </c:pt>
+                <c:pt idx="6">
+                  <c:v>3.0048173504884802E-2</c:v>
+                </c:pt>
+                <c:pt idx="7">
+                  <c:v>3.0034020051686199E-2</c:v>
+                </c:pt>
+                <c:pt idx="8">
+                  <c:v>2.6862380884943901E-2</c:v>
+                </c:pt>
+                <c:pt idx="9">
+                  <c:v>2.5738809685280299E-2</c:v>
+                </c:pt>
+                <c:pt idx="10">
+                  <c:v>2.3383702253420999E-2</c:v>
+                </c:pt>
+                <c:pt idx="11">
+                  <c:v>2.2933907970845699E-2</c:v>
+                </c:pt>
+                <c:pt idx="12">
+                  <c:v>2.2298460962854299E-2</c:v>
+                </c:pt>
+                <c:pt idx="13">
+                  <c:v>2.0995593463716301E-2</c:v>
+                </c:pt>
+                <c:pt idx="14">
+                  <c:v>1.6216696140536099E-2</c:v>
+                </c:pt>
+                <c:pt idx="15">
+                  <c:v>1.40277862664074E-2</c:v>
+                </c:pt>
+                <c:pt idx="16">
+                  <c:v>1.3886242625483099E-2</c:v>
+                </c:pt>
+                <c:pt idx="17">
+                  <c:v>1.34009988745985E-2</c:v>
+                </c:pt>
+                <c:pt idx="18">
+                  <c:v>1.2803188535949601E-2</c:v>
+                </c:pt>
+                <c:pt idx="19">
+                  <c:v>1.26520282638051E-2</c:v>
+                </c:pt>
+                <c:pt idx="20">
+                  <c:v>1.1704273498065401E-2</c:v>
+                </c:pt>
+                <c:pt idx="21">
+                  <c:v>1.1134064091048199E-2</c:v>
+                </c:pt>
+                <c:pt idx="22">
+                  <c:v>1.02074501982661E-2</c:v>
+                </c:pt>
+                <c:pt idx="23">
+                  <c:v>8.7485785934044696E-3</c:v>
+                </c:pt>
+                <c:pt idx="24">
+                  <c:v>8.5079789905591202E-3</c:v>
+                </c:pt>
+                <c:pt idx="25">
+                  <c:v>7.8721328362123203E-3</c:v>
+                </c:pt>
+                <c:pt idx="26">
+                  <c:v>7.8622856187705002E-3</c:v>
+                </c:pt>
+                <c:pt idx="27">
+                  <c:v>7.1832026324675103E-3</c:v>
+                </c:pt>
+                <c:pt idx="28">
+                  <c:v>5.4825948518893702E-3</c:v>
+                </c:pt>
+                <c:pt idx="29">
+                  <c:v>5.3308012312194E-3</c:v>
+                </c:pt>
+                <c:pt idx="30">
+                  <c:v>5.0009839358514697E-3</c:v>
+                </c:pt>
+                <c:pt idx="31">
+                  <c:v>3.0313942754427599E-3</c:v>
+                </c:pt>
+                <c:pt idx="32">
+                  <c:v>2.9214508520093501E-3</c:v>
+                </c:pt>
+                <c:pt idx="33">
+                  <c:v>3.1283001936043703E-4</c:v>
+                </c:pt>
+                <c:pt idx="34">
+                  <c:v>1.9983343435075199E-4</c:v>
+                </c:pt>
+              </c:numCache>
+            </c:numRef>
+          </c:val>
+          <c:extLst>
+            <c:ext xmlns:c16="http://schemas.microsoft.com/office/drawing/2014/chart" uri="{C3380CC4-5D6E-409C-BE32-E72D297353CC}">
+              <c16:uniqueId val="{00000000-C1DC-4A0C-ABC1-0AD05AB44A71}"/>
+            </c:ext>
+          </c:extLst>
+        </c:ser>
+        <c:dLbls>
+          <c:showLegendKey val="0"/>
+          <c:showVal val="0"/>
+          <c:showCatName val="0"/>
+          <c:showSerName val="0"/>
+          <c:showPercent val="0"/>
+          <c:showBubbleSize val="0"/>
+        </c:dLbls>
+        <c:gapWidth val="219"/>
+        <c:overlap val="-27"/>
+        <c:axId val="469193023"/>
+        <c:axId val="469196351"/>
+      </c:barChart>
+      <c:catAx>
+        <c:axId val="469193023"/>
+        <c:scaling>
+          <c:orientation val="minMax"/>
+        </c:scaling>
+        <c:delete val="0"/>
+        <c:axPos val="b"/>
+        <c:numFmt formatCode="General" sourceLinked="1"/>
+        <c:majorTickMark val="none"/>
+        <c:minorTickMark val="none"/>
+        <c:tickLblPos val="nextTo"/>
+        <c:spPr>
+          <a:noFill/>
+          <a:ln w="9525" cap="flat" cmpd="sng" algn="ctr">
+            <a:solidFill>
+              <a:schemeClr val="tx1">
+                <a:lumMod val="15000"/>
+                <a:lumOff val="85000"/>
+              </a:schemeClr>
+            </a:solidFill>
+            <a:round/>
+          </a:ln>
+          <a:effectLst/>
+        </c:spPr>
+        <c:txPr>
+          <a:bodyPr rot="-60000000" spcFirstLastPara="1" vertOverflow="ellipsis" vert="horz" wrap="square" anchor="ctr" anchorCtr="1"/>
+          <a:lstStyle/>
+          <a:p>
+            <a:pPr>
+              <a:defRPr sz="900" b="0" i="0" u="none" strike="noStrike" kern="1200" baseline="0">
+                <a:solidFill>
+                  <a:schemeClr val="tx1">
+                    <a:lumMod val="65000"/>
+                    <a:lumOff val="35000"/>
+                  </a:schemeClr>
+                </a:solidFill>
+                <a:latin typeface="+mn-lt"/>
+                <a:ea typeface="+mn-ea"/>
+                <a:cs typeface="+mn-cs"/>
+              </a:defRPr>
+            </a:pPr>
+            <a:endParaRPr lang="en-US"/>
+          </a:p>
+        </c:txPr>
+        <c:crossAx val="469196351"/>
+        <c:crosses val="autoZero"/>
+        <c:auto val="1"/>
+        <c:lblAlgn val="ctr"/>
+        <c:lblOffset val="100"/>
+        <c:noMultiLvlLbl val="0"/>
+      </c:catAx>
+      <c:valAx>
+        <c:axId val="469196351"/>
+        <c:scaling>
+          <c:orientation val="minMax"/>
+        </c:scaling>
+        <c:delete val="0"/>
+        <c:axPos val="l"/>
+        <c:majorGridlines>
+          <c:spPr>
+            <a:ln w="9525" cap="flat" cmpd="sng" algn="ctr">
+              <a:solidFill>
+                <a:schemeClr val="tx1">
+                  <a:lumMod val="15000"/>
+                  <a:lumOff val="85000"/>
+                </a:schemeClr>
+              </a:solidFill>
+              <a:round/>
+            </a:ln>
+            <a:effectLst/>
+          </c:spPr>
+        </c:majorGridlines>
+        <c:numFmt formatCode="General" sourceLinked="1"/>
+        <c:majorTickMark val="none"/>
+        <c:minorTickMark val="none"/>
+        <c:tickLblPos val="nextTo"/>
+        <c:spPr>
+          <a:noFill/>
+          <a:ln>
+            <a:noFill/>
+          </a:ln>
+          <a:effectLst/>
+        </c:spPr>
+        <c:txPr>
+          <a:bodyPr rot="-60000000" spcFirstLastPara="1" vertOverflow="ellipsis" vert="horz" wrap="square" anchor="ctr" anchorCtr="1"/>
+          <a:lstStyle/>
+          <a:p>
+            <a:pPr>
+              <a:defRPr sz="900" b="0" i="0" u="none" strike="noStrike" kern="1200" baseline="0">
+                <a:solidFill>
+                  <a:schemeClr val="tx1">
+                    <a:lumMod val="65000"/>
+                    <a:lumOff val="35000"/>
+                  </a:schemeClr>
+                </a:solidFill>
+                <a:latin typeface="+mn-lt"/>
+                <a:ea typeface="+mn-ea"/>
+                <a:cs typeface="+mn-cs"/>
+              </a:defRPr>
+            </a:pPr>
+            <a:endParaRPr lang="en-US"/>
+          </a:p>
+        </c:txPr>
+        <c:crossAx val="469193023"/>
+        <c:crosses val="autoZero"/>
+        <c:crossBetween val="between"/>
+      </c:valAx>
+      <c:spPr>
+        <a:noFill/>
+        <a:ln>
+          <a:noFill/>
+        </a:ln>
+        <a:effectLst/>
+      </c:spPr>
+    </c:plotArea>
+    <c:plotVisOnly val="1"/>
+    <c:dispBlanksAs val="gap"/>
+    <c:showDLblsOverMax val="0"/>
+  </c:chart>
+  <c:spPr>
+    <a:noFill/>
+    <a:ln>
+      <a:noFill/>
+    </a:ln>
+    <a:effectLst/>
+  </c:spPr>
+  <c:txPr>
+    <a:bodyPr/>
+    <a:lstStyle/>
+    <a:p>
+      <a:pPr>
+        <a:defRPr/>
+      </a:pPr>
+      <a:endParaRPr lang="en-US"/>
+    </a:p>
+  </c:txPr>
+  <c:externalData r:id="rId3">
+    <c:autoUpdate val="0"/>
+  </c:externalData>
+</c:chartSpace>
+</file>
+
+<file path=ppt/charts/chart2.xml><?xml version="1.0" encoding="utf-8"?>
+<c:chartSpace xmlns:c="http://schemas.openxmlformats.org/drawingml/2006/chart" xmlns:a="http://schemas.openxmlformats.org/drawingml/2006/main" xmlns:r="http://schemas.openxmlformats.org/officeDocument/2006/relationships" xmlns:c16r2="http://schemas.microsoft.com/office/drawing/2015/06/chart">
+  <c:date1904 val="0"/>
+  <c:lang val="en-US"/>
+  <c:roundedCorners val="0"/>
+  <mc:AlternateContent xmlns:mc="http://schemas.openxmlformats.org/markup-compatibility/2006">
+    <mc:Choice xmlns:c14="http://schemas.microsoft.com/office/drawing/2007/8/2/chart" Requires="c14">
+      <c14:style val="102"/>
+    </mc:Choice>
+    <mc:Fallback>
+      <c:style val="2"/>
+    </mc:Fallback>
+  </mc:AlternateContent>
+  <c:chart>
+    <c:title>
+      <c:tx>
+        <c:rich>
+          <a:bodyPr rot="0" spcFirstLastPara="1" vertOverflow="ellipsis" vert="horz" wrap="square" anchor="ctr" anchorCtr="1"/>
+          <a:lstStyle/>
+          <a:p>
+            <a:pPr>
+              <a:defRPr sz="1400" b="0" i="0" u="none" strike="noStrike" kern="1200" spc="0" baseline="0">
+                <a:solidFill>
+                  <a:schemeClr val="tx1">
+                    <a:lumMod val="65000"/>
+                    <a:lumOff val="35000"/>
+                  </a:schemeClr>
+                </a:solidFill>
+                <a:latin typeface="+mn-lt"/>
+                <a:ea typeface="+mn-ea"/>
+                <a:cs typeface="+mn-cs"/>
+              </a:defRPr>
+            </a:pPr>
+            <a:r>
+              <a:rPr lang="en-US" sz="1400" b="0" i="0" baseline="0" dirty="0" err="1" smtClean="0">
+                <a:effectLst/>
+              </a:rPr>
+              <a:t>Noraxon</a:t>
+            </a:r>
+            <a:r>
+              <a:rPr lang="en-US" sz="1400" b="0" i="0" baseline="0" dirty="0" smtClean="0">
+                <a:effectLst/>
+              </a:rPr>
+              <a:t> RF-L</a:t>
+            </a:r>
+            <a:endParaRPr lang="en-US" sz="1400" dirty="0">
+              <a:effectLst/>
+            </a:endParaRPr>
+          </a:p>
+        </c:rich>
+      </c:tx>
+      <c:layout/>
+      <c:overlay val="0"/>
+      <c:spPr>
+        <a:noFill/>
+        <a:ln>
+          <a:noFill/>
+        </a:ln>
+        <a:effectLst/>
+      </c:spPr>
+      <c:txPr>
+        <a:bodyPr rot="0" spcFirstLastPara="1" vertOverflow="ellipsis" vert="horz" wrap="square" anchor="ctr" anchorCtr="1"/>
+        <a:lstStyle/>
+        <a:p>
+          <a:pPr>
+            <a:defRPr sz="1400" b="0" i="0" u="none" strike="noStrike" kern="1200" spc="0" baseline="0">
+              <a:solidFill>
+                <a:schemeClr val="tx1">
+                  <a:lumMod val="65000"/>
+                  <a:lumOff val="35000"/>
+                </a:schemeClr>
+              </a:solidFill>
+              <a:latin typeface="+mn-lt"/>
+              <a:ea typeface="+mn-ea"/>
+              <a:cs typeface="+mn-cs"/>
+            </a:defRPr>
+          </a:pPr>
+          <a:endParaRPr lang="en-US"/>
+        </a:p>
+      </c:txPr>
+    </c:title>
+    <c:autoTitleDeleted val="0"/>
+    <c:plotArea>
+      <c:layout/>
+      <c:barChart>
+        <c:barDir val="col"/>
+        <c:grouping val="clustered"/>
+        <c:varyColors val="0"/>
+        <c:ser>
+          <c:idx val="0"/>
+          <c:order val="0"/>
+          <c:spPr>
+            <a:solidFill>
+              <a:schemeClr val="accent1"/>
+            </a:solidFill>
+            <a:ln>
+              <a:noFill/>
+            </a:ln>
+            <a:effectLst/>
+          </c:spPr>
+          <c:invertIfNegative val="0"/>
+          <c:cat>
+            <c:strRef>
+              <c:f>Coefficient!$D$4:$D$38</c:f>
+              <c:strCache>
+                <c:ptCount val="35"/>
+                <c:pt idx="0">
+                  <c:v>RMACx</c:v>
+                </c:pt>
+                <c:pt idx="1">
+                  <c:v> RLACz</c:v>
+                </c:pt>
+                <c:pt idx="2">
+                  <c:v> RLGYy</c:v>
+                </c:pt>
+                <c:pt idx="3">
+                  <c:v> LMGYz</c:v>
+                </c:pt>
+                <c:pt idx="4">
+                  <c:v> LLGYz</c:v>
+                </c:pt>
+                <c:pt idx="5">
+                  <c:v> height</c:v>
+                </c:pt>
+                <c:pt idx="6">
+                  <c:v> RankleWid</c:v>
+                </c:pt>
+                <c:pt idx="7">
+                  <c:v> Rleglen</c:v>
+                </c:pt>
+                <c:pt idx="8">
+                  <c:v> RMGYy</c:v>
+                </c:pt>
+                <c:pt idx="9">
+                  <c:v> RMGYz</c:v>
+                </c:pt>
+                <c:pt idx="10">
+                  <c:v> LkneeWid</c:v>
+                </c:pt>
+                <c:pt idx="11">
+                  <c:v> mass</c:v>
+                </c:pt>
+                <c:pt idx="12">
+                  <c:v> LLACx</c:v>
+                </c:pt>
+                <c:pt idx="13">
+                  <c:v> RMACy</c:v>
+                </c:pt>
+                <c:pt idx="14">
+                  <c:v> RMACz</c:v>
+                </c:pt>
+                <c:pt idx="15">
+                  <c:v> LMACy</c:v>
+                </c:pt>
+                <c:pt idx="16">
+                  <c:v> RLGYz</c:v>
+                </c:pt>
+                <c:pt idx="17">
+                  <c:v> LLGYy</c:v>
+                </c:pt>
+                <c:pt idx="18">
+                  <c:v> RLACy</c:v>
+                </c:pt>
+                <c:pt idx="19">
+                  <c:v> RMGYx</c:v>
+                </c:pt>
+                <c:pt idx="20">
+                  <c:v> RkneeWid</c:v>
+                </c:pt>
+                <c:pt idx="21">
+                  <c:v> RLGYx</c:v>
+                </c:pt>
+                <c:pt idx="22">
+                  <c:v> LMACx</c:v>
+                </c:pt>
+                <c:pt idx="23">
+                  <c:v> Lleglen</c:v>
+                </c:pt>
+                <c:pt idx="24">
+                  <c:v> LLGYx</c:v>
+                </c:pt>
+                <c:pt idx="25">
+                  <c:v> LLACy</c:v>
+                </c:pt>
+                <c:pt idx="26">
+                  <c:v> LMGYy</c:v>
+                </c:pt>
+                <c:pt idx="27">
+                  <c:v> RLACx</c:v>
+                </c:pt>
+                <c:pt idx="28">
+                  <c:v> LLACz</c:v>
+                </c:pt>
+                <c:pt idx="29">
+                  <c:v> LMACz</c:v>
+                </c:pt>
+                <c:pt idx="30">
+                  <c:v> age</c:v>
+                </c:pt>
+                <c:pt idx="31">
+                  <c:v> LMGYx</c:v>
+                </c:pt>
+                <c:pt idx="32">
+                  <c:v> LankleWid</c:v>
+                </c:pt>
+                <c:pt idx="33">
+                  <c:v> gender_F</c:v>
+                </c:pt>
+                <c:pt idx="34">
+                  <c:v> gender_M</c:v>
+                </c:pt>
+              </c:strCache>
+            </c:strRef>
+          </c:cat>
+          <c:val>
+            <c:numRef>
+              <c:f>Coefficient!$E$4:$E$38</c:f>
+              <c:numCache>
+                <c:formatCode>General</c:formatCode>
+                <c:ptCount val="35"/>
+                <c:pt idx="0">
+                  <c:v>0.25554796527097401</c:v>
+                </c:pt>
+                <c:pt idx="1">
+                  <c:v>8.2405772025782295E-2</c:v>
+                </c:pt>
+                <c:pt idx="2">
+                  <c:v>6.5550015265496198E-2</c:v>
+                </c:pt>
+                <c:pt idx="3">
+                  <c:v>5.0860476788209E-2</c:v>
+                </c:pt>
+                <c:pt idx="4">
+                  <c:v>4.4063083066198099E-2</c:v>
+                </c:pt>
+                <c:pt idx="5">
+                  <c:v>3.62520362108502E-2</c:v>
+                </c:pt>
+                <c:pt idx="6">
+                  <c:v>3.5756767654865899E-2</c:v>
+                </c:pt>
+                <c:pt idx="7">
+                  <c:v>3.3764641649320401E-2</c:v>
+                </c:pt>
+                <c:pt idx="8">
+                  <c:v>3.3176858287543999E-2</c:v>
+                </c:pt>
+                <c:pt idx="9">
+                  <c:v>2.7344953106372302E-2</c:v>
+                </c:pt>
+                <c:pt idx="10">
+                  <c:v>2.6317366384022899E-2</c:v>
+                </c:pt>
+                <c:pt idx="11">
+                  <c:v>2.58350331263522E-2</c:v>
+                </c:pt>
+                <c:pt idx="12">
+                  <c:v>1.9961798085714199E-2</c:v>
+                </c:pt>
+                <c:pt idx="13">
+                  <c:v>1.93241014977703E-2</c:v>
+                </c:pt>
+                <c:pt idx="14">
+                  <c:v>1.8666603698988E-2</c:v>
+                </c:pt>
+                <c:pt idx="15">
+                  <c:v>1.7366026247429001E-2</c:v>
+                </c:pt>
+                <c:pt idx="16">
+                  <c:v>1.73273187578298E-2</c:v>
+                </c:pt>
+                <c:pt idx="17">
+                  <c:v>1.72299595448836E-2</c:v>
+                </c:pt>
+                <c:pt idx="18">
+                  <c:v>1.6625835978022599E-2</c:v>
+                </c:pt>
+                <c:pt idx="19">
+                  <c:v>1.65915336406855E-2</c:v>
+                </c:pt>
+                <c:pt idx="20">
+                  <c:v>1.54223770323301E-2</c:v>
+                </c:pt>
+                <c:pt idx="21">
+                  <c:v>1.48209011547452E-2</c:v>
+                </c:pt>
+                <c:pt idx="22">
+                  <c:v>1.4531776753710699E-2</c:v>
+                </c:pt>
+                <c:pt idx="23">
+                  <c:v>1.3940119555324501E-2</c:v>
+                </c:pt>
+                <c:pt idx="24">
+                  <c:v>1.15081020160623E-2</c:v>
+                </c:pt>
+                <c:pt idx="25">
+                  <c:v>1.06245656541556E-2</c:v>
+                </c:pt>
+                <c:pt idx="26">
+                  <c:v>1.0213767342805199E-2</c:v>
+                </c:pt>
+                <c:pt idx="27">
+                  <c:v>9.3798036486073197E-3</c:v>
+                </c:pt>
+                <c:pt idx="28">
+                  <c:v>8.8064275838203396E-3</c:v>
+                </c:pt>
+                <c:pt idx="29">
+                  <c:v>7.80353192314036E-3</c:v>
+                </c:pt>
+                <c:pt idx="30">
+                  <c:v>7.6564548648511898E-3</c:v>
+                </c:pt>
+                <c:pt idx="31">
+                  <c:v>7.21062245606819E-3</c:v>
+                </c:pt>
+                <c:pt idx="32">
+                  <c:v>5.1297641458099303E-3</c:v>
+                </c:pt>
+                <c:pt idx="33">
+                  <c:v>2.14219836295875E-3</c:v>
+                </c:pt>
+                <c:pt idx="34">
+                  <c:v>8.4144121829763296E-4</c:v>
+                </c:pt>
+              </c:numCache>
+            </c:numRef>
+          </c:val>
+          <c:extLst>
+            <c:ext xmlns:c16="http://schemas.microsoft.com/office/drawing/2014/chart" uri="{C3380CC4-5D6E-409C-BE32-E72D297353CC}">
+              <c16:uniqueId val="{00000000-F4E0-40DD-A79E-125B1A3E05A0}"/>
+            </c:ext>
+          </c:extLst>
+        </c:ser>
+        <c:dLbls>
+          <c:showLegendKey val="0"/>
+          <c:showVal val="0"/>
+          <c:showCatName val="0"/>
+          <c:showSerName val="0"/>
+          <c:showPercent val="0"/>
+          <c:showBubbleSize val="0"/>
+        </c:dLbls>
+        <c:gapWidth val="219"/>
+        <c:overlap val="-27"/>
+        <c:axId val="452406703"/>
+        <c:axId val="452399631"/>
+      </c:barChart>
+      <c:catAx>
+        <c:axId val="452406703"/>
+        <c:scaling>
+          <c:orientation val="minMax"/>
+        </c:scaling>
+        <c:delete val="0"/>
+        <c:axPos val="b"/>
+        <c:numFmt formatCode="General" sourceLinked="1"/>
+        <c:majorTickMark val="none"/>
+        <c:minorTickMark val="none"/>
+        <c:tickLblPos val="nextTo"/>
+        <c:spPr>
+          <a:noFill/>
+          <a:ln w="9525" cap="flat" cmpd="sng" algn="ctr">
+            <a:solidFill>
+              <a:schemeClr val="tx1">
+                <a:lumMod val="15000"/>
+                <a:lumOff val="85000"/>
+              </a:schemeClr>
+            </a:solidFill>
+            <a:round/>
+          </a:ln>
+          <a:effectLst/>
+        </c:spPr>
+        <c:txPr>
+          <a:bodyPr rot="-60000000" spcFirstLastPara="1" vertOverflow="ellipsis" vert="horz" wrap="square" anchor="ctr" anchorCtr="1"/>
+          <a:lstStyle/>
+          <a:p>
+            <a:pPr>
+              <a:defRPr sz="900" b="0" i="0" u="none" strike="noStrike" kern="1200" baseline="0">
+                <a:solidFill>
+                  <a:schemeClr val="tx1">
+                    <a:lumMod val="65000"/>
+                    <a:lumOff val="35000"/>
+                  </a:schemeClr>
+                </a:solidFill>
+                <a:latin typeface="+mn-lt"/>
+                <a:ea typeface="+mn-ea"/>
+                <a:cs typeface="+mn-cs"/>
+              </a:defRPr>
+            </a:pPr>
+            <a:endParaRPr lang="en-US"/>
+          </a:p>
+        </c:txPr>
+        <c:crossAx val="452399631"/>
+        <c:crosses val="autoZero"/>
+        <c:auto val="1"/>
+        <c:lblAlgn val="ctr"/>
+        <c:lblOffset val="100"/>
+        <c:noMultiLvlLbl val="0"/>
+      </c:catAx>
+      <c:valAx>
+        <c:axId val="452399631"/>
+        <c:scaling>
+          <c:orientation val="minMax"/>
+        </c:scaling>
+        <c:delete val="0"/>
+        <c:axPos val="l"/>
+        <c:majorGridlines>
+          <c:spPr>
+            <a:ln w="9525" cap="flat" cmpd="sng" algn="ctr">
+              <a:solidFill>
+                <a:schemeClr val="tx1">
+                  <a:lumMod val="15000"/>
+                  <a:lumOff val="85000"/>
+                </a:schemeClr>
+              </a:solidFill>
+              <a:round/>
+            </a:ln>
+            <a:effectLst/>
+          </c:spPr>
+        </c:majorGridlines>
+        <c:numFmt formatCode="General" sourceLinked="1"/>
+        <c:majorTickMark val="none"/>
+        <c:minorTickMark val="none"/>
+        <c:tickLblPos val="nextTo"/>
+        <c:spPr>
+          <a:noFill/>
+          <a:ln>
+            <a:noFill/>
+          </a:ln>
+          <a:effectLst/>
+        </c:spPr>
+        <c:txPr>
+          <a:bodyPr rot="-60000000" spcFirstLastPara="1" vertOverflow="ellipsis" vert="horz" wrap="square" anchor="ctr" anchorCtr="1"/>
+          <a:lstStyle/>
+          <a:p>
+            <a:pPr>
+              <a:defRPr sz="900" b="0" i="0" u="none" strike="noStrike" kern="1200" baseline="0">
+                <a:solidFill>
+                  <a:schemeClr val="tx1">
+                    <a:lumMod val="65000"/>
+                    <a:lumOff val="35000"/>
+                  </a:schemeClr>
+                </a:solidFill>
+                <a:latin typeface="+mn-lt"/>
+                <a:ea typeface="+mn-ea"/>
+                <a:cs typeface="+mn-cs"/>
+              </a:defRPr>
+            </a:pPr>
+            <a:endParaRPr lang="en-US"/>
+          </a:p>
+        </c:txPr>
+        <c:crossAx val="452406703"/>
+        <c:crosses val="autoZero"/>
+        <c:crossBetween val="between"/>
+      </c:valAx>
+      <c:spPr>
+        <a:noFill/>
+        <a:ln>
+          <a:noFill/>
+        </a:ln>
+        <a:effectLst/>
+      </c:spPr>
+    </c:plotArea>
+    <c:plotVisOnly val="1"/>
+    <c:dispBlanksAs val="gap"/>
+    <c:showDLblsOverMax val="0"/>
+  </c:chart>
+  <c:spPr>
+    <a:noFill/>
+    <a:ln>
+      <a:noFill/>
+    </a:ln>
+    <a:effectLst/>
+  </c:spPr>
+  <c:txPr>
+    <a:bodyPr/>
+    <a:lstStyle/>
+    <a:p>
+      <a:pPr>
+        <a:defRPr/>
+      </a:pPr>
+      <a:endParaRPr lang="en-US"/>
+    </a:p>
+  </c:txPr>
+  <c:externalData r:id="rId3">
+    <c:autoUpdate val="0"/>
+  </c:externalData>
+</c:chartSpace>
+</file>
+
+<file path=ppt/charts/chart3.xml><?xml version="1.0" encoding="utf-8"?>
+<c:chartSpace xmlns:c="http://schemas.openxmlformats.org/drawingml/2006/chart" xmlns:a="http://schemas.openxmlformats.org/drawingml/2006/main" xmlns:r="http://schemas.openxmlformats.org/officeDocument/2006/relationships" xmlns:c16r2="http://schemas.microsoft.com/office/drawing/2015/06/chart">
+  <c:date1904 val="0"/>
+  <c:lang val="en-US"/>
+  <c:roundedCorners val="0"/>
+  <mc:AlternateContent xmlns:mc="http://schemas.openxmlformats.org/markup-compatibility/2006">
+    <mc:Choice xmlns:c14="http://schemas.microsoft.com/office/drawing/2007/8/2/chart" Requires="c14">
+      <c14:style val="102"/>
+    </mc:Choice>
+    <mc:Fallback>
+      <c:style val="2"/>
+    </mc:Fallback>
+  </mc:AlternateContent>
+  <c:chart>
+    <c:title>
+      <c:tx>
+        <c:rich>
+          <a:bodyPr rot="0" spcFirstLastPara="1" vertOverflow="ellipsis" vert="horz" wrap="square" anchor="ctr" anchorCtr="1"/>
+          <a:lstStyle/>
+          <a:p>
+            <a:pPr>
+              <a:defRPr sz="1400" b="0" i="0" u="none" strike="noStrike" kern="1200" spc="0" baseline="0">
+                <a:solidFill>
+                  <a:schemeClr val="tx1">
+                    <a:lumMod val="65000"/>
+                    <a:lumOff val="35000"/>
+                  </a:schemeClr>
+                </a:solidFill>
+                <a:latin typeface="+mn-lt"/>
+                <a:ea typeface="+mn-ea"/>
+                <a:cs typeface="+mn-cs"/>
+              </a:defRPr>
+            </a:pPr>
+            <a:r>
+              <a:rPr lang="en-US" sz="1400" b="0" i="0" baseline="0" dirty="0" err="1" smtClean="0">
+                <a:effectLst/>
+              </a:rPr>
+              <a:t>IoT</a:t>
+            </a:r>
+            <a:r>
+              <a:rPr lang="en-US" sz="1400" b="0" i="0" baseline="0" dirty="0" smtClean="0">
+                <a:effectLst/>
+              </a:rPr>
+              <a:t> RF-R</a:t>
+            </a:r>
+            <a:endParaRPr lang="en-US" sz="1400" dirty="0">
+              <a:effectLst/>
+            </a:endParaRPr>
+          </a:p>
+        </c:rich>
+      </c:tx>
+      <c:layout/>
+      <c:overlay val="0"/>
+      <c:spPr>
+        <a:noFill/>
+        <a:ln>
+          <a:noFill/>
+        </a:ln>
+        <a:effectLst/>
+      </c:spPr>
+      <c:txPr>
+        <a:bodyPr rot="0" spcFirstLastPara="1" vertOverflow="ellipsis" vert="horz" wrap="square" anchor="ctr" anchorCtr="1"/>
+        <a:lstStyle/>
+        <a:p>
+          <a:pPr>
+            <a:defRPr sz="1400" b="0" i="0" u="none" strike="noStrike" kern="1200" spc="0" baseline="0">
+              <a:solidFill>
+                <a:schemeClr val="tx1">
+                  <a:lumMod val="65000"/>
+                  <a:lumOff val="35000"/>
+                </a:schemeClr>
+              </a:solidFill>
+              <a:latin typeface="+mn-lt"/>
+              <a:ea typeface="+mn-ea"/>
+              <a:cs typeface="+mn-cs"/>
+            </a:defRPr>
+          </a:pPr>
+          <a:endParaRPr lang="en-US"/>
+        </a:p>
+      </c:txPr>
+    </c:title>
+    <c:autoTitleDeleted val="0"/>
+    <c:plotArea>
+      <c:layout/>
+      <c:barChart>
+        <c:barDir val="col"/>
+        <c:grouping val="clustered"/>
+        <c:varyColors val="0"/>
+        <c:ser>
+          <c:idx val="0"/>
+          <c:order val="0"/>
+          <c:spPr>
+            <a:solidFill>
+              <a:schemeClr val="accent1"/>
+            </a:solidFill>
+            <a:ln>
+              <a:noFill/>
+            </a:ln>
+            <a:effectLst/>
+          </c:spPr>
+          <c:invertIfNegative val="0"/>
+          <c:cat>
+            <c:strRef>
+              <c:f>Coefficient!$G$4:$G$38</c:f>
+              <c:strCache>
+                <c:ptCount val="35"/>
+                <c:pt idx="0">
+                  <c:v>RLGYz</c:v>
+                </c:pt>
+                <c:pt idx="1">
+                  <c:v> height</c:v>
+                </c:pt>
+                <c:pt idx="2">
+                  <c:v> LMGYz</c:v>
+                </c:pt>
+                <c:pt idx="3">
+                  <c:v> RLGYx</c:v>
+                </c:pt>
+                <c:pt idx="4">
+                  <c:v> RLACy</c:v>
+                </c:pt>
+                <c:pt idx="5">
+                  <c:v> RankleWid</c:v>
+                </c:pt>
+                <c:pt idx="6">
+                  <c:v> LMACx</c:v>
+                </c:pt>
+                <c:pt idx="7">
+                  <c:v> RLACx</c:v>
+                </c:pt>
+                <c:pt idx="8">
+                  <c:v> LMGYx</c:v>
+                </c:pt>
+                <c:pt idx="9">
+                  <c:v> RMGYz</c:v>
+                </c:pt>
+                <c:pt idx="10">
+                  <c:v> LMGYy</c:v>
+                </c:pt>
+                <c:pt idx="11">
+                  <c:v> age</c:v>
+                </c:pt>
+                <c:pt idx="12">
+                  <c:v> RLGYy</c:v>
+                </c:pt>
+                <c:pt idx="13">
+                  <c:v> LLGYz</c:v>
+                </c:pt>
+                <c:pt idx="14">
+                  <c:v> mass</c:v>
+                </c:pt>
+                <c:pt idx="15">
+                  <c:v> LLACy</c:v>
+                </c:pt>
+                <c:pt idx="16">
+                  <c:v> LMACy</c:v>
+                </c:pt>
+                <c:pt idx="17">
+                  <c:v> RMACx</c:v>
+                </c:pt>
+                <c:pt idx="18">
+                  <c:v> LLGYy</c:v>
+                </c:pt>
+                <c:pt idx="19">
+                  <c:v> LLACx</c:v>
+                </c:pt>
+                <c:pt idx="20">
+                  <c:v> Lleglen</c:v>
+                </c:pt>
+                <c:pt idx="21">
+                  <c:v> RMGYx</c:v>
+                </c:pt>
+                <c:pt idx="22">
+                  <c:v> LankleWid</c:v>
+                </c:pt>
+                <c:pt idx="23">
+                  <c:v> LLACz</c:v>
+                </c:pt>
+                <c:pt idx="24">
+                  <c:v> RMGYy</c:v>
+                </c:pt>
+                <c:pt idx="25">
+                  <c:v> LLGYx</c:v>
+                </c:pt>
+                <c:pt idx="26">
+                  <c:v> LMACz</c:v>
+                </c:pt>
+                <c:pt idx="27">
+                  <c:v> RLACz</c:v>
+                </c:pt>
+                <c:pt idx="28">
+                  <c:v> RMACy</c:v>
+                </c:pt>
+                <c:pt idx="29">
+                  <c:v> Rleglen</c:v>
+                </c:pt>
+                <c:pt idx="30">
+                  <c:v> RMACz</c:v>
+                </c:pt>
+                <c:pt idx="31">
+                  <c:v> LkneeWid</c:v>
+                </c:pt>
+                <c:pt idx="32">
+                  <c:v> RkneeWid</c:v>
+                </c:pt>
+                <c:pt idx="33">
+                  <c:v> gender_F</c:v>
+                </c:pt>
+                <c:pt idx="34">
+                  <c:v> gender_M</c:v>
+                </c:pt>
+              </c:strCache>
+            </c:strRef>
+          </c:cat>
+          <c:val>
+            <c:numRef>
+              <c:f>Coefficient!$H$4:$H$38</c:f>
+              <c:numCache>
+                <c:formatCode>General</c:formatCode>
+                <c:ptCount val="35"/>
+                <c:pt idx="0">
+                  <c:v>0.26682262522455202</c:v>
+                </c:pt>
+                <c:pt idx="1">
+                  <c:v>0.17367401913633199</c:v>
+                </c:pt>
+                <c:pt idx="2">
+                  <c:v>7.4287490626459701E-2</c:v>
+                </c:pt>
+                <c:pt idx="3">
+                  <c:v>5.2949181408222398E-2</c:v>
+                </c:pt>
+                <c:pt idx="4">
+                  <c:v>3.3113016476378099E-2</c:v>
+                </c:pt>
+                <c:pt idx="5">
+                  <c:v>2.9580384748637199E-2</c:v>
+                </c:pt>
+                <c:pt idx="6">
+                  <c:v>2.5711988155466999E-2</c:v>
+                </c:pt>
+                <c:pt idx="7">
+                  <c:v>2.4431668174214698E-2</c:v>
+                </c:pt>
+                <c:pt idx="8">
+                  <c:v>2.4057239895124202E-2</c:v>
+                </c:pt>
+                <c:pt idx="9">
+                  <c:v>2.2724228926068499E-2</c:v>
+                </c:pt>
+                <c:pt idx="10">
+                  <c:v>2.0634348394897601E-2</c:v>
+                </c:pt>
+                <c:pt idx="11">
+                  <c:v>2.05734913022112E-2</c:v>
+                </c:pt>
+                <c:pt idx="12">
+                  <c:v>1.89775561118571E-2</c:v>
+                </c:pt>
+                <c:pt idx="13">
+                  <c:v>1.7733446515827998E-2</c:v>
+                </c:pt>
+                <c:pt idx="14">
+                  <c:v>1.5855104151428101E-2</c:v>
+                </c:pt>
+                <c:pt idx="15">
+                  <c:v>1.50175411191113E-2</c:v>
+                </c:pt>
+                <c:pt idx="16">
+                  <c:v>1.3929671596449899E-2</c:v>
+                </c:pt>
+                <c:pt idx="17">
+                  <c:v>1.2974505174572199E-2</c:v>
+                </c:pt>
+                <c:pt idx="18">
+                  <c:v>1.2935435487041E-2</c:v>
+                </c:pt>
+                <c:pt idx="19">
+                  <c:v>1.2710073314445101E-2</c:v>
+                </c:pt>
+                <c:pt idx="20">
+                  <c:v>1.1484822069386599E-2</c:v>
+                </c:pt>
+                <c:pt idx="21">
+                  <c:v>1.12176566479124E-2</c:v>
+                </c:pt>
+                <c:pt idx="22">
+                  <c:v>1.11095341122892E-2</c:v>
+                </c:pt>
+                <c:pt idx="23">
+                  <c:v>1.08167396100063E-2</c:v>
+                </c:pt>
+                <c:pt idx="24">
+                  <c:v>9.9819174643883107E-3</c:v>
+                </c:pt>
+                <c:pt idx="25">
+                  <c:v>9.5354049067720593E-3</c:v>
+                </c:pt>
+                <c:pt idx="26">
+                  <c:v>8.6848233721818196E-3</c:v>
+                </c:pt>
+                <c:pt idx="27">
+                  <c:v>8.6110840566013397E-3</c:v>
+                </c:pt>
+                <c:pt idx="28">
+                  <c:v>7.8231882276626995E-3</c:v>
+                </c:pt>
+                <c:pt idx="29">
+                  <c:v>7.5063564708029501E-3</c:v>
+                </c:pt>
+                <c:pt idx="30">
+                  <c:v>7.3060684903077603E-3</c:v>
+                </c:pt>
+                <c:pt idx="31">
+                  <c:v>4.1389386721923703E-3</c:v>
+                </c:pt>
+                <c:pt idx="32">
+                  <c:v>2.5315324185696E-3</c:v>
+                </c:pt>
+                <c:pt idx="33">
+                  <c:v>3.3260916576126299E-4</c:v>
+                </c:pt>
+                <c:pt idx="34">
+                  <c:v>2.2630837586602899E-4</c:v>
+                </c:pt>
+              </c:numCache>
+            </c:numRef>
+          </c:val>
+          <c:extLst>
+            <c:ext xmlns:c16="http://schemas.microsoft.com/office/drawing/2014/chart" uri="{C3380CC4-5D6E-409C-BE32-E72D297353CC}">
+              <c16:uniqueId val="{00000000-82AF-4413-A5E9-30658A876D57}"/>
+            </c:ext>
+          </c:extLst>
+        </c:ser>
+        <c:dLbls>
+          <c:showLegendKey val="0"/>
+          <c:showVal val="0"/>
+          <c:showCatName val="0"/>
+          <c:showSerName val="0"/>
+          <c:showPercent val="0"/>
+          <c:showBubbleSize val="0"/>
+        </c:dLbls>
+        <c:gapWidth val="219"/>
+        <c:overlap val="-27"/>
+        <c:axId val="469194271"/>
+        <c:axId val="469185119"/>
+      </c:barChart>
+      <c:catAx>
+        <c:axId val="469194271"/>
+        <c:scaling>
+          <c:orientation val="minMax"/>
+        </c:scaling>
+        <c:delete val="0"/>
+        <c:axPos val="b"/>
+        <c:numFmt formatCode="General" sourceLinked="1"/>
+        <c:majorTickMark val="none"/>
+        <c:minorTickMark val="none"/>
+        <c:tickLblPos val="nextTo"/>
+        <c:spPr>
+          <a:noFill/>
+          <a:ln w="9525" cap="flat" cmpd="sng" algn="ctr">
+            <a:solidFill>
+              <a:schemeClr val="tx1">
+                <a:lumMod val="15000"/>
+                <a:lumOff val="85000"/>
+              </a:schemeClr>
+            </a:solidFill>
+            <a:round/>
+          </a:ln>
+          <a:effectLst/>
+        </c:spPr>
+        <c:txPr>
+          <a:bodyPr rot="-60000000" spcFirstLastPara="1" vertOverflow="ellipsis" vert="horz" wrap="square" anchor="ctr" anchorCtr="1"/>
+          <a:lstStyle/>
+          <a:p>
+            <a:pPr>
+              <a:defRPr sz="900" b="0" i="0" u="none" strike="noStrike" kern="1200" baseline="0">
+                <a:solidFill>
+                  <a:schemeClr val="tx1">
+                    <a:lumMod val="65000"/>
+                    <a:lumOff val="35000"/>
+                  </a:schemeClr>
+                </a:solidFill>
+                <a:latin typeface="+mn-lt"/>
+                <a:ea typeface="+mn-ea"/>
+                <a:cs typeface="+mn-cs"/>
+              </a:defRPr>
+            </a:pPr>
+            <a:endParaRPr lang="en-US"/>
+          </a:p>
+        </c:txPr>
+        <c:crossAx val="469185119"/>
+        <c:crosses val="autoZero"/>
+        <c:auto val="1"/>
+        <c:lblAlgn val="ctr"/>
+        <c:lblOffset val="100"/>
+        <c:noMultiLvlLbl val="0"/>
+      </c:catAx>
+      <c:valAx>
+        <c:axId val="469185119"/>
+        <c:scaling>
+          <c:orientation val="minMax"/>
+        </c:scaling>
+        <c:delete val="0"/>
+        <c:axPos val="l"/>
+        <c:majorGridlines>
+          <c:spPr>
+            <a:ln w="9525" cap="flat" cmpd="sng" algn="ctr">
+              <a:solidFill>
+                <a:schemeClr val="tx1">
+                  <a:lumMod val="15000"/>
+                  <a:lumOff val="85000"/>
+                </a:schemeClr>
+              </a:solidFill>
+              <a:round/>
+            </a:ln>
+            <a:effectLst/>
+          </c:spPr>
+        </c:majorGridlines>
+        <c:numFmt formatCode="General" sourceLinked="1"/>
+        <c:majorTickMark val="none"/>
+        <c:minorTickMark val="none"/>
+        <c:tickLblPos val="nextTo"/>
+        <c:spPr>
+          <a:noFill/>
+          <a:ln>
+            <a:noFill/>
+          </a:ln>
+          <a:effectLst/>
+        </c:spPr>
+        <c:txPr>
+          <a:bodyPr rot="-60000000" spcFirstLastPara="1" vertOverflow="ellipsis" vert="horz" wrap="square" anchor="ctr" anchorCtr="1"/>
+          <a:lstStyle/>
+          <a:p>
+            <a:pPr>
+              <a:defRPr sz="900" b="0" i="0" u="none" strike="noStrike" kern="1200" baseline="0">
+                <a:solidFill>
+                  <a:schemeClr val="tx1">
+                    <a:lumMod val="65000"/>
+                    <a:lumOff val="35000"/>
+                  </a:schemeClr>
+                </a:solidFill>
+                <a:latin typeface="+mn-lt"/>
+                <a:ea typeface="+mn-ea"/>
+                <a:cs typeface="+mn-cs"/>
+              </a:defRPr>
+            </a:pPr>
+            <a:endParaRPr lang="en-US"/>
+          </a:p>
+        </c:txPr>
+        <c:crossAx val="469194271"/>
+        <c:crosses val="autoZero"/>
+        <c:crossBetween val="between"/>
+      </c:valAx>
+      <c:spPr>
+        <a:noFill/>
+        <a:ln>
+          <a:noFill/>
+        </a:ln>
+        <a:effectLst/>
+      </c:spPr>
+    </c:plotArea>
+    <c:plotVisOnly val="1"/>
+    <c:dispBlanksAs val="gap"/>
+    <c:showDLblsOverMax val="0"/>
+  </c:chart>
+  <c:spPr>
+    <a:noFill/>
+    <a:ln>
+      <a:noFill/>
+    </a:ln>
+    <a:effectLst/>
+  </c:spPr>
+  <c:txPr>
+    <a:bodyPr/>
+    <a:lstStyle/>
+    <a:p>
+      <a:pPr>
+        <a:defRPr/>
+      </a:pPr>
+      <a:endParaRPr lang="en-US"/>
+    </a:p>
+  </c:txPr>
+  <c:externalData r:id="rId3">
+    <c:autoUpdate val="0"/>
+  </c:externalData>
+</c:chartSpace>
+</file>
+
+<file path=ppt/charts/chart4.xml><?xml version="1.0" encoding="utf-8"?>
+<c:chartSpace xmlns:c="http://schemas.openxmlformats.org/drawingml/2006/chart" xmlns:a="http://schemas.openxmlformats.org/drawingml/2006/main" xmlns:r="http://schemas.openxmlformats.org/officeDocument/2006/relationships" xmlns:c16r2="http://schemas.microsoft.com/office/drawing/2015/06/chart">
+  <c:date1904 val="0"/>
+  <c:lang val="en-US"/>
+  <c:roundedCorners val="0"/>
+  <mc:AlternateContent xmlns:mc="http://schemas.openxmlformats.org/markup-compatibility/2006">
+    <mc:Choice xmlns:c14="http://schemas.microsoft.com/office/drawing/2007/8/2/chart" Requires="c14">
+      <c14:style val="102"/>
+    </mc:Choice>
+    <mc:Fallback>
+      <c:style val="2"/>
+    </mc:Fallback>
+  </mc:AlternateContent>
+  <c:chart>
+    <c:title>
+      <c:tx>
+        <c:rich>
+          <a:bodyPr rot="0" spcFirstLastPara="1" vertOverflow="ellipsis" vert="horz" wrap="square" anchor="ctr" anchorCtr="1"/>
+          <a:lstStyle/>
+          <a:p>
+            <a:pPr>
+              <a:defRPr sz="1400" b="0" i="0" u="none" strike="noStrike" kern="1200" spc="0" baseline="0">
+                <a:solidFill>
+                  <a:schemeClr val="tx1">
+                    <a:lumMod val="65000"/>
+                    <a:lumOff val="35000"/>
+                  </a:schemeClr>
+                </a:solidFill>
+                <a:latin typeface="+mn-lt"/>
+                <a:ea typeface="+mn-ea"/>
+                <a:cs typeface="+mn-cs"/>
+              </a:defRPr>
+            </a:pPr>
+            <a:r>
+              <a:rPr lang="en-US" dirty="0" err="1" smtClean="0"/>
+              <a:t>IoT</a:t>
+            </a:r>
+            <a:r>
+              <a:rPr lang="en-US" dirty="0" smtClean="0"/>
+              <a:t> RF-L</a:t>
+            </a:r>
+            <a:endParaRPr lang="en-US" dirty="0"/>
+          </a:p>
+        </c:rich>
+      </c:tx>
+      <c:layout/>
+      <c:overlay val="0"/>
+      <c:spPr>
+        <a:noFill/>
+        <a:ln>
+          <a:noFill/>
+        </a:ln>
+        <a:effectLst/>
+      </c:spPr>
+      <c:txPr>
+        <a:bodyPr rot="0" spcFirstLastPara="1" vertOverflow="ellipsis" vert="horz" wrap="square" anchor="ctr" anchorCtr="1"/>
+        <a:lstStyle/>
+        <a:p>
+          <a:pPr>
+            <a:defRPr sz="1400" b="0" i="0" u="none" strike="noStrike" kern="1200" spc="0" baseline="0">
+              <a:solidFill>
+                <a:schemeClr val="tx1">
+                  <a:lumMod val="65000"/>
+                  <a:lumOff val="35000"/>
+                </a:schemeClr>
+              </a:solidFill>
+              <a:latin typeface="+mn-lt"/>
+              <a:ea typeface="+mn-ea"/>
+              <a:cs typeface="+mn-cs"/>
+            </a:defRPr>
+          </a:pPr>
+          <a:endParaRPr lang="en-US"/>
+        </a:p>
+      </c:txPr>
+    </c:title>
+    <c:autoTitleDeleted val="0"/>
+    <c:plotArea>
+      <c:layout/>
+      <c:barChart>
+        <c:barDir val="col"/>
+        <c:grouping val="clustered"/>
+        <c:varyColors val="0"/>
+        <c:ser>
+          <c:idx val="0"/>
+          <c:order val="0"/>
+          <c:spPr>
+            <a:solidFill>
+              <a:schemeClr val="accent1"/>
+            </a:solidFill>
+            <a:ln>
+              <a:noFill/>
+            </a:ln>
+            <a:effectLst/>
+          </c:spPr>
+          <c:invertIfNegative val="0"/>
+          <c:cat>
+            <c:strRef>
+              <c:f>Coefficient!$I$4:$I$38</c:f>
+              <c:strCache>
+                <c:ptCount val="35"/>
+                <c:pt idx="0">
+                  <c:v>LMGYz</c:v>
+                </c:pt>
+                <c:pt idx="1">
+                  <c:v> RankleWid</c:v>
+                </c:pt>
+                <c:pt idx="2">
+                  <c:v> RLGYz</c:v>
+                </c:pt>
+                <c:pt idx="3">
+                  <c:v> Rleglen</c:v>
+                </c:pt>
+                <c:pt idx="4">
+                  <c:v> RLACy</c:v>
+                </c:pt>
+                <c:pt idx="5">
+                  <c:v> LMACx</c:v>
+                </c:pt>
+                <c:pt idx="6">
+                  <c:v> RLACx</c:v>
+                </c:pt>
+                <c:pt idx="7">
+                  <c:v> LMGYx</c:v>
+                </c:pt>
+                <c:pt idx="8">
+                  <c:v> RMGYz</c:v>
+                </c:pt>
+                <c:pt idx="9">
+                  <c:v> LLACx</c:v>
+                </c:pt>
+                <c:pt idx="10">
+                  <c:v> LMGYy</c:v>
+                </c:pt>
+                <c:pt idx="11">
+                  <c:v> LLGYy</c:v>
+                </c:pt>
+                <c:pt idx="12">
+                  <c:v> RMGYx</c:v>
+                </c:pt>
+                <c:pt idx="13">
+                  <c:v> LLGYx</c:v>
+                </c:pt>
+                <c:pt idx="14">
+                  <c:v> LLGYz</c:v>
+                </c:pt>
+                <c:pt idx="15">
+                  <c:v> RLGYy</c:v>
+                </c:pt>
+                <c:pt idx="16">
+                  <c:v> LLACz</c:v>
+                </c:pt>
+                <c:pt idx="17">
+                  <c:v> RLGYx</c:v>
+                </c:pt>
+                <c:pt idx="18">
+                  <c:v> LMACy</c:v>
+                </c:pt>
+                <c:pt idx="19">
+                  <c:v> RLACz</c:v>
+                </c:pt>
+                <c:pt idx="20">
+                  <c:v> RMACz</c:v>
+                </c:pt>
+                <c:pt idx="21">
+                  <c:v> RMACy</c:v>
+                </c:pt>
+                <c:pt idx="22">
+                  <c:v> RMGYy</c:v>
+                </c:pt>
+                <c:pt idx="23">
+                  <c:v> LLACy</c:v>
+                </c:pt>
+                <c:pt idx="24">
+                  <c:v> RMACx</c:v>
+                </c:pt>
+                <c:pt idx="25">
+                  <c:v> LMACz</c:v>
+                </c:pt>
+                <c:pt idx="26">
+                  <c:v> RkneeWid</c:v>
+                </c:pt>
+                <c:pt idx="27">
+                  <c:v> age</c:v>
+                </c:pt>
+                <c:pt idx="28">
+                  <c:v> LankleWid</c:v>
+                </c:pt>
+                <c:pt idx="29">
+                  <c:v> mass</c:v>
+                </c:pt>
+                <c:pt idx="30">
+                  <c:v> Lleglen</c:v>
+                </c:pt>
+                <c:pt idx="31">
+                  <c:v> height</c:v>
+                </c:pt>
+                <c:pt idx="32">
+                  <c:v> LkneeWid</c:v>
+                </c:pt>
+                <c:pt idx="33">
+                  <c:v> gender_F</c:v>
+                </c:pt>
+                <c:pt idx="34">
+                  <c:v> gender_M</c:v>
+                </c:pt>
+              </c:strCache>
+            </c:strRef>
+          </c:cat>
+          <c:val>
+            <c:numRef>
+              <c:f>Coefficient!$J$4:$J$38</c:f>
+              <c:numCache>
+                <c:formatCode>General</c:formatCode>
+                <c:ptCount val="35"/>
+                <c:pt idx="0">
+                  <c:v>0.40692032010875401</c:v>
+                </c:pt>
+                <c:pt idx="1">
+                  <c:v>0.126939593088437</c:v>
+                </c:pt>
+                <c:pt idx="2">
+                  <c:v>8.13216176039121E-2</c:v>
+                </c:pt>
+                <c:pt idx="3">
+                  <c:v>4.4342965903614903E-2</c:v>
+                </c:pt>
+                <c:pt idx="4">
+                  <c:v>3.4744269015351298E-2</c:v>
+                </c:pt>
+                <c:pt idx="5">
+                  <c:v>2.34799817126779E-2</c:v>
+                </c:pt>
+                <c:pt idx="6">
+                  <c:v>2.2667241145945899E-2</c:v>
+                </c:pt>
+                <c:pt idx="7">
+                  <c:v>2.20792033744707E-2</c:v>
+                </c:pt>
+                <c:pt idx="8">
+                  <c:v>2.0528792629229901E-2</c:v>
+                </c:pt>
+                <c:pt idx="9">
+                  <c:v>1.9396940938054899E-2</c:v>
+                </c:pt>
+                <c:pt idx="10">
+                  <c:v>1.6991568291172501E-2</c:v>
+                </c:pt>
+                <c:pt idx="11">
+                  <c:v>1.3967926913249801E-2</c:v>
+                </c:pt>
+                <c:pt idx="12">
+                  <c:v>1.38038454860543E-2</c:v>
+                </c:pt>
+                <c:pt idx="13">
+                  <c:v>1.1816016795616601E-2</c:v>
+                </c:pt>
+                <c:pt idx="14">
+                  <c:v>1.0801570675881301E-2</c:v>
+                </c:pt>
+                <c:pt idx="15">
+                  <c:v>1.0354389815846301E-2</c:v>
+                </c:pt>
+                <c:pt idx="16">
+                  <c:v>1.00047249164914E-2</c:v>
+                </c:pt>
+                <c:pt idx="17">
+                  <c:v>9.9264162348632196E-3</c:v>
+                </c:pt>
+                <c:pt idx="18">
+                  <c:v>9.4960046339698703E-3</c:v>
+                </c:pt>
+                <c:pt idx="19">
+                  <c:v>9.3266299023289298E-3</c:v>
+                </c:pt>
+                <c:pt idx="20">
+                  <c:v>9.2266490796442807E-3</c:v>
+                </c:pt>
+                <c:pt idx="21">
+                  <c:v>8.9326608918488606E-3</c:v>
+                </c:pt>
+                <c:pt idx="22">
+                  <c:v>8.7471398986864093E-3</c:v>
+                </c:pt>
+                <c:pt idx="23">
+                  <c:v>7.6895477508456501E-3</c:v>
+                </c:pt>
+                <c:pt idx="24">
+                  <c:v>7.0549896257730898E-3</c:v>
+                </c:pt>
+                <c:pt idx="25">
+                  <c:v>6.9021809080963602E-3</c:v>
+                </c:pt>
+                <c:pt idx="26">
+                  <c:v>5.7940661612460396E-3</c:v>
+                </c:pt>
+                <c:pt idx="27">
+                  <c:v>5.0820085759190701E-3</c:v>
+                </c:pt>
+                <c:pt idx="28">
+                  <c:v>4.9449359058623896E-3</c:v>
+                </c:pt>
+                <c:pt idx="29">
+                  <c:v>4.6195187840236199E-3</c:v>
+                </c:pt>
+                <c:pt idx="30">
+                  <c:v>3.88573711907914E-3</c:v>
+                </c:pt>
+                <c:pt idx="31">
+                  <c:v>3.6680771412455401E-3</c:v>
+                </c:pt>
+                <c:pt idx="32">
+                  <c:v>2.0880496911809001E-3</c:v>
+                </c:pt>
+                <c:pt idx="33">
+                  <c:v>1.9573236528783698E-3</c:v>
+                </c:pt>
+                <c:pt idx="34">
+                  <c:v>4.9709562774559804E-4</c:v>
+                </c:pt>
+              </c:numCache>
+            </c:numRef>
+          </c:val>
+          <c:extLst>
+            <c:ext xmlns:c16="http://schemas.microsoft.com/office/drawing/2014/chart" uri="{C3380CC4-5D6E-409C-BE32-E72D297353CC}">
+              <c16:uniqueId val="{00000000-6A5E-4355-A20A-2EF146CB6B4E}"/>
+            </c:ext>
+          </c:extLst>
+        </c:ser>
+        <c:dLbls>
+          <c:showLegendKey val="0"/>
+          <c:showVal val="0"/>
+          <c:showCatName val="0"/>
+          <c:showSerName val="0"/>
+          <c:showPercent val="0"/>
+          <c:showBubbleSize val="0"/>
+        </c:dLbls>
+        <c:gapWidth val="219"/>
+        <c:overlap val="-27"/>
+        <c:axId val="469188031"/>
+        <c:axId val="469183455"/>
+      </c:barChart>
+      <c:catAx>
+        <c:axId val="469188031"/>
+        <c:scaling>
+          <c:orientation val="minMax"/>
+        </c:scaling>
+        <c:delete val="0"/>
+        <c:axPos val="b"/>
+        <c:numFmt formatCode="General" sourceLinked="1"/>
+        <c:majorTickMark val="none"/>
+        <c:minorTickMark val="none"/>
+        <c:tickLblPos val="nextTo"/>
+        <c:spPr>
+          <a:noFill/>
+          <a:ln w="9525" cap="flat" cmpd="sng" algn="ctr">
+            <a:solidFill>
+              <a:schemeClr val="tx1">
+                <a:lumMod val="15000"/>
+                <a:lumOff val="85000"/>
+              </a:schemeClr>
+            </a:solidFill>
+            <a:round/>
+          </a:ln>
+          <a:effectLst/>
+        </c:spPr>
+        <c:txPr>
+          <a:bodyPr rot="-60000000" spcFirstLastPara="1" vertOverflow="ellipsis" vert="horz" wrap="square" anchor="ctr" anchorCtr="1"/>
+          <a:lstStyle/>
+          <a:p>
+            <a:pPr>
+              <a:defRPr sz="900" b="0" i="0" u="none" strike="noStrike" kern="1200" baseline="0">
+                <a:solidFill>
+                  <a:schemeClr val="tx1">
+                    <a:lumMod val="65000"/>
+                    <a:lumOff val="35000"/>
+                  </a:schemeClr>
+                </a:solidFill>
+                <a:latin typeface="+mn-lt"/>
+                <a:ea typeface="+mn-ea"/>
+                <a:cs typeface="+mn-cs"/>
+              </a:defRPr>
+            </a:pPr>
+            <a:endParaRPr lang="en-US"/>
+          </a:p>
+        </c:txPr>
+        <c:crossAx val="469183455"/>
+        <c:crosses val="autoZero"/>
+        <c:auto val="1"/>
+        <c:lblAlgn val="ctr"/>
+        <c:lblOffset val="100"/>
+        <c:noMultiLvlLbl val="0"/>
+      </c:catAx>
+      <c:valAx>
+        <c:axId val="469183455"/>
+        <c:scaling>
+          <c:orientation val="minMax"/>
+        </c:scaling>
+        <c:delete val="0"/>
+        <c:axPos val="l"/>
+        <c:majorGridlines>
+          <c:spPr>
+            <a:ln w="9525" cap="flat" cmpd="sng" algn="ctr">
+              <a:solidFill>
+                <a:schemeClr val="tx1">
+                  <a:lumMod val="15000"/>
+                  <a:lumOff val="85000"/>
+                </a:schemeClr>
+              </a:solidFill>
+              <a:round/>
+            </a:ln>
+            <a:effectLst/>
+          </c:spPr>
+        </c:majorGridlines>
+        <c:numFmt formatCode="General" sourceLinked="1"/>
+        <c:majorTickMark val="none"/>
+        <c:minorTickMark val="none"/>
+        <c:tickLblPos val="nextTo"/>
+        <c:spPr>
+          <a:noFill/>
+          <a:ln>
+            <a:noFill/>
+          </a:ln>
+          <a:effectLst/>
+        </c:spPr>
+        <c:txPr>
+          <a:bodyPr rot="-60000000" spcFirstLastPara="1" vertOverflow="ellipsis" vert="horz" wrap="square" anchor="ctr" anchorCtr="1"/>
+          <a:lstStyle/>
+          <a:p>
+            <a:pPr>
+              <a:defRPr sz="900" b="0" i="0" u="none" strike="noStrike" kern="1200" baseline="0">
+                <a:solidFill>
+                  <a:schemeClr val="tx1">
+                    <a:lumMod val="65000"/>
+                    <a:lumOff val="35000"/>
+                  </a:schemeClr>
+                </a:solidFill>
+                <a:latin typeface="+mn-lt"/>
+                <a:ea typeface="+mn-ea"/>
+                <a:cs typeface="+mn-cs"/>
+              </a:defRPr>
+            </a:pPr>
+            <a:endParaRPr lang="en-US"/>
+          </a:p>
+        </c:txPr>
+        <c:crossAx val="469188031"/>
+        <c:crosses val="autoZero"/>
+        <c:crossBetween val="between"/>
+      </c:valAx>
+      <c:spPr>
+        <a:noFill/>
+        <a:ln>
+          <a:noFill/>
+        </a:ln>
+        <a:effectLst/>
+      </c:spPr>
+    </c:plotArea>
+    <c:plotVisOnly val="1"/>
+    <c:dispBlanksAs val="gap"/>
+    <c:showDLblsOverMax val="0"/>
+  </c:chart>
+  <c:spPr>
+    <a:noFill/>
+    <a:ln>
+      <a:noFill/>
+    </a:ln>
+    <a:effectLst/>
+  </c:spPr>
+  <c:txPr>
+    <a:bodyPr/>
+    <a:lstStyle/>
+    <a:p>
+      <a:pPr>
+        <a:defRPr/>
+      </a:pPr>
+      <a:endParaRPr lang="en-US"/>
+    </a:p>
+  </c:txPr>
+  <c:externalData r:id="rId3">
+    <c:autoUpdate val="0"/>
+  </c:externalData>
+</c:chartSpace>
+</file>
+
+<file path=ppt/charts/colors1.xml><?xml version="1.0" encoding="utf-8"?>
+<cs:colorStyle xmlns:cs="http://schemas.microsoft.com/office/drawing/2012/chartStyle" xmlns:a="http://schemas.openxmlformats.org/drawingml/2006/main" meth="cycle" id="10">
+  <a:schemeClr val="accent1"/>
+  <a:schemeClr val="accent2"/>
+  <a:schemeClr val="accent3"/>
+  <a:schemeClr val="accent4"/>
+  <a:schemeClr val="accent5"/>
+  <a:schemeClr val="accent6"/>
+  <cs:variation/>
+  <cs:variation>
+    <a:lumMod val="60000"/>
+  </cs:variation>
+  <cs:variation>
+    <a:lumMod val="80000"/>
+    <a:lumOff val="20000"/>
+  </cs:variation>
+  <cs:variation>
+    <a:lumMod val="80000"/>
+  </cs:variation>
+  <cs:variation>
+    <a:lumMod val="60000"/>
+    <a:lumOff val="40000"/>
+  </cs:variation>
+  <cs:variation>
+    <a:lumMod val="50000"/>
+  </cs:variation>
+  <cs:variation>
+    <a:lumMod val="70000"/>
+    <a:lumOff val="30000"/>
+  </cs:variation>
+  <cs:variation>
+    <a:lumMod val="70000"/>
+  </cs:variation>
+  <cs:variation>
+    <a:lumMod val="50000"/>
+    <a:lumOff val="50000"/>
+  </cs:variation>
+</cs:colorStyle>
+</file>
+
+<file path=ppt/charts/colors2.xml><?xml version="1.0" encoding="utf-8"?>
+<cs:colorStyle xmlns:cs="http://schemas.microsoft.com/office/drawing/2012/chartStyle" xmlns:a="http://schemas.openxmlformats.org/drawingml/2006/main" meth="cycle" id="10">
+  <a:schemeClr val="accent1"/>
+  <a:schemeClr val="accent2"/>
+  <a:schemeClr val="accent3"/>
+  <a:schemeClr val="accent4"/>
+  <a:schemeClr val="accent5"/>
+  <a:schemeClr val="accent6"/>
+  <cs:variation/>
+  <cs:variation>
+    <a:lumMod val="60000"/>
+  </cs:variation>
+  <cs:variation>
+    <a:lumMod val="80000"/>
+    <a:lumOff val="20000"/>
+  </cs:variation>
+  <cs:variation>
+    <a:lumMod val="80000"/>
+  </cs:variation>
+  <cs:variation>
+    <a:lumMod val="60000"/>
+    <a:lumOff val="40000"/>
+  </cs:variation>
+  <cs:variation>
+    <a:lumMod val="50000"/>
+  </cs:variation>
+  <cs:variation>
+    <a:lumMod val="70000"/>
+    <a:lumOff val="30000"/>
+  </cs:variation>
+  <cs:variation>
+    <a:lumMod val="70000"/>
+  </cs:variation>
+  <cs:variation>
+    <a:lumMod val="50000"/>
+    <a:lumOff val="50000"/>
+  </cs:variation>
+</cs:colorStyle>
+</file>
+
+<file path=ppt/charts/colors3.xml><?xml version="1.0" encoding="utf-8"?>
+<cs:colorStyle xmlns:cs="http://schemas.microsoft.com/office/drawing/2012/chartStyle" xmlns:a="http://schemas.openxmlformats.org/drawingml/2006/main" meth="cycle" id="10">
+  <a:schemeClr val="accent1"/>
+  <a:schemeClr val="accent2"/>
+  <a:schemeClr val="accent3"/>
+  <a:schemeClr val="accent4"/>
+  <a:schemeClr val="accent5"/>
+  <a:schemeClr val="accent6"/>
+  <cs:variation/>
+  <cs:variation>
+    <a:lumMod val="60000"/>
+  </cs:variation>
+  <cs:variation>
+    <a:lumMod val="80000"/>
+    <a:lumOff val="20000"/>
+  </cs:variation>
+  <cs:variation>
+    <a:lumMod val="80000"/>
+  </cs:variation>
+  <cs:variation>
+    <a:lumMod val="60000"/>
+    <a:lumOff val="40000"/>
+  </cs:variation>
+  <cs:variation>
+    <a:lumMod val="50000"/>
+  </cs:variation>
+  <cs:variation>
+    <a:lumMod val="70000"/>
+    <a:lumOff val="30000"/>
+  </cs:variation>
+  <cs:variation>
+    <a:lumMod val="70000"/>
+  </cs:variation>
+  <cs:variation>
+    <a:lumMod val="50000"/>
+    <a:lumOff val="50000"/>
+  </cs:variation>
+</cs:colorStyle>
+</file>
+
+<file path=ppt/charts/colors4.xml><?xml version="1.0" encoding="utf-8"?>
+<cs:colorStyle xmlns:cs="http://schemas.microsoft.com/office/drawing/2012/chartStyle" xmlns:a="http://schemas.openxmlformats.org/drawingml/2006/main" meth="cycle" id="10">
+  <a:schemeClr val="accent1"/>
+  <a:schemeClr val="accent2"/>
+  <a:schemeClr val="accent3"/>
+  <a:schemeClr val="accent4"/>
+  <a:schemeClr val="accent5"/>
+  <a:schemeClr val="accent6"/>
+  <cs:variation/>
+  <cs:variation>
+    <a:lumMod val="60000"/>
+  </cs:variation>
+  <cs:variation>
+    <a:lumMod val="80000"/>
+    <a:lumOff val="20000"/>
+  </cs:variation>
+  <cs:variation>
+    <a:lumMod val="80000"/>
+  </cs:variation>
+  <cs:variation>
+    <a:lumMod val="60000"/>
+    <a:lumOff val="40000"/>
+  </cs:variation>
+  <cs:variation>
+    <a:lumMod val="50000"/>
+  </cs:variation>
+  <cs:variation>
+    <a:lumMod val="70000"/>
+    <a:lumOff val="30000"/>
+  </cs:variation>
+  <cs:variation>
+    <a:lumMod val="70000"/>
+  </cs:variation>
+  <cs:variation>
+    <a:lumMod val="50000"/>
+    <a:lumOff val="50000"/>
+  </cs:variation>
+</cs:colorStyle>
+</file>
+
+<file path=ppt/charts/style1.xml><?xml version="1.0" encoding="utf-8"?>
+<cs:chartStyle xmlns:cs="http://schemas.microsoft.com/office/drawing/2012/chartStyle" xmlns:a="http://schemas.openxmlformats.org/drawingml/2006/main" id="201">
+  <cs:axisTitle>
+    <cs:lnRef idx="0"/>
+    <cs:fillRef idx="0"/>
+    <cs:effectRef idx="0"/>
+    <cs:fontRef idx="minor">
+      <a:schemeClr val="tx1">
+        <a:lumMod val="65000"/>
+        <a:lumOff val="35000"/>
+      </a:schemeClr>
+    </cs:fontRef>
+    <cs:defRPr sz="1000" kern="1200"/>
+  </cs:axisTitle>
+  <cs:categoryAxis>
+    <cs:lnRef idx="0"/>
+    <cs:fillRef idx="0"/>
+    <cs:effectRef idx="0"/>
+    <cs:fontRef idx="minor">
+      <a:schemeClr val="tx1">
+        <a:lumMod val="65000"/>
+        <a:lumOff val="35000"/>
+      </a:schemeClr>
+    </cs:fontRef>
+    <cs:spPr>
+      <a:ln w="9525" cap="flat" cmpd="sng" algn="ctr">
+        <a:solidFill>
+          <a:schemeClr val="tx1">
+            <a:lumMod val="15000"/>
+            <a:lumOff val="85000"/>
+          </a:schemeClr>
+        </a:solidFill>
+        <a:round/>
+      </a:ln>
+    </cs:spPr>
+    <cs:defRPr sz="900" kern="1200"/>
+  </cs:categoryAxis>
+  <cs:chartArea mods="allowNoFillOverride allowNoLineOverride">
+    <cs:lnRef idx="0"/>
+    <cs:fillRef idx="0"/>
+    <cs:effectRef idx="0"/>
+    <cs:fontRef idx="minor">
+      <a:schemeClr val="tx1"/>
+    </cs:fontRef>
+    <cs:spPr>
+      <a:solidFill>
+        <a:schemeClr val="bg1"/>
+      </a:solidFill>
+      <a:ln w="9525" cap="flat" cmpd="sng" algn="ctr">
+        <a:solidFill>
+          <a:schemeClr val="tx1">
+            <a:lumMod val="15000"/>
+            <a:lumOff val="85000"/>
+          </a:schemeClr>
+        </a:solidFill>
+        <a:round/>
+      </a:ln>
+    </cs:spPr>
+    <cs:defRPr sz="1000" kern="1200"/>
+  </cs:chartArea>
+  <cs:dataLabel>
+    <cs:lnRef idx="0"/>
+    <cs:fillRef idx="0"/>
+    <cs:effectRef idx="0"/>
+    <cs:fontRef idx="minor">
+      <a:schemeClr val="tx1">
+        <a:lumMod val="75000"/>
+        <a:lumOff val="25000"/>
+      </a:schemeClr>
+    </cs:fontRef>
+    <cs:defRPr sz="900" kern="1200"/>
+  </cs:dataLabel>
+  <cs:dataLabelCallout>
+    <cs:lnRef idx="0"/>
+    <cs:fillRef idx="0"/>
+    <cs:effectRef idx="0"/>
+    <cs:fontRef idx="minor">
+      <a:schemeClr val="dk1">
+        <a:lumMod val="65000"/>
+        <a:lumOff val="35000"/>
+      </a:schemeClr>
+    </cs:fontRef>
+    <cs:spPr>
+      <a:solidFill>
+        <a:schemeClr val="lt1"/>
+      </a:solidFill>
+      <a:ln>
+        <a:solidFill>
+          <a:schemeClr val="dk1">
+            <a:lumMod val="25000"/>
+            <a:lumOff val="75000"/>
+          </a:schemeClr>
+        </a:solidFill>
+      </a:ln>
+    </cs:spPr>
+    <cs:defRPr sz="900" kern="1200"/>
+    <cs:bodyPr rot="0" spcFirstLastPara="1" vertOverflow="clip" horzOverflow="clip" vert="horz" wrap="square" lIns="36576" tIns="18288" rIns="36576" bIns="18288" anchor="ctr" anchorCtr="1">
+      <a:spAutoFit/>
+    </cs:bodyPr>
+  </cs:dataLabelCallout>
+  <cs:dataPoint>
+    <cs:lnRef idx="0"/>
+    <cs:fillRef idx="1">
+      <cs:styleClr val="auto"/>
+    </cs:fillRef>
+    <cs:effectRef idx="0"/>
+    <cs:fontRef idx="minor">
+      <a:schemeClr val="tx1"/>
+    </cs:fontRef>
+  </cs:dataPoint>
+  <cs:dataPoint3D>
+    <cs:lnRef idx="0"/>
+    <cs:fillRef idx="1">
+      <cs:styleClr val="auto"/>
+    </cs:fillRef>
+    <cs:effectRef idx="0"/>
+    <cs:fontRef idx="minor">
+      <a:schemeClr val="tx1"/>
+    </cs:fontRef>
+  </cs:dataPoint3D>
+  <cs:dataPointLine>
+    <cs:lnRef idx="0">
+      <cs:styleClr val="auto"/>
+    </cs:lnRef>
+    <cs:fillRef idx="1"/>
+    <cs:effectRef idx="0"/>
+    <cs:fontRef idx="minor">
+      <a:schemeClr val="tx1"/>
+    </cs:fontRef>
+    <cs:spPr>
+      <a:ln w="28575" cap="rnd">
+        <a:solidFill>
+          <a:schemeClr val="phClr"/>
+        </a:solidFill>
+        <a:round/>
+      </a:ln>
+    </cs:spPr>
+  </cs:dataPointLine>
+  <cs:dataPointMarker>
+    <cs:lnRef idx="0">
+      <cs:styleClr val="auto"/>
+    </cs:lnRef>
+    <cs:fillRef idx="1">
+      <cs:styleClr val="auto"/>
+    </cs:fillRef>
+    <cs:effectRef idx="0"/>
+    <cs:fontRef idx="minor">
+      <a:schemeClr val="tx1"/>
+    </cs:fontRef>
+    <cs:spPr>
+      <a:ln w="9525">
+        <a:solidFill>
+          <a:schemeClr val="phClr"/>
+        </a:solidFill>
+      </a:ln>
+    </cs:spPr>
+  </cs:dataPointMarker>
+  <cs:dataPointMarkerLayout symbol="circle" size="5"/>
+  <cs:dataPointWireframe>
+    <cs:lnRef idx="0">
+      <cs:styleClr val="auto"/>
+    </cs:lnRef>
+    <cs:fillRef idx="1"/>
+    <cs:effectRef idx="0"/>
+    <cs:fontRef idx="minor">
+      <a:schemeClr val="tx1"/>
+    </cs:fontRef>
+    <cs:spPr>
+      <a:ln w="9525" cap="rnd">
+        <a:solidFill>
+          <a:schemeClr val="phClr"/>
+        </a:solidFill>
+        <a:round/>
+      </a:ln>
+    </cs:spPr>
+  </cs:dataPointWireframe>
+  <cs:dataTable>
+    <cs:lnRef idx="0"/>
+    <cs:fillRef idx="0"/>
+    <cs:effectRef idx="0"/>
+    <cs:fontRef idx="minor">
+      <a:schemeClr val="tx1">
+        <a:lumMod val="65000"/>
+        <a:lumOff val="35000"/>
+      </a:schemeClr>
+    </cs:fontRef>
+    <cs:spPr>
+      <a:noFill/>
+      <a:ln w="9525" cap="flat" cmpd="sng" algn="ctr">
+        <a:solidFill>
+          <a:schemeClr val="tx1">
+            <a:lumMod val="15000"/>
+            <a:lumOff val="85000"/>
+          </a:schemeClr>
+        </a:solidFill>
+        <a:round/>
+      </a:ln>
+    </cs:spPr>
+    <cs:defRPr sz="900" kern="1200"/>
+  </cs:dataTable>
+  <cs:downBar>
+    <cs:lnRef idx="0"/>
+    <cs:fillRef idx="0"/>
+    <cs:effectRef idx="0"/>
+    <cs:fontRef idx="minor">
+      <a:schemeClr val="dk1"/>
+    </cs:fontRef>
+    <cs:spPr>
+      <a:solidFill>
+        <a:schemeClr val="dk1">
+          <a:lumMod val="65000"/>
+          <a:lumOff val="35000"/>
+        </a:schemeClr>
+      </a:solidFill>
+      <a:ln w="9525">
+        <a:solidFill>
+          <a:schemeClr val="tx1">
+            <a:lumMod val="65000"/>
+            <a:lumOff val="35000"/>
+          </a:schemeClr>
+        </a:solidFill>
+      </a:ln>
+    </cs:spPr>
+  </cs:downBar>
+  <cs:dropLine>
+    <cs:lnRef idx="0"/>
+    <cs:fillRef idx="0"/>
+    <cs:effectRef idx="0"/>
+    <cs:fontRef idx="minor">
+      <a:schemeClr val="tx1"/>
+    </cs:fontRef>
+    <cs:spPr>
+      <a:ln w="9525" cap="flat" cmpd="sng" algn="ctr">
+        <a:solidFill>
+          <a:schemeClr val="tx1">
+            <a:lumMod val="35000"/>
+            <a:lumOff val="65000"/>
+          </a:schemeClr>
+        </a:solidFill>
+        <a:round/>
+      </a:ln>
+    </cs:spPr>
+  </cs:dropLine>
+  <cs:errorBar>
+    <cs:lnRef idx="0"/>
+    <cs:fillRef idx="0"/>
+    <cs:effectRef idx="0"/>
+    <cs:fontRef idx="minor">
+      <a:schemeClr val="tx1"/>
+    </cs:fontRef>
+    <cs:spPr>
+      <a:ln w="9525" cap="flat" cmpd="sng" algn="ctr">
+        <a:solidFill>
+          <a:schemeClr val="tx1">
+            <a:lumMod val="65000"/>
+            <a:lumOff val="35000"/>
+          </a:schemeClr>
+        </a:solidFill>
+        <a:round/>
+      </a:ln>
+    </cs:spPr>
+  </cs:errorBar>
+  <cs:floor>
+    <cs:lnRef idx="0"/>
+    <cs:fillRef idx="0"/>
+    <cs:effectRef idx="0"/>
+    <cs:fontRef idx="minor">
+      <a:schemeClr val="tx1"/>
+    </cs:fontRef>
+    <cs:spPr>
+      <a:noFill/>
+      <a:ln>
+        <a:noFill/>
+      </a:ln>
+    </cs:spPr>
+  </cs:floor>
+  <cs:gridlineMajor>
+    <cs:lnRef idx="0"/>
+    <cs:fillRef idx="0"/>
+    <cs:effectRef idx="0"/>
+    <cs:fontRef idx="minor">
+      <a:schemeClr val="tx1"/>
+    </cs:fontRef>
+    <cs:spPr>
+      <a:ln w="9525" cap="flat" cmpd="sng" algn="ctr">
+        <a:solidFill>
+          <a:schemeClr val="tx1">
+            <a:lumMod val="15000"/>
+            <a:lumOff val="85000"/>
+          </a:schemeClr>
+        </a:solidFill>
+        <a:round/>
+      </a:ln>
+    </cs:spPr>
+  </cs:gridlineMajor>
+  <cs:gridlineMinor>
+    <cs:lnRef idx="0"/>
+    <cs:fillRef idx="0"/>
+    <cs:effectRef idx="0"/>
+    <cs:fontRef idx="minor">
+      <a:schemeClr val="tx1"/>
+    </cs:fontRef>
+    <cs:spPr>
+      <a:ln w="9525" cap="flat" cmpd="sng" algn="ctr">
+        <a:solidFill>
+          <a:schemeClr val="tx1">
+            <a:lumMod val="5000"/>
+            <a:lumOff val="95000"/>
+          </a:schemeClr>
+        </a:solidFill>
+        <a:round/>
+      </a:ln>
+    </cs:spPr>
+  </cs:gridlineMinor>
+  <cs:hiLoLine>
+    <cs:lnRef idx="0"/>
+    <cs:fillRef idx="0"/>
+    <cs:effectRef idx="0"/>
+    <cs:fontRef idx="minor">
+      <a:schemeClr val="tx1"/>
+    </cs:fontRef>
+    <cs:spPr>
+      <a:ln w="9525" cap="flat" cmpd="sng" algn="ctr">
+        <a:solidFill>
+          <a:schemeClr val="tx1">
+            <a:lumMod val="75000"/>
+            <a:lumOff val="25000"/>
+          </a:schemeClr>
+        </a:solidFill>
+        <a:round/>
+      </a:ln>
+    </cs:spPr>
+  </cs:hiLoLine>
+  <cs:leaderLine>
+    <cs:lnRef idx="0"/>
+    <cs:fillRef idx="0"/>
+    <cs:effectRef idx="0"/>
+    <cs:fontRef idx="minor">
+      <a:schemeClr val="tx1"/>
+    </cs:fontRef>
+    <cs:spPr>
+      <a:ln w="9525" cap="flat" cmpd="sng" algn="ctr">
+        <a:solidFill>
+          <a:schemeClr val="tx1">
+            <a:lumMod val="35000"/>
+            <a:lumOff val="65000"/>
+          </a:schemeClr>
+        </a:solidFill>
+        <a:round/>
+      </a:ln>
+    </cs:spPr>
+  </cs:leaderLine>
+  <cs:legend>
+    <cs:lnRef idx="0"/>
+    <cs:fillRef idx="0"/>
+    <cs:effectRef idx="0"/>
+    <cs:fontRef idx="minor">
+      <a:schemeClr val="tx1">
+        <a:lumMod val="65000"/>
+        <a:lumOff val="35000"/>
+      </a:schemeClr>
+    </cs:fontRef>
+    <cs:defRPr sz="900" kern="1200"/>
+  </cs:legend>
+  <cs:plotArea mods="allowNoFillOverride allowNoLineOverride">
+    <cs:lnRef idx="0"/>
+    <cs:fillRef idx="0"/>
+    <cs:effectRef idx="0"/>
+    <cs:fontRef idx="minor">
+      <a:schemeClr val="tx1"/>
+    </cs:fontRef>
+  </cs:plotArea>
+  <cs:plotArea3D mods="allowNoFillOverride allowNoLineOverride">
+    <cs:lnRef idx="0"/>
+    <cs:fillRef idx="0"/>
+    <cs:effectRef idx="0"/>
+    <cs:fontRef idx="minor">
+      <a:schemeClr val="tx1"/>
+    </cs:fontRef>
+  </cs:plotArea3D>
+  <cs:seriesAxis>
+    <cs:lnRef idx="0"/>
+    <cs:fillRef idx="0"/>
+    <cs:effectRef idx="0"/>
+    <cs:fontRef idx="minor">
+      <a:schemeClr val="tx1">
+        <a:lumMod val="65000"/>
+        <a:lumOff val="35000"/>
+      </a:schemeClr>
+    </cs:fontRef>
+    <cs:defRPr sz="900" kern="1200"/>
+  </cs:seriesAxis>
+  <cs:seriesLine>
+    <cs:lnRef idx="0"/>
+    <cs:fillRef idx="0"/>
+    <cs:effectRef idx="0"/>
+    <cs:fontRef idx="minor">
+      <a:schemeClr val="tx1"/>
+    </cs:fontRef>
+    <cs:spPr>
+      <a:ln w="9525" cap="flat" cmpd="sng" algn="ctr">
+        <a:solidFill>
+          <a:schemeClr val="tx1">
+            <a:lumMod val="35000"/>
+            <a:lumOff val="65000"/>
+          </a:schemeClr>
+        </a:solidFill>
+        <a:round/>
+      </a:ln>
+    </cs:spPr>
+  </cs:seriesLine>
+  <cs:title>
+    <cs:lnRef idx="0"/>
+    <cs:fillRef idx="0"/>
+    <cs:effectRef idx="0"/>
+    <cs:fontRef idx="minor">
+      <a:schemeClr val="tx1">
+        <a:lumMod val="65000"/>
+        <a:lumOff val="35000"/>
+      </a:schemeClr>
+    </cs:fontRef>
+    <cs:defRPr sz="1400" b="0" kern="1200" spc="0" baseline="0"/>
+  </cs:title>
+  <cs:trendline>
+    <cs:lnRef idx="0">
+      <cs:styleClr val="auto"/>
+    </cs:lnRef>
+    <cs:fillRef idx="0"/>
+    <cs:effectRef idx="0"/>
+    <cs:fontRef idx="minor">
+      <a:schemeClr val="tx1"/>
+    </cs:fontRef>
+    <cs:spPr>
+      <a:ln w="19050" cap="rnd">
+        <a:solidFill>
+          <a:schemeClr val="phClr"/>
+        </a:solidFill>
+        <a:prstDash val="sysDot"/>
+      </a:ln>
+    </cs:spPr>
+  </cs:trendline>
+  <cs:trendlineLabel>
+    <cs:lnRef idx="0"/>
+    <cs:fillRef idx="0"/>
+    <cs:effectRef idx="0"/>
+    <cs:fontRef idx="minor">
+      <a:schemeClr val="tx1">
+        <a:lumMod val="65000"/>
+        <a:lumOff val="35000"/>
+      </a:schemeClr>
+    </cs:fontRef>
+    <cs:defRPr sz="900" kern="1200"/>
+  </cs:trendlineLabel>
+  <cs:upBar>
+    <cs:lnRef idx="0"/>
+    <cs:fillRef idx="0"/>
+    <cs:effectRef idx="0"/>
+    <cs:fontRef idx="minor">
+      <a:schemeClr val="dk1"/>
+    </cs:fontRef>
+    <cs:spPr>
+      <a:solidFill>
+        <a:schemeClr val="lt1"/>
+      </a:solidFill>
+      <a:ln w="9525">
+        <a:solidFill>
+          <a:schemeClr val="tx1">
+            <a:lumMod val="15000"/>
+            <a:lumOff val="85000"/>
+          </a:schemeClr>
+        </a:solidFill>
+      </a:ln>
+    </cs:spPr>
+  </cs:upBar>
+  <cs:valueAxis>
+    <cs:lnRef idx="0"/>
+    <cs:fillRef idx="0"/>
+    <cs:effectRef idx="0"/>
+    <cs:fontRef idx="minor">
+      <a:schemeClr val="tx1">
+        <a:lumMod val="65000"/>
+        <a:lumOff val="35000"/>
+      </a:schemeClr>
+    </cs:fontRef>
+    <cs:defRPr sz="900" kern="1200"/>
+  </cs:valueAxis>
+  <cs:wall>
+    <cs:lnRef idx="0"/>
+    <cs:fillRef idx="0"/>
+    <cs:effectRef idx="0"/>
+    <cs:fontRef idx="minor">
+      <a:schemeClr val="tx1"/>
+    </cs:fontRef>
+    <cs:spPr>
+      <a:noFill/>
+      <a:ln>
+        <a:noFill/>
+      </a:ln>
+    </cs:spPr>
+  </cs:wall>
+</cs:chartStyle>
+</file>
+
+<file path=ppt/charts/style2.xml><?xml version="1.0" encoding="utf-8"?>
+<cs:chartStyle xmlns:cs="http://schemas.microsoft.com/office/drawing/2012/chartStyle" xmlns:a="http://schemas.openxmlformats.org/drawingml/2006/main" id="201">
+  <cs:axisTitle>
+    <cs:lnRef idx="0"/>
+    <cs:fillRef idx="0"/>
+    <cs:effectRef idx="0"/>
+    <cs:fontRef idx="minor">
+      <a:schemeClr val="tx1">
+        <a:lumMod val="65000"/>
+        <a:lumOff val="35000"/>
+      </a:schemeClr>
+    </cs:fontRef>
+    <cs:defRPr sz="1000" kern="1200"/>
+  </cs:axisTitle>
+  <cs:categoryAxis>
+    <cs:lnRef idx="0"/>
+    <cs:fillRef idx="0"/>
+    <cs:effectRef idx="0"/>
+    <cs:fontRef idx="minor">
+      <a:schemeClr val="tx1">
+        <a:lumMod val="65000"/>
+        <a:lumOff val="35000"/>
+      </a:schemeClr>
+    </cs:fontRef>
+    <cs:spPr>
+      <a:ln w="9525" cap="flat" cmpd="sng" algn="ctr">
+        <a:solidFill>
+          <a:schemeClr val="tx1">
+            <a:lumMod val="15000"/>
+            <a:lumOff val="85000"/>
+          </a:schemeClr>
+        </a:solidFill>
+        <a:round/>
+      </a:ln>
+    </cs:spPr>
+    <cs:defRPr sz="900" kern="1200"/>
+  </cs:categoryAxis>
+  <cs:chartArea mods="allowNoFillOverride allowNoLineOverride">
+    <cs:lnRef idx="0"/>
+    <cs:fillRef idx="0"/>
+    <cs:effectRef idx="0"/>
+    <cs:fontRef idx="minor">
+      <a:schemeClr val="tx1"/>
+    </cs:fontRef>
+    <cs:spPr>
+      <a:solidFill>
+        <a:schemeClr val="bg1"/>
+      </a:solidFill>
+      <a:ln w="9525" cap="flat" cmpd="sng" algn="ctr">
+        <a:solidFill>
+          <a:schemeClr val="tx1">
+            <a:lumMod val="15000"/>
+            <a:lumOff val="85000"/>
+          </a:schemeClr>
+        </a:solidFill>
+        <a:round/>
+      </a:ln>
+    </cs:spPr>
+    <cs:defRPr sz="1000" kern="1200"/>
+  </cs:chartArea>
+  <cs:dataLabel>
+    <cs:lnRef idx="0"/>
+    <cs:fillRef idx="0"/>
+    <cs:effectRef idx="0"/>
+    <cs:fontRef idx="minor">
+      <a:schemeClr val="tx1">
+        <a:lumMod val="75000"/>
+        <a:lumOff val="25000"/>
+      </a:schemeClr>
+    </cs:fontRef>
+    <cs:defRPr sz="900" kern="1200"/>
+  </cs:dataLabel>
+  <cs:dataLabelCallout>
+    <cs:lnRef idx="0"/>
+    <cs:fillRef idx="0"/>
+    <cs:effectRef idx="0"/>
+    <cs:fontRef idx="minor">
+      <a:schemeClr val="dk1">
+        <a:lumMod val="65000"/>
+        <a:lumOff val="35000"/>
+      </a:schemeClr>
+    </cs:fontRef>
+    <cs:spPr>
+      <a:solidFill>
+        <a:schemeClr val="lt1"/>
+      </a:solidFill>
+      <a:ln>
+        <a:solidFill>
+          <a:schemeClr val="dk1">
+            <a:lumMod val="25000"/>
+            <a:lumOff val="75000"/>
+          </a:schemeClr>
+        </a:solidFill>
+      </a:ln>
+    </cs:spPr>
+    <cs:defRPr sz="900" kern="1200"/>
+    <cs:bodyPr rot="0" spcFirstLastPara="1" vertOverflow="clip" horzOverflow="clip" vert="horz" wrap="square" lIns="36576" tIns="18288" rIns="36576" bIns="18288" anchor="ctr" anchorCtr="1">
+      <a:spAutoFit/>
+    </cs:bodyPr>
+  </cs:dataLabelCallout>
+  <cs:dataPoint>
+    <cs:lnRef idx="0"/>
+    <cs:fillRef idx="1">
+      <cs:styleClr val="auto"/>
+    </cs:fillRef>
+    <cs:effectRef idx="0"/>
+    <cs:fontRef idx="minor">
+      <a:schemeClr val="tx1"/>
+    </cs:fontRef>
+  </cs:dataPoint>
+  <cs:dataPoint3D>
+    <cs:lnRef idx="0"/>
+    <cs:fillRef idx="1">
+      <cs:styleClr val="auto"/>
+    </cs:fillRef>
+    <cs:effectRef idx="0"/>
+    <cs:fontRef idx="minor">
+      <a:schemeClr val="tx1"/>
+    </cs:fontRef>
+  </cs:dataPoint3D>
+  <cs:dataPointLine>
+    <cs:lnRef idx="0">
+      <cs:styleClr val="auto"/>
+    </cs:lnRef>
+    <cs:fillRef idx="1"/>
+    <cs:effectRef idx="0"/>
+    <cs:fontRef idx="minor">
+      <a:schemeClr val="tx1"/>
+    </cs:fontRef>
+    <cs:spPr>
+      <a:ln w="28575" cap="rnd">
+        <a:solidFill>
+          <a:schemeClr val="phClr"/>
+        </a:solidFill>
+        <a:round/>
+      </a:ln>
+    </cs:spPr>
+  </cs:dataPointLine>
+  <cs:dataPointMarker>
+    <cs:lnRef idx="0">
+      <cs:styleClr val="auto"/>
+    </cs:lnRef>
+    <cs:fillRef idx="1">
+      <cs:styleClr val="auto"/>
+    </cs:fillRef>
+    <cs:effectRef idx="0"/>
+    <cs:fontRef idx="minor">
+      <a:schemeClr val="tx1"/>
+    </cs:fontRef>
+    <cs:spPr>
+      <a:ln w="9525">
+        <a:solidFill>
+          <a:schemeClr val="phClr"/>
+        </a:solidFill>
+      </a:ln>
+    </cs:spPr>
+  </cs:dataPointMarker>
+  <cs:dataPointMarkerLayout symbol="circle" size="5"/>
+  <cs:dataPointWireframe>
+    <cs:lnRef idx="0">
+      <cs:styleClr val="auto"/>
+    </cs:lnRef>
+    <cs:fillRef idx="1"/>
+    <cs:effectRef idx="0"/>
+    <cs:fontRef idx="minor">
+      <a:schemeClr val="tx1"/>
+    </cs:fontRef>
+    <cs:spPr>
+      <a:ln w="9525" cap="rnd">
+        <a:solidFill>
+          <a:schemeClr val="phClr"/>
+        </a:solidFill>
+        <a:round/>
+      </a:ln>
+    </cs:spPr>
+  </cs:dataPointWireframe>
+  <cs:dataTable>
+    <cs:lnRef idx="0"/>
+    <cs:fillRef idx="0"/>
+    <cs:effectRef idx="0"/>
+    <cs:fontRef idx="minor">
+      <a:schemeClr val="tx1">
+        <a:lumMod val="65000"/>
+        <a:lumOff val="35000"/>
+      </a:schemeClr>
+    </cs:fontRef>
+    <cs:spPr>
+      <a:noFill/>
+      <a:ln w="9525" cap="flat" cmpd="sng" algn="ctr">
+        <a:solidFill>
+          <a:schemeClr val="tx1">
+            <a:lumMod val="15000"/>
+            <a:lumOff val="85000"/>
+          </a:schemeClr>
+        </a:solidFill>
+        <a:round/>
+      </a:ln>
+    </cs:spPr>
+    <cs:defRPr sz="900" kern="1200"/>
+  </cs:dataTable>
+  <cs:downBar>
+    <cs:lnRef idx="0"/>
+    <cs:fillRef idx="0"/>
+    <cs:effectRef idx="0"/>
+    <cs:fontRef idx="minor">
+      <a:schemeClr val="dk1"/>
+    </cs:fontRef>
+    <cs:spPr>
+      <a:solidFill>
+        <a:schemeClr val="dk1">
+          <a:lumMod val="65000"/>
+          <a:lumOff val="35000"/>
+        </a:schemeClr>
+      </a:solidFill>
+      <a:ln w="9525">
+        <a:solidFill>
+          <a:schemeClr val="tx1">
+            <a:lumMod val="65000"/>
+            <a:lumOff val="35000"/>
+          </a:schemeClr>
+        </a:solidFill>
+      </a:ln>
+    </cs:spPr>
+  </cs:downBar>
+  <cs:dropLine>
+    <cs:lnRef idx="0"/>
+    <cs:fillRef idx="0"/>
+    <cs:effectRef idx="0"/>
+    <cs:fontRef idx="minor">
+      <a:schemeClr val="tx1"/>
+    </cs:fontRef>
+    <cs:spPr>
+      <a:ln w="9525" cap="flat" cmpd="sng" algn="ctr">
+        <a:solidFill>
+          <a:schemeClr val="tx1">
+            <a:lumMod val="35000"/>
+            <a:lumOff val="65000"/>
+          </a:schemeClr>
+        </a:solidFill>
+        <a:round/>
+      </a:ln>
+    </cs:spPr>
+  </cs:dropLine>
+  <cs:errorBar>
+    <cs:lnRef idx="0"/>
+    <cs:fillRef idx="0"/>
+    <cs:effectRef idx="0"/>
+    <cs:fontRef idx="minor">
+      <a:schemeClr val="tx1"/>
+    </cs:fontRef>
+    <cs:spPr>
+      <a:ln w="9525" cap="flat" cmpd="sng" algn="ctr">
+        <a:solidFill>
+          <a:schemeClr val="tx1">
+            <a:lumMod val="65000"/>
+            <a:lumOff val="35000"/>
+          </a:schemeClr>
+        </a:solidFill>
+        <a:round/>
+      </a:ln>
+    </cs:spPr>
+  </cs:errorBar>
+  <cs:floor>
+    <cs:lnRef idx="0"/>
+    <cs:fillRef idx="0"/>
+    <cs:effectRef idx="0"/>
+    <cs:fontRef idx="minor">
+      <a:schemeClr val="tx1"/>
+    </cs:fontRef>
+    <cs:spPr>
+      <a:noFill/>
+      <a:ln>
+        <a:noFill/>
+      </a:ln>
+    </cs:spPr>
+  </cs:floor>
+  <cs:gridlineMajor>
+    <cs:lnRef idx="0"/>
+    <cs:fillRef idx="0"/>
+    <cs:effectRef idx="0"/>
+    <cs:fontRef idx="minor">
+      <a:schemeClr val="tx1"/>
+    </cs:fontRef>
+    <cs:spPr>
+      <a:ln w="9525" cap="flat" cmpd="sng" algn="ctr">
+        <a:solidFill>
+          <a:schemeClr val="tx1">
+            <a:lumMod val="15000"/>
+            <a:lumOff val="85000"/>
+          </a:schemeClr>
+        </a:solidFill>
+        <a:round/>
+      </a:ln>
+    </cs:spPr>
+  </cs:gridlineMajor>
+  <cs:gridlineMinor>
+    <cs:lnRef idx="0"/>
+    <cs:fillRef idx="0"/>
+    <cs:effectRef idx="0"/>
+    <cs:fontRef idx="minor">
+      <a:schemeClr val="tx1"/>
+    </cs:fontRef>
+    <cs:spPr>
+      <a:ln w="9525" cap="flat" cmpd="sng" algn="ctr">
+        <a:solidFill>
+          <a:schemeClr val="tx1">
+            <a:lumMod val="5000"/>
+            <a:lumOff val="95000"/>
+          </a:schemeClr>
+        </a:solidFill>
+        <a:round/>
+      </a:ln>
+    </cs:spPr>
+  </cs:gridlineMinor>
+  <cs:hiLoLine>
+    <cs:lnRef idx="0"/>
+    <cs:fillRef idx="0"/>
+    <cs:effectRef idx="0"/>
+    <cs:fontRef idx="minor">
+      <a:schemeClr val="tx1"/>
+    </cs:fontRef>
+    <cs:spPr>
+      <a:ln w="9525" cap="flat" cmpd="sng" algn="ctr">
+        <a:solidFill>
+          <a:schemeClr val="tx1">
+            <a:lumMod val="75000"/>
+            <a:lumOff val="25000"/>
+          </a:schemeClr>
+        </a:solidFill>
+        <a:round/>
+      </a:ln>
+    </cs:spPr>
+  </cs:hiLoLine>
+  <cs:leaderLine>
+    <cs:lnRef idx="0"/>
+    <cs:fillRef idx="0"/>
+    <cs:effectRef idx="0"/>
+    <cs:fontRef idx="minor">
+      <a:schemeClr val="tx1"/>
+    </cs:fontRef>
+    <cs:spPr>
+      <a:ln w="9525" cap="flat" cmpd="sng" algn="ctr">
+        <a:solidFill>
+          <a:schemeClr val="tx1">
+            <a:lumMod val="35000"/>
+            <a:lumOff val="65000"/>
+          </a:schemeClr>
+        </a:solidFill>
+        <a:round/>
+      </a:ln>
+    </cs:spPr>
+  </cs:leaderLine>
+  <cs:legend>
+    <cs:lnRef idx="0"/>
+    <cs:fillRef idx="0"/>
+    <cs:effectRef idx="0"/>
+    <cs:fontRef idx="minor">
+      <a:schemeClr val="tx1">
+        <a:lumMod val="65000"/>
+        <a:lumOff val="35000"/>
+      </a:schemeClr>
+    </cs:fontRef>
+    <cs:defRPr sz="900" kern="1200"/>
+  </cs:legend>
+  <cs:plotArea mods="allowNoFillOverride allowNoLineOverride">
+    <cs:lnRef idx="0"/>
+    <cs:fillRef idx="0"/>
+    <cs:effectRef idx="0"/>
+    <cs:fontRef idx="minor">
+      <a:schemeClr val="tx1"/>
+    </cs:fontRef>
+  </cs:plotArea>
+  <cs:plotArea3D mods="allowNoFillOverride allowNoLineOverride">
+    <cs:lnRef idx="0"/>
+    <cs:fillRef idx="0"/>
+    <cs:effectRef idx="0"/>
+    <cs:fontRef idx="minor">
+      <a:schemeClr val="tx1"/>
+    </cs:fontRef>
+  </cs:plotArea3D>
+  <cs:seriesAxis>
+    <cs:lnRef idx="0"/>
+    <cs:fillRef idx="0"/>
+    <cs:effectRef idx="0"/>
+    <cs:fontRef idx="minor">
+      <a:schemeClr val="tx1">
+        <a:lumMod val="65000"/>
+        <a:lumOff val="35000"/>
+      </a:schemeClr>
+    </cs:fontRef>
+    <cs:defRPr sz="900" kern="1200"/>
+  </cs:seriesAxis>
+  <cs:seriesLine>
+    <cs:lnRef idx="0"/>
+    <cs:fillRef idx="0"/>
+    <cs:effectRef idx="0"/>
+    <cs:fontRef idx="minor">
+      <a:schemeClr val="tx1"/>
+    </cs:fontRef>
+    <cs:spPr>
+      <a:ln w="9525" cap="flat" cmpd="sng" algn="ctr">
+        <a:solidFill>
+          <a:schemeClr val="tx1">
+            <a:lumMod val="35000"/>
+            <a:lumOff val="65000"/>
+          </a:schemeClr>
+        </a:solidFill>
+        <a:round/>
+      </a:ln>
+    </cs:spPr>
+  </cs:seriesLine>
+  <cs:title>
+    <cs:lnRef idx="0"/>
+    <cs:fillRef idx="0"/>
+    <cs:effectRef idx="0"/>
+    <cs:fontRef idx="minor">
+      <a:schemeClr val="tx1">
+        <a:lumMod val="65000"/>
+        <a:lumOff val="35000"/>
+      </a:schemeClr>
+    </cs:fontRef>
+    <cs:defRPr sz="1400" b="0" kern="1200" spc="0" baseline="0"/>
+  </cs:title>
+  <cs:trendline>
+    <cs:lnRef idx="0">
+      <cs:styleClr val="auto"/>
+    </cs:lnRef>
+    <cs:fillRef idx="0"/>
+    <cs:effectRef idx="0"/>
+    <cs:fontRef idx="minor">
+      <a:schemeClr val="tx1"/>
+    </cs:fontRef>
+    <cs:spPr>
+      <a:ln w="19050" cap="rnd">
+        <a:solidFill>
+          <a:schemeClr val="phClr"/>
+        </a:solidFill>
+        <a:prstDash val="sysDot"/>
+      </a:ln>
+    </cs:spPr>
+  </cs:trendline>
+  <cs:trendlineLabel>
+    <cs:lnRef idx="0"/>
+    <cs:fillRef idx="0"/>
+    <cs:effectRef idx="0"/>
+    <cs:fontRef idx="minor">
+      <a:schemeClr val="tx1">
+        <a:lumMod val="65000"/>
+        <a:lumOff val="35000"/>
+      </a:schemeClr>
+    </cs:fontRef>
+    <cs:defRPr sz="900" kern="1200"/>
+  </cs:trendlineLabel>
+  <cs:upBar>
+    <cs:lnRef idx="0"/>
+    <cs:fillRef idx="0"/>
+    <cs:effectRef idx="0"/>
+    <cs:fontRef idx="minor">
+      <a:schemeClr val="dk1"/>
+    </cs:fontRef>
+    <cs:spPr>
+      <a:solidFill>
+        <a:schemeClr val="lt1"/>
+      </a:solidFill>
+      <a:ln w="9525">
+        <a:solidFill>
+          <a:schemeClr val="tx1">
+            <a:lumMod val="15000"/>
+            <a:lumOff val="85000"/>
+          </a:schemeClr>
+        </a:solidFill>
+      </a:ln>
+    </cs:spPr>
+  </cs:upBar>
+  <cs:valueAxis>
+    <cs:lnRef idx="0"/>
+    <cs:fillRef idx="0"/>
+    <cs:effectRef idx="0"/>
+    <cs:fontRef idx="minor">
+      <a:schemeClr val="tx1">
+        <a:lumMod val="65000"/>
+        <a:lumOff val="35000"/>
+      </a:schemeClr>
+    </cs:fontRef>
+    <cs:defRPr sz="900" kern="1200"/>
+  </cs:valueAxis>
+  <cs:wall>
+    <cs:lnRef idx="0"/>
+    <cs:fillRef idx="0"/>
+    <cs:effectRef idx="0"/>
+    <cs:fontRef idx="minor">
+      <a:schemeClr val="tx1"/>
+    </cs:fontRef>
+    <cs:spPr>
+      <a:noFill/>
+      <a:ln>
+        <a:noFill/>
+      </a:ln>
+    </cs:spPr>
+  </cs:wall>
+</cs:chartStyle>
+</file>
+
+<file path=ppt/charts/style3.xml><?xml version="1.0" encoding="utf-8"?>
+<cs:chartStyle xmlns:cs="http://schemas.microsoft.com/office/drawing/2012/chartStyle" xmlns:a="http://schemas.openxmlformats.org/drawingml/2006/main" id="201">
+  <cs:axisTitle>
+    <cs:lnRef idx="0"/>
+    <cs:fillRef idx="0"/>
+    <cs:effectRef idx="0"/>
+    <cs:fontRef idx="minor">
+      <a:schemeClr val="tx1">
+        <a:lumMod val="65000"/>
+        <a:lumOff val="35000"/>
+      </a:schemeClr>
+    </cs:fontRef>
+    <cs:defRPr sz="1000" kern="1200"/>
+  </cs:axisTitle>
+  <cs:categoryAxis>
+    <cs:lnRef idx="0"/>
+    <cs:fillRef idx="0"/>
+    <cs:effectRef idx="0"/>
+    <cs:fontRef idx="minor">
+      <a:schemeClr val="tx1">
+        <a:lumMod val="65000"/>
+        <a:lumOff val="35000"/>
+      </a:schemeClr>
+    </cs:fontRef>
+    <cs:spPr>
+      <a:ln w="9525" cap="flat" cmpd="sng" algn="ctr">
+        <a:solidFill>
+          <a:schemeClr val="tx1">
+            <a:lumMod val="15000"/>
+            <a:lumOff val="85000"/>
+          </a:schemeClr>
+        </a:solidFill>
+        <a:round/>
+      </a:ln>
+    </cs:spPr>
+    <cs:defRPr sz="900" kern="1200"/>
+  </cs:categoryAxis>
+  <cs:chartArea mods="allowNoFillOverride allowNoLineOverride">
+    <cs:lnRef idx="0"/>
+    <cs:fillRef idx="0"/>
+    <cs:effectRef idx="0"/>
+    <cs:fontRef idx="minor">
+      <a:schemeClr val="tx1"/>
+    </cs:fontRef>
+    <cs:spPr>
+      <a:solidFill>
+        <a:schemeClr val="bg1"/>
+      </a:solidFill>
+      <a:ln w="9525" cap="flat" cmpd="sng" algn="ctr">
+        <a:solidFill>
+          <a:schemeClr val="tx1">
+            <a:lumMod val="15000"/>
+            <a:lumOff val="85000"/>
+          </a:schemeClr>
+        </a:solidFill>
+        <a:round/>
+      </a:ln>
+    </cs:spPr>
+    <cs:defRPr sz="1000" kern="1200"/>
+  </cs:chartArea>
+  <cs:dataLabel>
+    <cs:lnRef idx="0"/>
+    <cs:fillRef idx="0"/>
+    <cs:effectRef idx="0"/>
+    <cs:fontRef idx="minor">
+      <a:schemeClr val="tx1">
+        <a:lumMod val="75000"/>
+        <a:lumOff val="25000"/>
+      </a:schemeClr>
+    </cs:fontRef>
+    <cs:defRPr sz="900" kern="1200"/>
+  </cs:dataLabel>
+  <cs:dataLabelCallout>
+    <cs:lnRef idx="0"/>
+    <cs:fillRef idx="0"/>
+    <cs:effectRef idx="0"/>
+    <cs:fontRef idx="minor">
+      <a:schemeClr val="dk1">
+        <a:lumMod val="65000"/>
+        <a:lumOff val="35000"/>
+      </a:schemeClr>
+    </cs:fontRef>
+    <cs:spPr>
+      <a:solidFill>
+        <a:schemeClr val="lt1"/>
+      </a:solidFill>
+      <a:ln>
+        <a:solidFill>
+          <a:schemeClr val="dk1">
+            <a:lumMod val="25000"/>
+            <a:lumOff val="75000"/>
+          </a:schemeClr>
+        </a:solidFill>
+      </a:ln>
+    </cs:spPr>
+    <cs:defRPr sz="900" kern="1200"/>
+    <cs:bodyPr rot="0" spcFirstLastPara="1" vertOverflow="clip" horzOverflow="clip" vert="horz" wrap="square" lIns="36576" tIns="18288" rIns="36576" bIns="18288" anchor="ctr" anchorCtr="1">
+      <a:spAutoFit/>
+    </cs:bodyPr>
+  </cs:dataLabelCallout>
+  <cs:dataPoint>
+    <cs:lnRef idx="0"/>
+    <cs:fillRef idx="1">
+      <cs:styleClr val="auto"/>
+    </cs:fillRef>
+    <cs:effectRef idx="0"/>
+    <cs:fontRef idx="minor">
+      <a:schemeClr val="tx1"/>
+    </cs:fontRef>
+  </cs:dataPoint>
+  <cs:dataPoint3D>
+    <cs:lnRef idx="0"/>
+    <cs:fillRef idx="1">
+      <cs:styleClr val="auto"/>
+    </cs:fillRef>
+    <cs:effectRef idx="0"/>
+    <cs:fontRef idx="minor">
+      <a:schemeClr val="tx1"/>
+    </cs:fontRef>
+  </cs:dataPoint3D>
+  <cs:dataPointLine>
+    <cs:lnRef idx="0">
+      <cs:styleClr val="auto"/>
+    </cs:lnRef>
+    <cs:fillRef idx="1"/>
+    <cs:effectRef idx="0"/>
+    <cs:fontRef idx="minor">
+      <a:schemeClr val="tx1"/>
+    </cs:fontRef>
+    <cs:spPr>
+      <a:ln w="28575" cap="rnd">
+        <a:solidFill>
+          <a:schemeClr val="phClr"/>
+        </a:solidFill>
+        <a:round/>
+      </a:ln>
+    </cs:spPr>
+  </cs:dataPointLine>
+  <cs:dataPointMarker>
+    <cs:lnRef idx="0">
+      <cs:styleClr val="auto"/>
+    </cs:lnRef>
+    <cs:fillRef idx="1">
+      <cs:styleClr val="auto"/>
+    </cs:fillRef>
+    <cs:effectRef idx="0"/>
+    <cs:fontRef idx="minor">
+      <a:schemeClr val="tx1"/>
+    </cs:fontRef>
+    <cs:spPr>
+      <a:ln w="9525">
+        <a:solidFill>
+          <a:schemeClr val="phClr"/>
+        </a:solidFill>
+      </a:ln>
+    </cs:spPr>
+  </cs:dataPointMarker>
+  <cs:dataPointMarkerLayout symbol="circle" size="5"/>
+  <cs:dataPointWireframe>
+    <cs:lnRef idx="0">
+      <cs:styleClr val="auto"/>
+    </cs:lnRef>
+    <cs:fillRef idx="1"/>
+    <cs:effectRef idx="0"/>
+    <cs:fontRef idx="minor">
+      <a:schemeClr val="tx1"/>
+    </cs:fontRef>
+    <cs:spPr>
+      <a:ln w="9525" cap="rnd">
+        <a:solidFill>
+          <a:schemeClr val="phClr"/>
+        </a:solidFill>
+        <a:round/>
+      </a:ln>
+    </cs:spPr>
+  </cs:dataPointWireframe>
+  <cs:dataTable>
+    <cs:lnRef idx="0"/>
+    <cs:fillRef idx="0"/>
+    <cs:effectRef idx="0"/>
+    <cs:fontRef idx="minor">
+      <a:schemeClr val="tx1">
+        <a:lumMod val="65000"/>
+        <a:lumOff val="35000"/>
+      </a:schemeClr>
+    </cs:fontRef>
+    <cs:spPr>
+      <a:noFill/>
+      <a:ln w="9525" cap="flat" cmpd="sng" algn="ctr">
+        <a:solidFill>
+          <a:schemeClr val="tx1">
+            <a:lumMod val="15000"/>
+            <a:lumOff val="85000"/>
+          </a:schemeClr>
+        </a:solidFill>
+        <a:round/>
+      </a:ln>
+    </cs:spPr>
+    <cs:defRPr sz="900" kern="1200"/>
+  </cs:dataTable>
+  <cs:downBar>
+    <cs:lnRef idx="0"/>
+    <cs:fillRef idx="0"/>
+    <cs:effectRef idx="0"/>
+    <cs:fontRef idx="minor">
+      <a:schemeClr val="dk1"/>
+    </cs:fontRef>
+    <cs:spPr>
+      <a:solidFill>
+        <a:schemeClr val="dk1">
+          <a:lumMod val="65000"/>
+          <a:lumOff val="35000"/>
+        </a:schemeClr>
+      </a:solidFill>
+      <a:ln w="9525">
+        <a:solidFill>
+          <a:schemeClr val="tx1">
+            <a:lumMod val="65000"/>
+            <a:lumOff val="35000"/>
+          </a:schemeClr>
+        </a:solidFill>
+      </a:ln>
+    </cs:spPr>
+  </cs:downBar>
+  <cs:dropLine>
+    <cs:lnRef idx="0"/>
+    <cs:fillRef idx="0"/>
+    <cs:effectRef idx="0"/>
+    <cs:fontRef idx="minor">
+      <a:schemeClr val="tx1"/>
+    </cs:fontRef>
+    <cs:spPr>
+      <a:ln w="9525" cap="flat" cmpd="sng" algn="ctr">
+        <a:solidFill>
+          <a:schemeClr val="tx1">
+            <a:lumMod val="35000"/>
+            <a:lumOff val="65000"/>
+          </a:schemeClr>
+        </a:solidFill>
+        <a:round/>
+      </a:ln>
+    </cs:spPr>
+  </cs:dropLine>
+  <cs:errorBar>
+    <cs:lnRef idx="0"/>
+    <cs:fillRef idx="0"/>
+    <cs:effectRef idx="0"/>
+    <cs:fontRef idx="minor">
+      <a:schemeClr val="tx1"/>
+    </cs:fontRef>
+    <cs:spPr>
+      <a:ln w="9525" cap="flat" cmpd="sng" algn="ctr">
+        <a:solidFill>
+          <a:schemeClr val="tx1">
+            <a:lumMod val="65000"/>
+            <a:lumOff val="35000"/>
+          </a:schemeClr>
+        </a:solidFill>
+        <a:round/>
+      </a:ln>
+    </cs:spPr>
+  </cs:errorBar>
+  <cs:floor>
+    <cs:lnRef idx="0"/>
+    <cs:fillRef idx="0"/>
+    <cs:effectRef idx="0"/>
+    <cs:fontRef idx="minor">
+      <a:schemeClr val="tx1"/>
+    </cs:fontRef>
+    <cs:spPr>
+      <a:noFill/>
+      <a:ln>
+        <a:noFill/>
+      </a:ln>
+    </cs:spPr>
+  </cs:floor>
+  <cs:gridlineMajor>
+    <cs:lnRef idx="0"/>
+    <cs:fillRef idx="0"/>
+    <cs:effectRef idx="0"/>
+    <cs:fontRef idx="minor">
+      <a:schemeClr val="tx1"/>
+    </cs:fontRef>
+    <cs:spPr>
+      <a:ln w="9525" cap="flat" cmpd="sng" algn="ctr">
+        <a:solidFill>
+          <a:schemeClr val="tx1">
+            <a:lumMod val="15000"/>
+            <a:lumOff val="85000"/>
+          </a:schemeClr>
+        </a:solidFill>
+        <a:round/>
+      </a:ln>
+    </cs:spPr>
+  </cs:gridlineMajor>
+  <cs:gridlineMinor>
+    <cs:lnRef idx="0"/>
+    <cs:fillRef idx="0"/>
+    <cs:effectRef idx="0"/>
+    <cs:fontRef idx="minor">
+      <a:schemeClr val="tx1"/>
+    </cs:fontRef>
+    <cs:spPr>
+      <a:ln w="9525" cap="flat" cmpd="sng" algn="ctr">
+        <a:solidFill>
+          <a:schemeClr val="tx1">
+            <a:lumMod val="5000"/>
+            <a:lumOff val="95000"/>
+          </a:schemeClr>
+        </a:solidFill>
+        <a:round/>
+      </a:ln>
+    </cs:spPr>
+  </cs:gridlineMinor>
+  <cs:hiLoLine>
+    <cs:lnRef idx="0"/>
+    <cs:fillRef idx="0"/>
+    <cs:effectRef idx="0"/>
+    <cs:fontRef idx="minor">
+      <a:schemeClr val="tx1"/>
+    </cs:fontRef>
+    <cs:spPr>
+      <a:ln w="9525" cap="flat" cmpd="sng" algn="ctr">
+        <a:solidFill>
+          <a:schemeClr val="tx1">
+            <a:lumMod val="75000"/>
+            <a:lumOff val="25000"/>
+          </a:schemeClr>
+        </a:solidFill>
+        <a:round/>
+      </a:ln>
+    </cs:spPr>
+  </cs:hiLoLine>
+  <cs:leaderLine>
+    <cs:lnRef idx="0"/>
+    <cs:fillRef idx="0"/>
+    <cs:effectRef idx="0"/>
+    <cs:fontRef idx="minor">
+      <a:schemeClr val="tx1"/>
+    </cs:fontRef>
+    <cs:spPr>
+      <a:ln w="9525" cap="flat" cmpd="sng" algn="ctr">
+        <a:solidFill>
+          <a:schemeClr val="tx1">
+            <a:lumMod val="35000"/>
+            <a:lumOff val="65000"/>
+          </a:schemeClr>
+        </a:solidFill>
+        <a:round/>
+      </a:ln>
+    </cs:spPr>
+  </cs:leaderLine>
+  <cs:legend>
+    <cs:lnRef idx="0"/>
+    <cs:fillRef idx="0"/>
+    <cs:effectRef idx="0"/>
+    <cs:fontRef idx="minor">
+      <a:schemeClr val="tx1">
+        <a:lumMod val="65000"/>
+        <a:lumOff val="35000"/>
+      </a:schemeClr>
+    </cs:fontRef>
+    <cs:defRPr sz="900" kern="1200"/>
+  </cs:legend>
+  <cs:plotArea mods="allowNoFillOverride allowNoLineOverride">
+    <cs:lnRef idx="0"/>
+    <cs:fillRef idx="0"/>
+    <cs:effectRef idx="0"/>
+    <cs:fontRef idx="minor">
+      <a:schemeClr val="tx1"/>
+    </cs:fontRef>
+  </cs:plotArea>
+  <cs:plotArea3D mods="allowNoFillOverride allowNoLineOverride">
+    <cs:lnRef idx="0"/>
+    <cs:fillRef idx="0"/>
+    <cs:effectRef idx="0"/>
+    <cs:fontRef idx="minor">
+      <a:schemeClr val="tx1"/>
+    </cs:fontRef>
+  </cs:plotArea3D>
+  <cs:seriesAxis>
+    <cs:lnRef idx="0"/>
+    <cs:fillRef idx="0"/>
+    <cs:effectRef idx="0"/>
+    <cs:fontRef idx="minor">
+      <a:schemeClr val="tx1">
+        <a:lumMod val="65000"/>
+        <a:lumOff val="35000"/>
+      </a:schemeClr>
+    </cs:fontRef>
+    <cs:defRPr sz="900" kern="1200"/>
+  </cs:seriesAxis>
+  <cs:seriesLine>
+    <cs:lnRef idx="0"/>
+    <cs:fillRef idx="0"/>
+    <cs:effectRef idx="0"/>
+    <cs:fontRef idx="minor">
+      <a:schemeClr val="tx1"/>
+    </cs:fontRef>
+    <cs:spPr>
+      <a:ln w="9525" cap="flat" cmpd="sng" algn="ctr">
+        <a:solidFill>
+          <a:schemeClr val="tx1">
+            <a:lumMod val="35000"/>
+            <a:lumOff val="65000"/>
+          </a:schemeClr>
+        </a:solidFill>
+        <a:round/>
+      </a:ln>
+    </cs:spPr>
+  </cs:seriesLine>
+  <cs:title>
+    <cs:lnRef idx="0"/>
+    <cs:fillRef idx="0"/>
+    <cs:effectRef idx="0"/>
+    <cs:fontRef idx="minor">
+      <a:schemeClr val="tx1">
+        <a:lumMod val="65000"/>
+        <a:lumOff val="35000"/>
+      </a:schemeClr>
+    </cs:fontRef>
+    <cs:defRPr sz="1400" b="0" kern="1200" spc="0" baseline="0"/>
+  </cs:title>
+  <cs:trendline>
+    <cs:lnRef idx="0">
+      <cs:styleClr val="auto"/>
+    </cs:lnRef>
+    <cs:fillRef idx="0"/>
+    <cs:effectRef idx="0"/>
+    <cs:fontRef idx="minor">
+      <a:schemeClr val="tx1"/>
+    </cs:fontRef>
+    <cs:spPr>
+      <a:ln w="19050" cap="rnd">
+        <a:solidFill>
+          <a:schemeClr val="phClr"/>
+        </a:solidFill>
+        <a:prstDash val="sysDot"/>
+      </a:ln>
+    </cs:spPr>
+  </cs:trendline>
+  <cs:trendlineLabel>
+    <cs:lnRef idx="0"/>
+    <cs:fillRef idx="0"/>
+    <cs:effectRef idx="0"/>
+    <cs:fontRef idx="minor">
+      <a:schemeClr val="tx1">
+        <a:lumMod val="65000"/>
+        <a:lumOff val="35000"/>
+      </a:schemeClr>
+    </cs:fontRef>
+    <cs:defRPr sz="900" kern="1200"/>
+  </cs:trendlineLabel>
+  <cs:upBar>
+    <cs:lnRef idx="0"/>
+    <cs:fillRef idx="0"/>
+    <cs:effectRef idx="0"/>
+    <cs:fontRef idx="minor">
+      <a:schemeClr val="dk1"/>
+    </cs:fontRef>
+    <cs:spPr>
+      <a:solidFill>
+        <a:schemeClr val="lt1"/>
+      </a:solidFill>
+      <a:ln w="9525">
+        <a:solidFill>
+          <a:schemeClr val="tx1">
+            <a:lumMod val="15000"/>
+            <a:lumOff val="85000"/>
+          </a:schemeClr>
+        </a:solidFill>
+      </a:ln>
+    </cs:spPr>
+  </cs:upBar>
+  <cs:valueAxis>
+    <cs:lnRef idx="0"/>
+    <cs:fillRef idx="0"/>
+    <cs:effectRef idx="0"/>
+    <cs:fontRef idx="minor">
+      <a:schemeClr val="tx1">
+        <a:lumMod val="65000"/>
+        <a:lumOff val="35000"/>
+      </a:schemeClr>
+    </cs:fontRef>
+    <cs:defRPr sz="900" kern="1200"/>
+  </cs:valueAxis>
+  <cs:wall>
+    <cs:lnRef idx="0"/>
+    <cs:fillRef idx="0"/>
+    <cs:effectRef idx="0"/>
+    <cs:fontRef idx="minor">
+      <a:schemeClr val="tx1"/>
+    </cs:fontRef>
+    <cs:spPr>
+      <a:noFill/>
+      <a:ln>
+        <a:noFill/>
+      </a:ln>
+    </cs:spPr>
+  </cs:wall>
+</cs:chartStyle>
+</file>
+
+<file path=ppt/charts/style4.xml><?xml version="1.0" encoding="utf-8"?>
+<cs:chartStyle xmlns:cs="http://schemas.microsoft.com/office/drawing/2012/chartStyle" xmlns:a="http://schemas.openxmlformats.org/drawingml/2006/main" id="201">
+  <cs:axisTitle>
+    <cs:lnRef idx="0"/>
+    <cs:fillRef idx="0"/>
+    <cs:effectRef idx="0"/>
+    <cs:fontRef idx="minor">
+      <a:schemeClr val="tx1">
+        <a:lumMod val="65000"/>
+        <a:lumOff val="35000"/>
+      </a:schemeClr>
+    </cs:fontRef>
+    <cs:defRPr sz="1000" kern="1200"/>
+  </cs:axisTitle>
+  <cs:categoryAxis>
+    <cs:lnRef idx="0"/>
+    <cs:fillRef idx="0"/>
+    <cs:effectRef idx="0"/>
+    <cs:fontRef idx="minor">
+      <a:schemeClr val="tx1">
+        <a:lumMod val="65000"/>
+        <a:lumOff val="35000"/>
+      </a:schemeClr>
+    </cs:fontRef>
+    <cs:spPr>
+      <a:ln w="9525" cap="flat" cmpd="sng" algn="ctr">
+        <a:solidFill>
+          <a:schemeClr val="tx1">
+            <a:lumMod val="15000"/>
+            <a:lumOff val="85000"/>
+          </a:schemeClr>
+        </a:solidFill>
+        <a:round/>
+      </a:ln>
+    </cs:spPr>
+    <cs:defRPr sz="900" kern="1200"/>
+  </cs:categoryAxis>
+  <cs:chartArea mods="allowNoFillOverride allowNoLineOverride">
+    <cs:lnRef idx="0"/>
+    <cs:fillRef idx="0"/>
+    <cs:effectRef idx="0"/>
+    <cs:fontRef idx="minor">
+      <a:schemeClr val="tx1"/>
+    </cs:fontRef>
+    <cs:spPr>
+      <a:solidFill>
+        <a:schemeClr val="bg1"/>
+      </a:solidFill>
+      <a:ln w="9525" cap="flat" cmpd="sng" algn="ctr">
+        <a:solidFill>
+          <a:schemeClr val="tx1">
+            <a:lumMod val="15000"/>
+            <a:lumOff val="85000"/>
+          </a:schemeClr>
+        </a:solidFill>
+        <a:round/>
+      </a:ln>
+    </cs:spPr>
+    <cs:defRPr sz="1000" kern="1200"/>
+  </cs:chartArea>
+  <cs:dataLabel>
+    <cs:lnRef idx="0"/>
+    <cs:fillRef idx="0"/>
+    <cs:effectRef idx="0"/>
+    <cs:fontRef idx="minor">
+      <a:schemeClr val="tx1">
+        <a:lumMod val="75000"/>
+        <a:lumOff val="25000"/>
+      </a:schemeClr>
+    </cs:fontRef>
+    <cs:defRPr sz="900" kern="1200"/>
+  </cs:dataLabel>
+  <cs:dataLabelCallout>
+    <cs:lnRef idx="0"/>
+    <cs:fillRef idx="0"/>
+    <cs:effectRef idx="0"/>
+    <cs:fontRef idx="minor">
+      <a:schemeClr val="dk1">
+        <a:lumMod val="65000"/>
+        <a:lumOff val="35000"/>
+      </a:schemeClr>
+    </cs:fontRef>
+    <cs:spPr>
+      <a:solidFill>
+        <a:schemeClr val="lt1"/>
+      </a:solidFill>
+      <a:ln>
+        <a:solidFill>
+          <a:schemeClr val="dk1">
+            <a:lumMod val="25000"/>
+            <a:lumOff val="75000"/>
+          </a:schemeClr>
+        </a:solidFill>
+      </a:ln>
+    </cs:spPr>
+    <cs:defRPr sz="900" kern="1200"/>
+    <cs:bodyPr rot="0" spcFirstLastPara="1" vertOverflow="clip" horzOverflow="clip" vert="horz" wrap="square" lIns="36576" tIns="18288" rIns="36576" bIns="18288" anchor="ctr" anchorCtr="1">
+      <a:spAutoFit/>
+    </cs:bodyPr>
+  </cs:dataLabelCallout>
+  <cs:dataPoint>
+    <cs:lnRef idx="0"/>
+    <cs:fillRef idx="1">
+      <cs:styleClr val="auto"/>
+    </cs:fillRef>
+    <cs:effectRef idx="0"/>
+    <cs:fontRef idx="minor">
+      <a:schemeClr val="tx1"/>
+    </cs:fontRef>
+  </cs:dataPoint>
+  <cs:dataPoint3D>
+    <cs:lnRef idx="0"/>
+    <cs:fillRef idx="1">
+      <cs:styleClr val="auto"/>
+    </cs:fillRef>
+    <cs:effectRef idx="0"/>
+    <cs:fontRef idx="minor">
+      <a:schemeClr val="tx1"/>
+    </cs:fontRef>
+  </cs:dataPoint3D>
+  <cs:dataPointLine>
+    <cs:lnRef idx="0">
+      <cs:styleClr val="auto"/>
+    </cs:lnRef>
+    <cs:fillRef idx="1"/>
+    <cs:effectRef idx="0"/>
+    <cs:fontRef idx="minor">
+      <a:schemeClr val="tx1"/>
+    </cs:fontRef>
+    <cs:spPr>
+      <a:ln w="28575" cap="rnd">
+        <a:solidFill>
+          <a:schemeClr val="phClr"/>
+        </a:solidFill>
+        <a:round/>
+      </a:ln>
+    </cs:spPr>
+  </cs:dataPointLine>
+  <cs:dataPointMarker>
+    <cs:lnRef idx="0">
+      <cs:styleClr val="auto"/>
+    </cs:lnRef>
+    <cs:fillRef idx="1">
+      <cs:styleClr val="auto"/>
+    </cs:fillRef>
+    <cs:effectRef idx="0"/>
+    <cs:fontRef idx="minor">
+      <a:schemeClr val="tx1"/>
+    </cs:fontRef>
+    <cs:spPr>
+      <a:ln w="9525">
+        <a:solidFill>
+          <a:schemeClr val="phClr"/>
+        </a:solidFill>
+      </a:ln>
+    </cs:spPr>
+  </cs:dataPointMarker>
+  <cs:dataPointMarkerLayout symbol="circle" size="5"/>
+  <cs:dataPointWireframe>
+    <cs:lnRef idx="0">
+      <cs:styleClr val="auto"/>
+    </cs:lnRef>
+    <cs:fillRef idx="1"/>
+    <cs:effectRef idx="0"/>
+    <cs:fontRef idx="minor">
+      <a:schemeClr val="tx1"/>
+    </cs:fontRef>
+    <cs:spPr>
+      <a:ln w="9525" cap="rnd">
+        <a:solidFill>
+          <a:schemeClr val="phClr"/>
+        </a:solidFill>
+        <a:round/>
+      </a:ln>
+    </cs:spPr>
+  </cs:dataPointWireframe>
+  <cs:dataTable>
+    <cs:lnRef idx="0"/>
+    <cs:fillRef idx="0"/>
+    <cs:effectRef idx="0"/>
+    <cs:fontRef idx="minor">
+      <a:schemeClr val="tx1">
+        <a:lumMod val="65000"/>
+        <a:lumOff val="35000"/>
+      </a:schemeClr>
+    </cs:fontRef>
+    <cs:spPr>
+      <a:noFill/>
+      <a:ln w="9525" cap="flat" cmpd="sng" algn="ctr">
+        <a:solidFill>
+          <a:schemeClr val="tx1">
+            <a:lumMod val="15000"/>
+            <a:lumOff val="85000"/>
+          </a:schemeClr>
+        </a:solidFill>
+        <a:round/>
+      </a:ln>
+    </cs:spPr>
+    <cs:defRPr sz="900" kern="1200"/>
+  </cs:dataTable>
+  <cs:downBar>
+    <cs:lnRef idx="0"/>
+    <cs:fillRef idx="0"/>
+    <cs:effectRef idx="0"/>
+    <cs:fontRef idx="minor">
+      <a:schemeClr val="dk1"/>
+    </cs:fontRef>
+    <cs:spPr>
+      <a:solidFill>
+        <a:schemeClr val="dk1">
+          <a:lumMod val="65000"/>
+          <a:lumOff val="35000"/>
+        </a:schemeClr>
+      </a:solidFill>
+      <a:ln w="9525">
+        <a:solidFill>
+          <a:schemeClr val="tx1">
+            <a:lumMod val="65000"/>
+            <a:lumOff val="35000"/>
+          </a:schemeClr>
+        </a:solidFill>
+      </a:ln>
+    </cs:spPr>
+  </cs:downBar>
+  <cs:dropLine>
+    <cs:lnRef idx="0"/>
+    <cs:fillRef idx="0"/>
+    <cs:effectRef idx="0"/>
+    <cs:fontRef idx="minor">
+      <a:schemeClr val="tx1"/>
+    </cs:fontRef>
+    <cs:spPr>
+      <a:ln w="9525" cap="flat" cmpd="sng" algn="ctr">
+        <a:solidFill>
+          <a:schemeClr val="tx1">
+            <a:lumMod val="35000"/>
+            <a:lumOff val="65000"/>
+          </a:schemeClr>
+        </a:solidFill>
+        <a:round/>
+      </a:ln>
+    </cs:spPr>
+  </cs:dropLine>
+  <cs:errorBar>
+    <cs:lnRef idx="0"/>
+    <cs:fillRef idx="0"/>
+    <cs:effectRef idx="0"/>
+    <cs:fontRef idx="minor">
+      <a:schemeClr val="tx1"/>
+    </cs:fontRef>
+    <cs:spPr>
+      <a:ln w="9525" cap="flat" cmpd="sng" algn="ctr">
+        <a:solidFill>
+          <a:schemeClr val="tx1">
+            <a:lumMod val="65000"/>
+            <a:lumOff val="35000"/>
+          </a:schemeClr>
+        </a:solidFill>
+        <a:round/>
+      </a:ln>
+    </cs:spPr>
+  </cs:errorBar>
+  <cs:floor>
+    <cs:lnRef idx="0"/>
+    <cs:fillRef idx="0"/>
+    <cs:effectRef idx="0"/>
+    <cs:fontRef idx="minor">
+      <a:schemeClr val="tx1"/>
+    </cs:fontRef>
+    <cs:spPr>
+      <a:noFill/>
+      <a:ln>
+        <a:noFill/>
+      </a:ln>
+    </cs:spPr>
+  </cs:floor>
+  <cs:gridlineMajor>
+    <cs:lnRef idx="0"/>
+    <cs:fillRef idx="0"/>
+    <cs:effectRef idx="0"/>
+    <cs:fontRef idx="minor">
+      <a:schemeClr val="tx1"/>
+    </cs:fontRef>
+    <cs:spPr>
+      <a:ln w="9525" cap="flat" cmpd="sng" algn="ctr">
+        <a:solidFill>
+          <a:schemeClr val="tx1">
+            <a:lumMod val="15000"/>
+            <a:lumOff val="85000"/>
+          </a:schemeClr>
+        </a:solidFill>
+        <a:round/>
+      </a:ln>
+    </cs:spPr>
+  </cs:gridlineMajor>
+  <cs:gridlineMinor>
+    <cs:lnRef idx="0"/>
+    <cs:fillRef idx="0"/>
+    <cs:effectRef idx="0"/>
+    <cs:fontRef idx="minor">
+      <a:schemeClr val="tx1"/>
+    </cs:fontRef>
+    <cs:spPr>
+      <a:ln w="9525" cap="flat" cmpd="sng" algn="ctr">
+        <a:solidFill>
+          <a:schemeClr val="tx1">
+            <a:lumMod val="5000"/>
+            <a:lumOff val="95000"/>
+          </a:schemeClr>
+        </a:solidFill>
+        <a:round/>
+      </a:ln>
+    </cs:spPr>
+  </cs:gridlineMinor>
+  <cs:hiLoLine>
+    <cs:lnRef idx="0"/>
+    <cs:fillRef idx="0"/>
+    <cs:effectRef idx="0"/>
+    <cs:fontRef idx="minor">
+      <a:schemeClr val="tx1"/>
+    </cs:fontRef>
+    <cs:spPr>
+      <a:ln w="9525" cap="flat" cmpd="sng" algn="ctr">
+        <a:solidFill>
+          <a:schemeClr val="tx1">
+            <a:lumMod val="75000"/>
+            <a:lumOff val="25000"/>
+          </a:schemeClr>
+        </a:solidFill>
+        <a:round/>
+      </a:ln>
+    </cs:spPr>
+  </cs:hiLoLine>
+  <cs:leaderLine>
+    <cs:lnRef idx="0"/>
+    <cs:fillRef idx="0"/>
+    <cs:effectRef idx="0"/>
+    <cs:fontRef idx="minor">
+      <a:schemeClr val="tx1"/>
+    </cs:fontRef>
+    <cs:spPr>
+      <a:ln w="9525" cap="flat" cmpd="sng" algn="ctr">
+        <a:solidFill>
+          <a:schemeClr val="tx1">
+            <a:lumMod val="35000"/>
+            <a:lumOff val="65000"/>
+          </a:schemeClr>
+        </a:solidFill>
+        <a:round/>
+      </a:ln>
+    </cs:spPr>
+  </cs:leaderLine>
+  <cs:legend>
+    <cs:lnRef idx="0"/>
+    <cs:fillRef idx="0"/>
+    <cs:effectRef idx="0"/>
+    <cs:fontRef idx="minor">
+      <a:schemeClr val="tx1">
+        <a:lumMod val="65000"/>
+        <a:lumOff val="35000"/>
+      </a:schemeClr>
+    </cs:fontRef>
+    <cs:defRPr sz="900" kern="1200"/>
+  </cs:legend>
+  <cs:plotArea mods="allowNoFillOverride allowNoLineOverride">
+    <cs:lnRef idx="0"/>
+    <cs:fillRef idx="0"/>
+    <cs:effectRef idx="0"/>
+    <cs:fontRef idx="minor">
+      <a:schemeClr val="tx1"/>
+    </cs:fontRef>
+  </cs:plotArea>
+  <cs:plotArea3D mods="allowNoFillOverride allowNoLineOverride">
+    <cs:lnRef idx="0"/>
+    <cs:fillRef idx="0"/>
+    <cs:effectRef idx="0"/>
+    <cs:fontRef idx="minor">
+      <a:schemeClr val="tx1"/>
+    </cs:fontRef>
+  </cs:plotArea3D>
+  <cs:seriesAxis>
+    <cs:lnRef idx="0"/>
+    <cs:fillRef idx="0"/>
+    <cs:effectRef idx="0"/>
+    <cs:fontRef idx="minor">
+      <a:schemeClr val="tx1">
+        <a:lumMod val="65000"/>
+        <a:lumOff val="35000"/>
+      </a:schemeClr>
+    </cs:fontRef>
+    <cs:defRPr sz="900" kern="1200"/>
+  </cs:seriesAxis>
+  <cs:seriesLine>
+    <cs:lnRef idx="0"/>
+    <cs:fillRef idx="0"/>
+    <cs:effectRef idx="0"/>
+    <cs:fontRef idx="minor">
+      <a:schemeClr val="tx1"/>
+    </cs:fontRef>
+    <cs:spPr>
+      <a:ln w="9525" cap="flat" cmpd="sng" algn="ctr">
+        <a:solidFill>
+          <a:schemeClr val="tx1">
+            <a:lumMod val="35000"/>
+            <a:lumOff val="65000"/>
+          </a:schemeClr>
+        </a:solidFill>
+        <a:round/>
+      </a:ln>
+    </cs:spPr>
+  </cs:seriesLine>
+  <cs:title>
+    <cs:lnRef idx="0"/>
+    <cs:fillRef idx="0"/>
+    <cs:effectRef idx="0"/>
+    <cs:fontRef idx="minor">
+      <a:schemeClr val="tx1">
+        <a:lumMod val="65000"/>
+        <a:lumOff val="35000"/>
+      </a:schemeClr>
+    </cs:fontRef>
+    <cs:defRPr sz="1400" b="0" kern="1200" spc="0" baseline="0"/>
+  </cs:title>
+  <cs:trendline>
+    <cs:lnRef idx="0">
+      <cs:styleClr val="auto"/>
+    </cs:lnRef>
+    <cs:fillRef idx="0"/>
+    <cs:effectRef idx="0"/>
+    <cs:fontRef idx="minor">
+      <a:schemeClr val="tx1"/>
+    </cs:fontRef>
+    <cs:spPr>
+      <a:ln w="19050" cap="rnd">
+        <a:solidFill>
+          <a:schemeClr val="phClr"/>
+        </a:solidFill>
+        <a:prstDash val="sysDot"/>
+      </a:ln>
+    </cs:spPr>
+  </cs:trendline>
+  <cs:trendlineLabel>
+    <cs:lnRef idx="0"/>
+    <cs:fillRef idx="0"/>
+    <cs:effectRef idx="0"/>
+    <cs:fontRef idx="minor">
+      <a:schemeClr val="tx1">
+        <a:lumMod val="65000"/>
+        <a:lumOff val="35000"/>
+      </a:schemeClr>
+    </cs:fontRef>
+    <cs:defRPr sz="900" kern="1200"/>
+  </cs:trendlineLabel>
+  <cs:upBar>
+    <cs:lnRef idx="0"/>
+    <cs:fillRef idx="0"/>
+    <cs:effectRef idx="0"/>
+    <cs:fontRef idx="minor">
+      <a:schemeClr val="dk1"/>
+    </cs:fontRef>
+    <cs:spPr>
+      <a:solidFill>
+        <a:schemeClr val="lt1"/>
+      </a:solidFill>
+      <a:ln w="9525">
+        <a:solidFill>
+          <a:schemeClr val="tx1">
+            <a:lumMod val="15000"/>
+            <a:lumOff val="85000"/>
+          </a:schemeClr>
+        </a:solidFill>
+      </a:ln>
+    </cs:spPr>
+  </cs:upBar>
+  <cs:valueAxis>
+    <cs:lnRef idx="0"/>
+    <cs:fillRef idx="0"/>
+    <cs:effectRef idx="0"/>
+    <cs:fontRef idx="minor">
+      <a:schemeClr val="tx1">
+        <a:lumMod val="65000"/>
+        <a:lumOff val="35000"/>
+      </a:schemeClr>
+    </cs:fontRef>
+    <cs:defRPr sz="900" kern="1200"/>
+  </cs:valueAxis>
+  <cs:wall>
+    <cs:lnRef idx="0"/>
+    <cs:fillRef idx="0"/>
+    <cs:effectRef idx="0"/>
+    <cs:fontRef idx="minor">
+      <a:schemeClr val="tx1"/>
+    </cs:fontRef>
+    <cs:spPr>
+      <a:noFill/>
+      <a:ln>
+        <a:noFill/>
+      </a:ln>
+    </cs:spPr>
+  </cs:wall>
+</cs:chartStyle>
+</file>
+
 <file path=ppt/notesMasters/notesMaster1.xml><?xml version="1.0" encoding="utf-8"?>
 <p:notesMaster xmlns:a="http://schemas.openxmlformats.org/drawingml/2006/main" xmlns:r="http://schemas.openxmlformats.org/officeDocument/2006/relationships" xmlns:p="http://schemas.openxmlformats.org/presentationml/2006/main">
   <p:cSld>
@@ -218,7 +4342,7 @@
           <a:p>
             <a:fld id="{29562F19-B49D-4A89-843B-9104E418BC36}" type="datetimeFigureOut">
               <a:rPr lang="zh-CN" altLang="en-US" smtClean="0"/>
-              <a:t>2018-06-29</a:t>
+              <a:t>2018/6/29</a:t>
             </a:fld>
             <a:endParaRPr lang="zh-CN" altLang="en-US"/>
           </a:p>
@@ -570,6 +4694,90 @@
 </p:notes>
 </file>
 
+<file path=ppt/notesSlides/notesSlide2.xml><?xml version="1.0" encoding="utf-8"?>
+<p:notes xmlns:a="http://schemas.openxmlformats.org/drawingml/2006/main" xmlns:r="http://schemas.openxmlformats.org/officeDocument/2006/relationships" xmlns:p="http://schemas.openxmlformats.org/presentationml/2006/main">
+  <p:cSld>
+    <p:spTree>
+      <p:nvGrpSpPr>
+        <p:cNvPr id="1" name=""/>
+        <p:cNvGrpSpPr/>
+        <p:nvPr/>
+      </p:nvGrpSpPr>
+      <p:grpSpPr>
+        <a:xfrm>
+          <a:off x="0" y="0"/>
+          <a:ext cx="0" cy="0"/>
+          <a:chOff x="0" y="0"/>
+          <a:chExt cx="0" cy="0"/>
+        </a:xfrm>
+      </p:grpSpPr>
+      <p:sp>
+        <p:nvSpPr>
+          <p:cNvPr id="2" name="Slide Image Placeholder 1"/>
+          <p:cNvSpPr>
+            <a:spLocks noGrp="1" noRot="1" noChangeAspect="1"/>
+          </p:cNvSpPr>
+          <p:nvPr>
+            <p:ph type="sldImg"/>
+          </p:nvPr>
+        </p:nvSpPr>
+        <p:spPr/>
+      </p:sp>
+      <p:sp>
+        <p:nvSpPr>
+          <p:cNvPr id="3" name="Notes Placeholder 2"/>
+          <p:cNvSpPr>
+            <a:spLocks noGrp="1"/>
+          </p:cNvSpPr>
+          <p:nvPr>
+            <p:ph type="body" idx="1"/>
+          </p:nvPr>
+        </p:nvSpPr>
+        <p:spPr/>
+        <p:txBody>
+          <a:bodyPr/>
+          <a:lstStyle/>
+          <a:p>
+            <a:endParaRPr lang="en-US" dirty="0"/>
+          </a:p>
+        </p:txBody>
+      </p:sp>
+      <p:sp>
+        <p:nvSpPr>
+          <p:cNvPr id="4" name="Slide Number Placeholder 3"/>
+          <p:cNvSpPr>
+            <a:spLocks noGrp="1"/>
+          </p:cNvSpPr>
+          <p:nvPr>
+            <p:ph type="sldNum" sz="quarter" idx="10"/>
+          </p:nvPr>
+        </p:nvSpPr>
+        <p:spPr/>
+        <p:txBody>
+          <a:bodyPr/>
+          <a:lstStyle/>
+          <a:p>
+            <a:fld id="{6013B0BC-3B52-45A7-B16A-FCF506EB6944}" type="slidenum">
+              <a:rPr lang="zh-CN" altLang="en-US" smtClean="0"/>
+              <a:t>13</a:t>
+            </a:fld>
+            <a:endParaRPr lang="zh-CN" altLang="en-US"/>
+          </a:p>
+        </p:txBody>
+      </p:sp>
+    </p:spTree>
+    <p:extLst>
+      <p:ext uri="{BB962C8B-B14F-4D97-AF65-F5344CB8AC3E}">
+        <p14:creationId xmlns:p14="http://schemas.microsoft.com/office/powerpoint/2010/main" val="2915432163"/>
+      </p:ext>
+    </p:extLst>
+  </p:cSld>
+  <p:clrMapOvr>
+    <a:masterClrMapping/>
+  </p:clrMapOvr>
+</p:notes>
+</file>
+
 <file path=ppt/slideLayouts/slideLayout1.xml><?xml version="1.0" encoding="utf-8"?>
 <p:sldLayout xmlns:a="http://schemas.openxmlformats.org/drawingml/2006/main" xmlns:r="http://schemas.openxmlformats.org/officeDocument/2006/relationships" xmlns:p="http://schemas.openxmlformats.org/presentationml/2006/main" type="title" preserve="1">
   <p:cSld name="标题幻灯片">
@@ -701,7 +4909,7 @@
           <a:p>
             <a:fld id="{293E308A-F820-4F1C-B1C4-1E36D24E3BBD}" type="datetimeFigureOut">
               <a:rPr lang="zh-CN" altLang="en-US" smtClean="0"/>
-              <a:t>2018-06-28</a:t>
+              <a:t>2018/6/29</a:t>
             </a:fld>
             <a:endParaRPr lang="zh-CN" altLang="en-US"/>
           </a:p>
@@ -871,7 +5079,7 @@
           <a:p>
             <a:fld id="{293E308A-F820-4F1C-B1C4-1E36D24E3BBD}" type="datetimeFigureOut">
               <a:rPr lang="zh-CN" altLang="en-US" smtClean="0"/>
-              <a:t>2018-06-28</a:t>
+              <a:t>2018/6/29</a:t>
             </a:fld>
             <a:endParaRPr lang="zh-CN" altLang="en-US"/>
           </a:p>
@@ -1051,7 +5259,7 @@
           <a:p>
             <a:fld id="{293E308A-F820-4F1C-B1C4-1E36D24E3BBD}" type="datetimeFigureOut">
               <a:rPr lang="zh-CN" altLang="en-US" smtClean="0"/>
-              <a:t>2018-06-28</a:t>
+              <a:t>2018/6/29</a:t>
             </a:fld>
             <a:endParaRPr lang="zh-CN" altLang="en-US"/>
           </a:p>
@@ -1221,7 +5429,7 @@
           <a:p>
             <a:fld id="{293E308A-F820-4F1C-B1C4-1E36D24E3BBD}" type="datetimeFigureOut">
               <a:rPr lang="zh-CN" altLang="en-US" smtClean="0"/>
-              <a:t>2018-06-28</a:t>
+              <a:t>2018/6/29</a:t>
             </a:fld>
             <a:endParaRPr lang="zh-CN" altLang="en-US"/>
           </a:p>
@@ -1467,7 +5675,7 @@
           <a:p>
             <a:fld id="{293E308A-F820-4F1C-B1C4-1E36D24E3BBD}" type="datetimeFigureOut">
               <a:rPr lang="zh-CN" altLang="en-US" smtClean="0"/>
-              <a:t>2018-06-28</a:t>
+              <a:t>2018/6/29</a:t>
             </a:fld>
             <a:endParaRPr lang="zh-CN" altLang="en-US"/>
           </a:p>
@@ -1699,7 +5907,7 @@
           <a:p>
             <a:fld id="{293E308A-F820-4F1C-B1C4-1E36D24E3BBD}" type="datetimeFigureOut">
               <a:rPr lang="zh-CN" altLang="en-US" smtClean="0"/>
-              <a:t>2018-06-28</a:t>
+              <a:t>2018/6/29</a:t>
             </a:fld>
             <a:endParaRPr lang="zh-CN" altLang="en-US"/>
           </a:p>
@@ -2066,7 +6274,7 @@
           <a:p>
             <a:fld id="{293E308A-F820-4F1C-B1C4-1E36D24E3BBD}" type="datetimeFigureOut">
               <a:rPr lang="zh-CN" altLang="en-US" smtClean="0"/>
-              <a:t>2018-06-28</a:t>
+              <a:t>2018/6/29</a:t>
             </a:fld>
             <a:endParaRPr lang="zh-CN" altLang="en-US"/>
           </a:p>
@@ -2184,7 +6392,7 @@
           <a:p>
             <a:fld id="{293E308A-F820-4F1C-B1C4-1E36D24E3BBD}" type="datetimeFigureOut">
               <a:rPr lang="zh-CN" altLang="en-US" smtClean="0"/>
-              <a:t>2018-06-28</a:t>
+              <a:t>2018/6/29</a:t>
             </a:fld>
             <a:endParaRPr lang="zh-CN" altLang="en-US"/>
           </a:p>
@@ -2279,7 +6487,7 @@
           <a:p>
             <a:fld id="{293E308A-F820-4F1C-B1C4-1E36D24E3BBD}" type="datetimeFigureOut">
               <a:rPr lang="zh-CN" altLang="en-US" smtClean="0"/>
-              <a:t>2018-06-28</a:t>
+              <a:t>2018/6/29</a:t>
             </a:fld>
             <a:endParaRPr lang="zh-CN" altLang="en-US"/>
           </a:p>
@@ -2556,7 +6764,7 @@
           <a:p>
             <a:fld id="{293E308A-F820-4F1C-B1C4-1E36D24E3BBD}" type="datetimeFigureOut">
               <a:rPr lang="zh-CN" altLang="en-US" smtClean="0"/>
-              <a:t>2018-06-28</a:t>
+              <a:t>2018/6/29</a:t>
             </a:fld>
             <a:endParaRPr lang="zh-CN" altLang="en-US"/>
           </a:p>
@@ -2809,7 +7017,7 @@
           <a:p>
             <a:fld id="{293E308A-F820-4F1C-B1C4-1E36D24E3BBD}" type="datetimeFigureOut">
               <a:rPr lang="zh-CN" altLang="en-US" smtClean="0"/>
-              <a:t>2018-06-28</a:t>
+              <a:t>2018/6/29</a:t>
             </a:fld>
             <a:endParaRPr lang="zh-CN" altLang="en-US"/>
           </a:p>
@@ -3022,7 +7230,7 @@
           <a:p>
             <a:fld id="{293E308A-F820-4F1C-B1C4-1E36D24E3BBD}" type="datetimeFigureOut">
               <a:rPr lang="zh-CN" altLang="en-US" smtClean="0"/>
-              <a:t>2018-06-28</a:t>
+              <a:t>2018/6/29</a:t>
             </a:fld>
             <a:endParaRPr lang="zh-CN" altLang="en-US"/>
           </a:p>
@@ -3534,6 +7742,844 @@
           <a:chExt cx="0" cy="0"/>
         </a:xfrm>
       </p:grpSpPr>
+      <p:sp>
+        <p:nvSpPr>
+          <p:cNvPr id="4" name="文本框 4"/>
+          <p:cNvSpPr txBox="1"/>
+          <p:nvPr/>
+        </p:nvSpPr>
+        <p:spPr>
+          <a:xfrm>
+            <a:off x="244545" y="202135"/>
+            <a:ext cx="3791423" cy="523220"/>
+          </a:xfrm>
+          <a:prstGeom prst="rect">
+            <a:avLst/>
+          </a:prstGeom>
+          <a:noFill/>
+        </p:spPr>
+        <p:txBody>
+          <a:bodyPr wrap="none" rtlCol="0">
+            <a:spAutoFit/>
+          </a:bodyPr>
+          <a:lstStyle/>
+          <a:p>
+            <a:r>
+              <a:rPr lang="en-US" altLang="zh-CN" sz="2800" dirty="0" smtClean="0">
+                <a:latin typeface="Times New Roman" panose="02020603050405020304" pitchFamily="18" charset="0"/>
+              </a:rPr>
+              <a:t>Overall confusion </a:t>
+            </a:r>
+            <a:r>
+              <a:rPr lang="en-US" altLang="zh-CN" sz="2800" dirty="0" smtClean="0">
+                <a:latin typeface="Times New Roman" panose="02020603050405020304" pitchFamily="18" charset="0"/>
+              </a:rPr>
+              <a:t>matrix</a:t>
+            </a:r>
+          </a:p>
+        </p:txBody>
+      </p:sp>
+      <p:pic>
+        <p:nvPicPr>
+          <p:cNvPr id="5" name="Picture 4"/>
+          <p:cNvPicPr>
+            <a:picLocks noChangeAspect="1"/>
+          </p:cNvPicPr>
+          <p:nvPr/>
+        </p:nvPicPr>
+        <p:blipFill>
+          <a:blip r:embed="rId2">
+            <a:extLst>
+              <a:ext uri="{28A0092B-C50C-407E-A947-70E740481C1C}">
+                <a14:useLocalDpi xmlns:a14="http://schemas.microsoft.com/office/drawing/2010/main" val="0"/>
+              </a:ext>
+            </a:extLst>
+          </a:blip>
+          <a:stretch>
+            <a:fillRect/>
+          </a:stretch>
+        </p:blipFill>
+        <p:spPr>
+          <a:xfrm>
+            <a:off x="6144975" y="1208943"/>
+            <a:ext cx="5554728" cy="3877200"/>
+          </a:xfrm>
+          <a:prstGeom prst="rect">
+            <a:avLst/>
+          </a:prstGeom>
+        </p:spPr>
+      </p:pic>
+      <p:pic>
+        <p:nvPicPr>
+          <p:cNvPr id="6" name="Picture 5"/>
+          <p:cNvPicPr>
+            <a:picLocks noChangeAspect="1"/>
+          </p:cNvPicPr>
+          <p:nvPr/>
+        </p:nvPicPr>
+        <p:blipFill>
+          <a:blip r:embed="rId3">
+            <a:extLst>
+              <a:ext uri="{28A0092B-C50C-407E-A947-70E740481C1C}">
+                <a14:useLocalDpi xmlns:a14="http://schemas.microsoft.com/office/drawing/2010/main" val="0"/>
+              </a:ext>
+            </a:extLst>
+          </a:blip>
+          <a:stretch>
+            <a:fillRect/>
+          </a:stretch>
+        </p:blipFill>
+        <p:spPr>
+          <a:xfrm>
+            <a:off x="360484" y="1209081"/>
+            <a:ext cx="5554530" cy="3877062"/>
+          </a:xfrm>
+          <a:prstGeom prst="rect">
+            <a:avLst/>
+          </a:prstGeom>
+        </p:spPr>
+      </p:pic>
+      <p:sp>
+        <p:nvSpPr>
+          <p:cNvPr id="7" name="TextBox 6"/>
+          <p:cNvSpPr txBox="1"/>
+          <p:nvPr/>
+        </p:nvSpPr>
+        <p:spPr>
+          <a:xfrm>
+            <a:off x="2066398" y="5460024"/>
+            <a:ext cx="2300630" cy="369332"/>
+          </a:xfrm>
+          <a:prstGeom prst="rect">
+            <a:avLst/>
+          </a:prstGeom>
+          <a:noFill/>
+        </p:spPr>
+        <p:txBody>
+          <a:bodyPr wrap="none" rtlCol="0">
+            <a:spAutoFit/>
+          </a:bodyPr>
+          <a:lstStyle/>
+          <a:p>
+            <a:r>
+              <a:rPr lang="en-US" dirty="0" smtClean="0">
+                <a:latin typeface="Times New Roman" panose="02020603050405020304" pitchFamily="18" charset="0"/>
+                <a:cs typeface="Times New Roman" panose="02020603050405020304" pitchFamily="18" charset="0"/>
+              </a:rPr>
+              <a:t>Overall </a:t>
+            </a:r>
+            <a:r>
+              <a:rPr lang="en-US" dirty="0" err="1" smtClean="0">
+                <a:latin typeface="Times New Roman" panose="02020603050405020304" pitchFamily="18" charset="0"/>
+                <a:cs typeface="Times New Roman" panose="02020603050405020304" pitchFamily="18" charset="0"/>
+              </a:rPr>
+              <a:t>Noraxon</a:t>
+            </a:r>
+            <a:r>
+              <a:rPr lang="en-US" dirty="0" smtClean="0">
+                <a:latin typeface="Times New Roman" panose="02020603050405020304" pitchFamily="18" charset="0"/>
+                <a:cs typeface="Times New Roman" panose="02020603050405020304" pitchFamily="18" charset="0"/>
+              </a:rPr>
+              <a:t> RF-L</a:t>
+            </a:r>
+            <a:endParaRPr lang="en-US" dirty="0">
+              <a:latin typeface="Times New Roman" panose="02020603050405020304" pitchFamily="18" charset="0"/>
+              <a:cs typeface="Times New Roman" panose="02020603050405020304" pitchFamily="18" charset="0"/>
+            </a:endParaRPr>
+          </a:p>
+        </p:txBody>
+      </p:sp>
+      <p:sp>
+        <p:nvSpPr>
+          <p:cNvPr id="8" name="TextBox 7"/>
+          <p:cNvSpPr txBox="1"/>
+          <p:nvPr/>
+        </p:nvSpPr>
+        <p:spPr>
+          <a:xfrm>
+            <a:off x="7850988" y="5460024"/>
+            <a:ext cx="2313454" cy="369332"/>
+          </a:xfrm>
+          <a:prstGeom prst="rect">
+            <a:avLst/>
+          </a:prstGeom>
+          <a:noFill/>
+        </p:spPr>
+        <p:txBody>
+          <a:bodyPr wrap="none" rtlCol="0">
+            <a:spAutoFit/>
+          </a:bodyPr>
+          <a:lstStyle/>
+          <a:p>
+            <a:r>
+              <a:rPr lang="en-US" dirty="0" smtClean="0">
+                <a:latin typeface="Times New Roman" panose="02020603050405020304" pitchFamily="18" charset="0"/>
+                <a:cs typeface="Times New Roman" panose="02020603050405020304" pitchFamily="18" charset="0"/>
+              </a:rPr>
+              <a:t>Overall </a:t>
+            </a:r>
+            <a:r>
+              <a:rPr lang="en-US" dirty="0" err="1" smtClean="0">
+                <a:latin typeface="Times New Roman" panose="02020603050405020304" pitchFamily="18" charset="0"/>
+                <a:cs typeface="Times New Roman" panose="02020603050405020304" pitchFamily="18" charset="0"/>
+              </a:rPr>
+              <a:t>Noraxon</a:t>
+            </a:r>
+            <a:r>
+              <a:rPr lang="en-US" dirty="0" smtClean="0">
+                <a:latin typeface="Times New Roman" panose="02020603050405020304" pitchFamily="18" charset="0"/>
+                <a:cs typeface="Times New Roman" panose="02020603050405020304" pitchFamily="18" charset="0"/>
+              </a:rPr>
+              <a:t> RF-R</a:t>
+            </a:r>
+            <a:endParaRPr lang="en-US" dirty="0">
+              <a:latin typeface="Times New Roman" panose="02020603050405020304" pitchFamily="18" charset="0"/>
+              <a:cs typeface="Times New Roman" panose="02020603050405020304" pitchFamily="18" charset="0"/>
+            </a:endParaRPr>
+          </a:p>
+        </p:txBody>
+      </p:sp>
+    </p:spTree>
+    <p:extLst>
+      <p:ext uri="{BB962C8B-B14F-4D97-AF65-F5344CB8AC3E}">
+        <p14:creationId xmlns:p14="http://schemas.microsoft.com/office/powerpoint/2010/main" val="139597120"/>
+      </p:ext>
+    </p:extLst>
+  </p:cSld>
+  <p:clrMapOvr>
+    <a:masterClrMapping/>
+  </p:clrMapOvr>
+  <p:timing>
+    <p:tnLst>
+      <p:par>
+        <p:cTn id="1" dur="indefinite" restart="never" nodeType="tmRoot"/>
+      </p:par>
+    </p:tnLst>
+  </p:timing>
+</p:sld>
+</file>
+
+<file path=ppt/slides/slide11.xml><?xml version="1.0" encoding="utf-8"?>
+<p:sld xmlns:a="http://schemas.openxmlformats.org/drawingml/2006/main" xmlns:r="http://schemas.openxmlformats.org/officeDocument/2006/relationships" xmlns:p="http://schemas.openxmlformats.org/presentationml/2006/main">
+  <p:cSld>
+    <p:spTree>
+      <p:nvGrpSpPr>
+        <p:cNvPr id="1" name=""/>
+        <p:cNvGrpSpPr/>
+        <p:nvPr/>
+      </p:nvGrpSpPr>
+      <p:grpSpPr>
+        <a:xfrm>
+          <a:off x="0" y="0"/>
+          <a:ext cx="0" cy="0"/>
+          <a:chOff x="0" y="0"/>
+          <a:chExt cx="0" cy="0"/>
+        </a:xfrm>
+      </p:grpSpPr>
+      <p:sp>
+        <p:nvSpPr>
+          <p:cNvPr id="4" name="文本框 4"/>
+          <p:cNvSpPr txBox="1"/>
+          <p:nvPr/>
+        </p:nvSpPr>
+        <p:spPr>
+          <a:xfrm>
+            <a:off x="244545" y="202135"/>
+            <a:ext cx="3791423" cy="523220"/>
+          </a:xfrm>
+          <a:prstGeom prst="rect">
+            <a:avLst/>
+          </a:prstGeom>
+          <a:noFill/>
+        </p:spPr>
+        <p:txBody>
+          <a:bodyPr wrap="none" rtlCol="0">
+            <a:spAutoFit/>
+          </a:bodyPr>
+          <a:lstStyle/>
+          <a:p>
+            <a:r>
+              <a:rPr lang="en-US" altLang="zh-CN" sz="2800" dirty="0" smtClean="0">
+                <a:latin typeface="Times New Roman" panose="02020603050405020304" pitchFamily="18" charset="0"/>
+              </a:rPr>
+              <a:t>Overall confusion </a:t>
+            </a:r>
+            <a:r>
+              <a:rPr lang="en-US" altLang="zh-CN" sz="2800" dirty="0" smtClean="0">
+                <a:latin typeface="Times New Roman" panose="02020603050405020304" pitchFamily="18" charset="0"/>
+              </a:rPr>
+              <a:t>matrix</a:t>
+            </a:r>
+          </a:p>
+        </p:txBody>
+      </p:sp>
+      <p:sp>
+        <p:nvSpPr>
+          <p:cNvPr id="7" name="TextBox 6"/>
+          <p:cNvSpPr txBox="1"/>
+          <p:nvPr/>
+        </p:nvSpPr>
+        <p:spPr>
+          <a:xfrm>
+            <a:off x="2215869" y="5460024"/>
+            <a:ext cx="1821974" cy="369332"/>
+          </a:xfrm>
+          <a:prstGeom prst="rect">
+            <a:avLst/>
+          </a:prstGeom>
+          <a:noFill/>
+        </p:spPr>
+        <p:txBody>
+          <a:bodyPr wrap="none" rtlCol="0">
+            <a:spAutoFit/>
+          </a:bodyPr>
+          <a:lstStyle/>
+          <a:p>
+            <a:r>
+              <a:rPr lang="en-US" dirty="0" smtClean="0">
+                <a:latin typeface="Times New Roman" panose="02020603050405020304" pitchFamily="18" charset="0"/>
+                <a:cs typeface="Times New Roman" panose="02020603050405020304" pitchFamily="18" charset="0"/>
+              </a:rPr>
+              <a:t>Overall </a:t>
+            </a:r>
+            <a:r>
+              <a:rPr lang="en-US" dirty="0" err="1" smtClean="0">
+                <a:latin typeface="Times New Roman" panose="02020603050405020304" pitchFamily="18" charset="0"/>
+                <a:cs typeface="Times New Roman" panose="02020603050405020304" pitchFamily="18" charset="0"/>
+              </a:rPr>
+              <a:t>IoT</a:t>
+            </a:r>
+            <a:r>
+              <a:rPr lang="en-US" dirty="0" smtClean="0">
+                <a:latin typeface="Times New Roman" panose="02020603050405020304" pitchFamily="18" charset="0"/>
+                <a:cs typeface="Times New Roman" panose="02020603050405020304" pitchFamily="18" charset="0"/>
+              </a:rPr>
+              <a:t> RF-L</a:t>
+            </a:r>
+            <a:endParaRPr lang="en-US" dirty="0">
+              <a:latin typeface="Times New Roman" panose="02020603050405020304" pitchFamily="18" charset="0"/>
+              <a:cs typeface="Times New Roman" panose="02020603050405020304" pitchFamily="18" charset="0"/>
+            </a:endParaRPr>
+          </a:p>
+        </p:txBody>
+      </p:sp>
+      <p:sp>
+        <p:nvSpPr>
+          <p:cNvPr id="8" name="TextBox 7"/>
+          <p:cNvSpPr txBox="1"/>
+          <p:nvPr/>
+        </p:nvSpPr>
+        <p:spPr>
+          <a:xfrm>
+            <a:off x="8000459" y="5460024"/>
+            <a:ext cx="1834798" cy="369332"/>
+          </a:xfrm>
+          <a:prstGeom prst="rect">
+            <a:avLst/>
+          </a:prstGeom>
+          <a:noFill/>
+        </p:spPr>
+        <p:txBody>
+          <a:bodyPr wrap="none" rtlCol="0">
+            <a:spAutoFit/>
+          </a:bodyPr>
+          <a:lstStyle/>
+          <a:p>
+            <a:r>
+              <a:rPr lang="en-US" dirty="0" smtClean="0">
+                <a:latin typeface="Times New Roman" panose="02020603050405020304" pitchFamily="18" charset="0"/>
+                <a:cs typeface="Times New Roman" panose="02020603050405020304" pitchFamily="18" charset="0"/>
+              </a:rPr>
+              <a:t>Overall </a:t>
+            </a:r>
+            <a:r>
+              <a:rPr lang="en-US" dirty="0" err="1" smtClean="0">
+                <a:latin typeface="Times New Roman" panose="02020603050405020304" pitchFamily="18" charset="0"/>
+                <a:cs typeface="Times New Roman" panose="02020603050405020304" pitchFamily="18" charset="0"/>
+              </a:rPr>
+              <a:t>IoT</a:t>
+            </a:r>
+            <a:r>
+              <a:rPr lang="en-US" dirty="0" smtClean="0">
+                <a:latin typeface="Times New Roman" panose="02020603050405020304" pitchFamily="18" charset="0"/>
+                <a:cs typeface="Times New Roman" panose="02020603050405020304" pitchFamily="18" charset="0"/>
+              </a:rPr>
+              <a:t> RF-R</a:t>
+            </a:r>
+            <a:endParaRPr lang="en-US" dirty="0">
+              <a:latin typeface="Times New Roman" panose="02020603050405020304" pitchFamily="18" charset="0"/>
+              <a:cs typeface="Times New Roman" panose="02020603050405020304" pitchFamily="18" charset="0"/>
+            </a:endParaRPr>
+          </a:p>
+        </p:txBody>
+      </p:sp>
+      <p:pic>
+        <p:nvPicPr>
+          <p:cNvPr id="2" name="Picture 1"/>
+          <p:cNvPicPr>
+            <a:picLocks noChangeAspect="1"/>
+          </p:cNvPicPr>
+          <p:nvPr/>
+        </p:nvPicPr>
+        <p:blipFill>
+          <a:blip r:embed="rId2">
+            <a:extLst>
+              <a:ext uri="{28A0092B-C50C-407E-A947-70E740481C1C}">
+                <a14:useLocalDpi xmlns:a14="http://schemas.microsoft.com/office/drawing/2010/main" val="0"/>
+              </a:ext>
+            </a:extLst>
+          </a:blip>
+          <a:stretch>
+            <a:fillRect/>
+          </a:stretch>
+        </p:blipFill>
+        <p:spPr>
+          <a:xfrm>
+            <a:off x="6140494" y="1209081"/>
+            <a:ext cx="5554727" cy="3877200"/>
+          </a:xfrm>
+          <a:prstGeom prst="rect">
+            <a:avLst/>
+          </a:prstGeom>
+        </p:spPr>
+      </p:pic>
+      <p:pic>
+        <p:nvPicPr>
+          <p:cNvPr id="3" name="Picture 2"/>
+          <p:cNvPicPr>
+            <a:picLocks noChangeAspect="1"/>
+          </p:cNvPicPr>
+          <p:nvPr/>
+        </p:nvPicPr>
+        <p:blipFill>
+          <a:blip r:embed="rId3">
+            <a:extLst>
+              <a:ext uri="{28A0092B-C50C-407E-A947-70E740481C1C}">
+                <a14:useLocalDpi xmlns:a14="http://schemas.microsoft.com/office/drawing/2010/main" val="0"/>
+              </a:ext>
+            </a:extLst>
+          </a:blip>
+          <a:stretch>
+            <a:fillRect/>
+          </a:stretch>
+        </p:blipFill>
+        <p:spPr>
+          <a:xfrm>
+            <a:off x="349492" y="1209081"/>
+            <a:ext cx="5554727" cy="3877200"/>
+          </a:xfrm>
+          <a:prstGeom prst="rect">
+            <a:avLst/>
+          </a:prstGeom>
+        </p:spPr>
+      </p:pic>
+    </p:spTree>
+    <p:extLst>
+      <p:ext uri="{BB962C8B-B14F-4D97-AF65-F5344CB8AC3E}">
+        <p14:creationId xmlns:p14="http://schemas.microsoft.com/office/powerpoint/2010/main" val="605390153"/>
+      </p:ext>
+    </p:extLst>
+  </p:cSld>
+  <p:clrMapOvr>
+    <a:masterClrMapping/>
+  </p:clrMapOvr>
+  <p:timing>
+    <p:tnLst>
+      <p:par>
+        <p:cTn id="1" dur="indefinite" restart="never" nodeType="tmRoot"/>
+      </p:par>
+    </p:tnLst>
+  </p:timing>
+</p:sld>
+</file>
+
+<file path=ppt/slides/slide12.xml><?xml version="1.0" encoding="utf-8"?>
+<p:sld xmlns:a="http://schemas.openxmlformats.org/drawingml/2006/main" xmlns:r="http://schemas.openxmlformats.org/officeDocument/2006/relationships" xmlns:p="http://schemas.openxmlformats.org/presentationml/2006/main">
+  <p:cSld>
+    <p:spTree>
+      <p:nvGrpSpPr>
+        <p:cNvPr id="1" name=""/>
+        <p:cNvGrpSpPr/>
+        <p:nvPr/>
+      </p:nvGrpSpPr>
+      <p:grpSpPr>
+        <a:xfrm>
+          <a:off x="0" y="0"/>
+          <a:ext cx="0" cy="0"/>
+          <a:chOff x="0" y="0"/>
+          <a:chExt cx="0" cy="0"/>
+        </a:xfrm>
+      </p:grpSpPr>
+      <p:pic>
+        <p:nvPicPr>
+          <p:cNvPr id="5" name="Picture 4"/>
+          <p:cNvPicPr>
+            <a:picLocks noChangeAspect="1"/>
+          </p:cNvPicPr>
+          <p:nvPr/>
+        </p:nvPicPr>
+        <p:blipFill rotWithShape="1">
+          <a:blip r:embed="rId2"/>
+          <a:srcRect r="53984" b="1627"/>
+          <a:stretch/>
+        </p:blipFill>
+        <p:spPr>
+          <a:xfrm>
+            <a:off x="666383" y="2365497"/>
+            <a:ext cx="3791317" cy="2127006"/>
+          </a:xfrm>
+          <a:prstGeom prst="rect">
+            <a:avLst/>
+          </a:prstGeom>
+        </p:spPr>
+      </p:pic>
+      <p:sp>
+        <p:nvSpPr>
+          <p:cNvPr id="6" name="文本框 4"/>
+          <p:cNvSpPr txBox="1"/>
+          <p:nvPr/>
+        </p:nvSpPr>
+        <p:spPr>
+          <a:xfrm>
+            <a:off x="244545" y="202135"/>
+            <a:ext cx="2962671" cy="523220"/>
+          </a:xfrm>
+          <a:prstGeom prst="rect">
+            <a:avLst/>
+          </a:prstGeom>
+          <a:noFill/>
+        </p:spPr>
+        <p:txBody>
+          <a:bodyPr wrap="none" rtlCol="0">
+            <a:spAutoFit/>
+          </a:bodyPr>
+          <a:lstStyle/>
+          <a:p>
+            <a:r>
+              <a:rPr lang="en-US" altLang="zh-CN" sz="2800" dirty="0" smtClean="0">
+                <a:latin typeface="Times New Roman" panose="02020603050405020304" pitchFamily="18" charset="0"/>
+              </a:rPr>
+              <a:t>Feature importance</a:t>
+            </a:r>
+            <a:endParaRPr lang="en-US" altLang="zh-CN" sz="2800" dirty="0" smtClean="0">
+              <a:latin typeface="Times New Roman" panose="02020603050405020304" pitchFamily="18" charset="0"/>
+            </a:endParaRPr>
+          </a:p>
+        </p:txBody>
+      </p:sp>
+      <p:graphicFrame>
+        <p:nvGraphicFramePr>
+          <p:cNvPr id="14" name="Chart 13"/>
+          <p:cNvGraphicFramePr>
+            <a:graphicFrameLocks/>
+          </p:cNvGraphicFramePr>
+          <p:nvPr>
+            <p:extLst>
+              <p:ext uri="{D42A27DB-BD31-4B8C-83A1-F6EECF244321}">
+                <p14:modId xmlns:p14="http://schemas.microsoft.com/office/powerpoint/2010/main" val="1772523281"/>
+              </p:ext>
+            </p:extLst>
+          </p:nvPr>
+        </p:nvGraphicFramePr>
+        <p:xfrm>
+          <a:off x="4917831" y="725355"/>
+          <a:ext cx="6450623" cy="2743200"/>
+        </p:xfrm>
+        <a:graphic>
+          <a:graphicData uri="http://schemas.openxmlformats.org/drawingml/2006/chart">
+            <c:chart xmlns:c="http://schemas.openxmlformats.org/drawingml/2006/chart" xmlns:r="http://schemas.openxmlformats.org/officeDocument/2006/relationships" r:id="rId3"/>
+          </a:graphicData>
+        </a:graphic>
+      </p:graphicFrame>
+      <p:graphicFrame>
+        <p:nvGraphicFramePr>
+          <p:cNvPr id="15" name="Chart 14"/>
+          <p:cNvGraphicFramePr>
+            <a:graphicFrameLocks/>
+          </p:cNvGraphicFramePr>
+          <p:nvPr>
+            <p:extLst>
+              <p:ext uri="{D42A27DB-BD31-4B8C-83A1-F6EECF244321}">
+                <p14:modId xmlns:p14="http://schemas.microsoft.com/office/powerpoint/2010/main" val="4139327607"/>
+              </p:ext>
+            </p:extLst>
+          </p:nvPr>
+        </p:nvGraphicFramePr>
+        <p:xfrm>
+          <a:off x="4917830" y="3894993"/>
+          <a:ext cx="6450623" cy="2743200"/>
+        </p:xfrm>
+        <a:graphic>
+          <a:graphicData uri="http://schemas.openxmlformats.org/drawingml/2006/chart">
+            <c:chart xmlns:c="http://schemas.openxmlformats.org/drawingml/2006/chart" xmlns:r="http://schemas.openxmlformats.org/officeDocument/2006/relationships" r:id="rId4"/>
+          </a:graphicData>
+        </a:graphic>
+      </p:graphicFrame>
+      <p:sp>
+        <p:nvSpPr>
+          <p:cNvPr id="16" name="TextBox 15"/>
+          <p:cNvSpPr txBox="1"/>
+          <p:nvPr/>
+        </p:nvSpPr>
+        <p:spPr>
+          <a:xfrm>
+            <a:off x="1267456" y="4651131"/>
+            <a:ext cx="2589170" cy="369332"/>
+          </a:xfrm>
+          <a:prstGeom prst="rect">
+            <a:avLst/>
+          </a:prstGeom>
+          <a:noFill/>
+        </p:spPr>
+        <p:txBody>
+          <a:bodyPr wrap="none" rtlCol="0">
+            <a:spAutoFit/>
+          </a:bodyPr>
+          <a:lstStyle/>
+          <a:p>
+            <a:r>
+              <a:rPr lang="en-US" dirty="0" err="1" smtClean="0">
+                <a:latin typeface="Times New Roman" panose="02020603050405020304" pitchFamily="18" charset="0"/>
+                <a:cs typeface="Times New Roman" panose="02020603050405020304" pitchFamily="18" charset="0"/>
+              </a:rPr>
+              <a:t>Noraxon</a:t>
+            </a:r>
+            <a:r>
+              <a:rPr lang="en-US" dirty="0" smtClean="0">
+                <a:latin typeface="Times New Roman" panose="02020603050405020304" pitchFamily="18" charset="0"/>
+                <a:cs typeface="Times New Roman" panose="02020603050405020304" pitchFamily="18" charset="0"/>
+              </a:rPr>
+              <a:t> RF top5 features</a:t>
+            </a:r>
+            <a:endParaRPr lang="en-US" dirty="0">
+              <a:latin typeface="Times New Roman" panose="02020603050405020304" pitchFamily="18" charset="0"/>
+              <a:cs typeface="Times New Roman" panose="02020603050405020304" pitchFamily="18" charset="0"/>
+            </a:endParaRPr>
+          </a:p>
+        </p:txBody>
+      </p:sp>
+    </p:spTree>
+    <p:extLst>
+      <p:ext uri="{BB962C8B-B14F-4D97-AF65-F5344CB8AC3E}">
+        <p14:creationId xmlns:p14="http://schemas.microsoft.com/office/powerpoint/2010/main" val="3561063914"/>
+      </p:ext>
+    </p:extLst>
+  </p:cSld>
+  <p:clrMapOvr>
+    <a:masterClrMapping/>
+  </p:clrMapOvr>
+  <p:timing>
+    <p:tnLst>
+      <p:par>
+        <p:cTn id="1" dur="indefinite" restart="never" nodeType="tmRoot"/>
+      </p:par>
+    </p:tnLst>
+  </p:timing>
+</p:sld>
+</file>
+
+<file path=ppt/slides/slide13.xml><?xml version="1.0" encoding="utf-8"?>
+<p:sld xmlns:a="http://schemas.openxmlformats.org/drawingml/2006/main" xmlns:r="http://schemas.openxmlformats.org/officeDocument/2006/relationships" xmlns:p="http://schemas.openxmlformats.org/presentationml/2006/main">
+  <p:cSld>
+    <p:spTree>
+      <p:nvGrpSpPr>
+        <p:cNvPr id="1" name=""/>
+        <p:cNvGrpSpPr/>
+        <p:nvPr/>
+      </p:nvGrpSpPr>
+      <p:grpSpPr>
+        <a:xfrm>
+          <a:off x="0" y="0"/>
+          <a:ext cx="0" cy="0"/>
+          <a:chOff x="0" y="0"/>
+          <a:chExt cx="0" cy="0"/>
+        </a:xfrm>
+      </p:grpSpPr>
+      <p:sp>
+        <p:nvSpPr>
+          <p:cNvPr id="6" name="文本框 4"/>
+          <p:cNvSpPr txBox="1"/>
+          <p:nvPr/>
+        </p:nvSpPr>
+        <p:spPr>
+          <a:xfrm>
+            <a:off x="244545" y="202135"/>
+            <a:ext cx="2962671" cy="523220"/>
+          </a:xfrm>
+          <a:prstGeom prst="rect">
+            <a:avLst/>
+          </a:prstGeom>
+          <a:noFill/>
+        </p:spPr>
+        <p:txBody>
+          <a:bodyPr wrap="none" rtlCol="0">
+            <a:spAutoFit/>
+          </a:bodyPr>
+          <a:lstStyle/>
+          <a:p>
+            <a:r>
+              <a:rPr lang="en-US" altLang="zh-CN" sz="2800" dirty="0">
+                <a:latin typeface="Times New Roman" panose="02020603050405020304" pitchFamily="18" charset="0"/>
+              </a:rPr>
+              <a:t>Feature importance</a:t>
+            </a:r>
+            <a:endParaRPr lang="en-US" altLang="zh-CN" sz="2800" dirty="0" smtClean="0">
+              <a:latin typeface="Times New Roman" panose="02020603050405020304" pitchFamily="18" charset="0"/>
+            </a:endParaRPr>
+          </a:p>
+        </p:txBody>
+      </p:sp>
+      <p:sp>
+        <p:nvSpPr>
+          <p:cNvPr id="16" name="TextBox 15"/>
+          <p:cNvSpPr txBox="1"/>
+          <p:nvPr/>
+        </p:nvSpPr>
+        <p:spPr>
+          <a:xfrm>
+            <a:off x="1267456" y="4651131"/>
+            <a:ext cx="2110514" cy="369332"/>
+          </a:xfrm>
+          <a:prstGeom prst="rect">
+            <a:avLst/>
+          </a:prstGeom>
+          <a:noFill/>
+        </p:spPr>
+        <p:txBody>
+          <a:bodyPr wrap="none" rtlCol="0">
+            <a:spAutoFit/>
+          </a:bodyPr>
+          <a:lstStyle/>
+          <a:p>
+            <a:r>
+              <a:rPr lang="en-US" dirty="0" err="1" smtClean="0">
+                <a:latin typeface="Times New Roman" panose="02020603050405020304" pitchFamily="18" charset="0"/>
+                <a:cs typeface="Times New Roman" panose="02020603050405020304" pitchFamily="18" charset="0"/>
+              </a:rPr>
+              <a:t>IoT</a:t>
+            </a:r>
+            <a:r>
+              <a:rPr lang="en-US" dirty="0" smtClean="0">
+                <a:latin typeface="Times New Roman" panose="02020603050405020304" pitchFamily="18" charset="0"/>
+                <a:cs typeface="Times New Roman" panose="02020603050405020304" pitchFamily="18" charset="0"/>
+              </a:rPr>
+              <a:t> RF top5 features</a:t>
+            </a:r>
+            <a:endParaRPr lang="en-US" dirty="0">
+              <a:latin typeface="Times New Roman" panose="02020603050405020304" pitchFamily="18" charset="0"/>
+              <a:cs typeface="Times New Roman" panose="02020603050405020304" pitchFamily="18" charset="0"/>
+            </a:endParaRPr>
+          </a:p>
+        </p:txBody>
+      </p:sp>
+      <p:pic>
+        <p:nvPicPr>
+          <p:cNvPr id="7" name="Picture 6"/>
+          <p:cNvPicPr>
+            <a:picLocks noChangeAspect="1"/>
+          </p:cNvPicPr>
+          <p:nvPr/>
+        </p:nvPicPr>
+        <p:blipFill rotWithShape="1">
+          <a:blip r:embed="rId3"/>
+          <a:srcRect l="54304" b="1466"/>
+          <a:stretch/>
+        </p:blipFill>
+        <p:spPr>
+          <a:xfrm>
+            <a:off x="679571" y="2363761"/>
+            <a:ext cx="3764939" cy="2130477"/>
+          </a:xfrm>
+          <a:prstGeom prst="rect">
+            <a:avLst/>
+          </a:prstGeom>
+        </p:spPr>
+      </p:pic>
+      <p:graphicFrame>
+        <p:nvGraphicFramePr>
+          <p:cNvPr id="8" name="Chart 7"/>
+          <p:cNvGraphicFramePr>
+            <a:graphicFrameLocks/>
+          </p:cNvGraphicFramePr>
+          <p:nvPr>
+            <p:extLst>
+              <p:ext uri="{D42A27DB-BD31-4B8C-83A1-F6EECF244321}">
+                <p14:modId xmlns:p14="http://schemas.microsoft.com/office/powerpoint/2010/main" val="2170093229"/>
+              </p:ext>
+            </p:extLst>
+          </p:nvPr>
+        </p:nvGraphicFramePr>
+        <p:xfrm>
+          <a:off x="4917829" y="725355"/>
+          <a:ext cx="6450623" cy="2743200"/>
+        </p:xfrm>
+        <a:graphic>
+          <a:graphicData uri="http://schemas.openxmlformats.org/drawingml/2006/chart">
+            <c:chart xmlns:c="http://schemas.openxmlformats.org/drawingml/2006/chart" xmlns:r="http://schemas.openxmlformats.org/officeDocument/2006/relationships" r:id="rId4"/>
+          </a:graphicData>
+        </a:graphic>
+      </p:graphicFrame>
+      <p:graphicFrame>
+        <p:nvGraphicFramePr>
+          <p:cNvPr id="9" name="Chart 8"/>
+          <p:cNvGraphicFramePr>
+            <a:graphicFrameLocks/>
+          </p:cNvGraphicFramePr>
+          <p:nvPr>
+            <p:extLst>
+              <p:ext uri="{D42A27DB-BD31-4B8C-83A1-F6EECF244321}">
+                <p14:modId xmlns:p14="http://schemas.microsoft.com/office/powerpoint/2010/main" val="3466546409"/>
+              </p:ext>
+            </p:extLst>
+          </p:nvPr>
+        </p:nvGraphicFramePr>
+        <p:xfrm>
+          <a:off x="4917828" y="3648863"/>
+          <a:ext cx="6450623" cy="2743200"/>
+        </p:xfrm>
+        <a:graphic>
+          <a:graphicData uri="http://schemas.openxmlformats.org/drawingml/2006/chart">
+            <c:chart xmlns:c="http://schemas.openxmlformats.org/drawingml/2006/chart" xmlns:r="http://schemas.openxmlformats.org/officeDocument/2006/relationships" r:id="rId5"/>
+          </a:graphicData>
+        </a:graphic>
+      </p:graphicFrame>
+    </p:spTree>
+    <p:extLst>
+      <p:ext uri="{BB962C8B-B14F-4D97-AF65-F5344CB8AC3E}">
+        <p14:creationId xmlns:p14="http://schemas.microsoft.com/office/powerpoint/2010/main" val="3749803402"/>
+      </p:ext>
+    </p:extLst>
+  </p:cSld>
+  <p:clrMapOvr>
+    <a:masterClrMapping/>
+  </p:clrMapOvr>
+  <p:timing>
+    <p:tnLst>
+      <p:par>
+        <p:cTn id="1" dur="indefinite" restart="never" nodeType="tmRoot"/>
+      </p:par>
+    </p:tnLst>
+  </p:timing>
+</p:sld>
+</file>
+
+<file path=ppt/slides/slide14.xml><?xml version="1.0" encoding="utf-8"?>
+<p:sld xmlns:a="http://schemas.openxmlformats.org/drawingml/2006/main" xmlns:r="http://schemas.openxmlformats.org/officeDocument/2006/relationships" xmlns:p="http://schemas.openxmlformats.org/presentationml/2006/main">
+  <p:cSld>
+    <p:spTree>
+      <p:nvGrpSpPr>
+        <p:cNvPr id="1" name=""/>
+        <p:cNvGrpSpPr/>
+        <p:nvPr/>
+      </p:nvGrpSpPr>
+      <p:grpSpPr>
+        <a:xfrm>
+          <a:off x="0" y="0"/>
+          <a:ext cx="0" cy="0"/>
+          <a:chOff x="0" y="0"/>
+          <a:chExt cx="0" cy="0"/>
+        </a:xfrm>
+      </p:grpSpPr>
       <p:pic>
         <p:nvPicPr>
           <p:cNvPr id="5" name="图片 4"/>
@@ -3596,17 +8642,8 @@
               <a:rPr lang="en-US" altLang="zh-CN" sz="2800" dirty="0" smtClean="0">
                 <a:latin typeface="Times New Roman" panose="02020603050405020304" pitchFamily="18" charset="0"/>
               </a:rPr>
-              <a:t> </a:t>
-            </a:r>
-            <a:r>
-              <a:rPr lang="en-US" altLang="zh-CN" sz="2800" dirty="0" smtClean="0">
-                <a:latin typeface="Times New Roman" panose="02020603050405020304" pitchFamily="18" charset="0"/>
-              </a:rPr>
-              <a:t>Variables correlation coefficient</a:t>
-            </a:r>
-            <a:endParaRPr lang="en-US" altLang="zh-CN" sz="2800" dirty="0" smtClean="0">
-              <a:latin typeface="Times New Roman" panose="02020603050405020304" pitchFamily="18" charset="0"/>
-            </a:endParaRPr>
+              <a:t> Variables correlation coefficient</a:t>
+            </a:r>
           </a:p>
         </p:txBody>
       </p:sp>
@@ -3630,7 +8667,7 @@
 </p:sld>
 </file>
 
-<file path=ppt/slides/slide11.xml><?xml version="1.0" encoding="utf-8"?>
+<file path=ppt/slides/slide15.xml><?xml version="1.0" encoding="utf-8"?>
 <p:sld xmlns:a="http://schemas.openxmlformats.org/drawingml/2006/main" xmlns:r="http://schemas.openxmlformats.org/officeDocument/2006/relationships" xmlns:p="http://schemas.openxmlformats.org/presentationml/2006/main">
   <p:cSld>
     <p:spTree>
@@ -3709,13 +8746,7 @@
               <a:rPr lang="en-US" altLang="zh-CN" sz="2800" dirty="0" smtClean="0">
                 <a:latin typeface="Times New Roman" panose="02020603050405020304" pitchFamily="18" charset="0"/>
               </a:rPr>
-              <a:t> </a:t>
-            </a:r>
-            <a:r>
-              <a:rPr lang="en-US" altLang="zh-CN" sz="2800" dirty="0" smtClean="0">
-                <a:latin typeface="Times New Roman" panose="02020603050405020304" pitchFamily="18" charset="0"/>
-              </a:rPr>
-              <a:t>Variables correlation coefficient (axis consistent with </a:t>
+              <a:t> Variables correlation coefficient (axis consistent with </a:t>
             </a:r>
             <a:r>
               <a:rPr lang="en-US" altLang="zh-CN" sz="2800" dirty="0" err="1" smtClean="0">
@@ -3729,9 +8760,6 @@
               </a:rPr>
               <a:t> axis)</a:t>
             </a:r>
-            <a:endParaRPr lang="en-US" altLang="zh-CN" sz="2800" dirty="0" smtClean="0">
-              <a:latin typeface="Times New Roman" panose="02020603050405020304" pitchFamily="18" charset="0"/>
-            </a:endParaRPr>
           </a:p>
         </p:txBody>
       </p:sp>
@@ -4246,30 +9274,15 @@
               <a:rPr lang="en-US" altLang="zh-CN" dirty="0" smtClean="0">
                 <a:latin typeface="Times New Roman" panose="02020603050405020304" pitchFamily="18" charset="0"/>
               </a:rPr>
-              <a:t>R2 = 1 indicates that the fitted model explains all variability in </a:t>
-            </a:r>
+              <a:t>R2 = 1 indicates that the fitted model explains all variability in response variable.</a:t>
+            </a:r>
+          </a:p>
+          <a:p>
             <a:r>
               <a:rPr lang="en-US" altLang="zh-CN" dirty="0" smtClean="0">
                 <a:latin typeface="Times New Roman" panose="02020603050405020304" pitchFamily="18" charset="0"/>
               </a:rPr>
-              <a:t>response variable.</a:t>
-            </a:r>
-            <a:endParaRPr lang="en-US" altLang="zh-CN" dirty="0" smtClean="0">
-              <a:latin typeface="Times New Roman" panose="02020603050405020304" pitchFamily="18" charset="0"/>
-            </a:endParaRPr>
-          </a:p>
-          <a:p>
-            <a:r>
-              <a:rPr lang="en-US" altLang="zh-CN" dirty="0" smtClean="0">
-                <a:latin typeface="Times New Roman" panose="02020603050405020304" pitchFamily="18" charset="0"/>
-              </a:rPr>
-              <a:t>R2 = 0 indicates no linear relationship  between the response variable and predicted values</a:t>
-            </a:r>
-            <a:r>
-              <a:rPr lang="en-US" altLang="zh-CN" dirty="0" smtClean="0">
-                <a:latin typeface="Times New Roman" panose="02020603050405020304" pitchFamily="18" charset="0"/>
-              </a:rPr>
-              <a:t>.</a:t>
+              <a:t>R2 = 0 indicates no linear relationship  between the response variable and predicted values.</a:t>
             </a:r>
             <a:endParaRPr lang="zh-CN" altLang="en-US" dirty="0">
               <a:latin typeface="Times New Roman" panose="02020603050405020304" pitchFamily="18" charset="0"/>
@@ -4372,9 +9385,6 @@
               </a:rPr>
               <a:t>Confusion matrix</a:t>
             </a:r>
-            <a:endParaRPr lang="en-US" altLang="zh-CN" sz="2800" dirty="0" smtClean="0">
-              <a:latin typeface="Times New Roman" panose="02020603050405020304" pitchFamily="18" charset="0"/>
-            </a:endParaRPr>
           </a:p>
         </p:txBody>
       </p:sp>
@@ -4551,9 +9561,6 @@
               </a:rPr>
               <a:t>IoT-subject7-left foot</a:t>
             </a:r>
-            <a:endParaRPr lang="en-US" altLang="zh-CN" sz="2800" dirty="0" smtClean="0">
-              <a:latin typeface="Times New Roman" panose="02020603050405020304" pitchFamily="18" charset="0"/>
-            </a:endParaRPr>
           </a:p>
         </p:txBody>
       </p:sp>
@@ -4681,9 +9688,6 @@
               </a:rPr>
               <a:t>IoT-subject23-left foot</a:t>
             </a:r>
-            <a:endParaRPr lang="en-US" altLang="zh-CN" sz="2800" dirty="0" smtClean="0">
-              <a:latin typeface="Times New Roman" panose="02020603050405020304" pitchFamily="18" charset="0"/>
-            </a:endParaRPr>
           </a:p>
         </p:txBody>
       </p:sp>
@@ -4752,9 +9756,6 @@
               </a:rPr>
               <a:t>Noraxon-subject11-right foot</a:t>
             </a:r>
-            <a:endParaRPr lang="en-US" altLang="zh-CN" sz="2800" dirty="0" smtClean="0">
-              <a:latin typeface="Times New Roman" panose="02020603050405020304" pitchFamily="18" charset="0"/>
-            </a:endParaRPr>
           </a:p>
         </p:txBody>
       </p:sp>
@@ -4871,7 +9872,7 @@
         </p:blipFill>
         <p:spPr>
           <a:xfrm>
-            <a:off x="528275" y="2052589"/>
+            <a:off x="362836" y="2035005"/>
             <a:ext cx="11466327" cy="2067024"/>
           </a:xfrm>
           <a:prstGeom prst="rect">
@@ -4881,14 +9882,14 @@
       </p:pic>
       <p:sp>
         <p:nvSpPr>
-          <p:cNvPr id="5" name="文本框 4"/>
+          <p:cNvPr id="6" name="文本框 4"/>
           <p:cNvSpPr txBox="1"/>
           <p:nvPr/>
         </p:nvSpPr>
         <p:spPr>
           <a:xfrm>
             <a:off x="244545" y="202135"/>
-            <a:ext cx="2706190" cy="523220"/>
+            <a:ext cx="3791423" cy="523220"/>
           </a:xfrm>
           <a:prstGeom prst="rect">
             <a:avLst/>
@@ -4905,11 +9906,48 @@
               <a:rPr lang="en-US" altLang="zh-CN" sz="2800" dirty="0" smtClean="0">
                 <a:latin typeface="Times New Roman" panose="02020603050405020304" pitchFamily="18" charset="0"/>
               </a:rPr>
-              <a:t>Confusion matrix</a:t>
-            </a:r>
-            <a:endParaRPr lang="en-US" altLang="zh-CN" sz="2800" dirty="0" smtClean="0">
-              <a:latin typeface="Times New Roman" panose="02020603050405020304" pitchFamily="18" charset="0"/>
-            </a:endParaRPr>
+              <a:t>Overall confusion matrix</a:t>
+            </a:r>
+          </a:p>
+        </p:txBody>
+      </p:sp>
+      <p:sp>
+        <p:nvSpPr>
+          <p:cNvPr id="2" name="Rectangle 1"/>
+          <p:cNvSpPr/>
+          <p:nvPr/>
+        </p:nvSpPr>
+        <p:spPr>
+          <a:xfrm>
+            <a:off x="362836" y="1591380"/>
+            <a:ext cx="2864887" cy="369332"/>
+          </a:xfrm>
+          <a:prstGeom prst="rect">
+            <a:avLst/>
+          </a:prstGeom>
+        </p:spPr>
+        <p:txBody>
+          <a:bodyPr wrap="none">
+            <a:spAutoFit/>
+          </a:bodyPr>
+          <a:lstStyle/>
+          <a:p>
+            <a:pPr marL="285750" indent="-285750">
+              <a:buFont typeface="Arial" panose="020B0604020202020204" pitchFamily="34" charset="0"/>
+              <a:buChar char="•"/>
+            </a:pPr>
+            <a:r>
+              <a:rPr lang="en-US" altLang="zh-CN" dirty="0" smtClean="0">
+                <a:latin typeface="Times New Roman" panose="02020603050405020304" pitchFamily="18" charset="0"/>
+              </a:rPr>
+              <a:t>Mean </a:t>
+            </a:r>
+            <a:r>
+              <a:rPr lang="en-US" altLang="zh-CN" dirty="0">
+                <a:latin typeface="Times New Roman" panose="02020603050405020304" pitchFamily="18" charset="0"/>
+              </a:rPr>
+              <a:t>of some parameters</a:t>
+            </a:r>
           </a:p>
         </p:txBody>
       </p:sp>

--- a/analysis/project.pptx
+++ b/analysis/project.pptx
@@ -5,7 +5,7 @@
     <p:sldMasterId id="2147483648" r:id="rId1"/>
   </p:sldMasterIdLst>
   <p:notesMasterIdLst>
-    <p:notesMasterId r:id="rId17"/>
+    <p:notesMasterId r:id="rId19"/>
   </p:notesMasterIdLst>
   <p:sldIdLst>
     <p:sldId id="256" r:id="rId2"/>
@@ -23,6 +23,8 @@
     <p:sldId id="273" r:id="rId14"/>
     <p:sldId id="267" r:id="rId15"/>
     <p:sldId id="268" r:id="rId16"/>
+    <p:sldId id="274" r:id="rId17"/>
+    <p:sldId id="275" r:id="rId18"/>
   </p:sldIdLst>
   <p:sldSz cx="12192000" cy="6858000"/>
   <p:notesSz cx="6858000" cy="9144000"/>
@@ -175,15 +177,11 @@
             </a:pPr>
             <a:r>
               <a:rPr lang="en-US" dirty="0" err="1" smtClean="0"/>
-              <a:t>N</a:t>
-            </a:r>
-            <a:r>
-              <a:rPr lang="en-US" altLang="zh-CN" dirty="0" err="1" smtClean="0"/>
-              <a:t>oraxon</a:t>
-            </a:r>
-            <a:r>
-              <a:rPr lang="en-US" altLang="zh-CN" dirty="0" smtClean="0"/>
-              <a:t> RF-R</a:t>
+              <a:t>Noraxon</a:t>
+            </a:r>
+            <a:r>
+              <a:rPr lang="en-US" baseline="0" dirty="0" smtClean="0"/>
+              <a:t> RF-L</a:t>
             </a:r>
             <a:endParaRPr lang="en-US" dirty="0"/>
           </a:p>
@@ -245,109 +243,109 @@
               <c:strCache>
                 <c:ptCount val="35"/>
                 <c:pt idx="0">
-                  <c:v>LLACx</c:v>
+                  <c:v>RMACx</c:v>
                 </c:pt>
                 <c:pt idx="1">
+                  <c:v> RLACz</c:v>
+                </c:pt>
+                <c:pt idx="2">
+                  <c:v> RLGYy</c:v>
+                </c:pt>
+                <c:pt idx="3">
+                  <c:v> LMGYz</c:v>
+                </c:pt>
+                <c:pt idx="4">
                   <c:v> LLGYz</c:v>
                 </c:pt>
-                <c:pt idx="2">
+                <c:pt idx="5">
+                  <c:v> height</c:v>
+                </c:pt>
+                <c:pt idx="6">
                   <c:v> RankleWid</c:v>
                 </c:pt>
-                <c:pt idx="3">
+                <c:pt idx="7">
+                  <c:v> Rleglen</c:v>
+                </c:pt>
+                <c:pt idx="8">
+                  <c:v> RMGYy</c:v>
+                </c:pt>
+                <c:pt idx="9">
+                  <c:v> RMGYz</c:v>
+                </c:pt>
+                <c:pt idx="10">
+                  <c:v> LkneeWid</c:v>
+                </c:pt>
+                <c:pt idx="11">
+                  <c:v> mass</c:v>
+                </c:pt>
+                <c:pt idx="12">
+                  <c:v> LLACx</c:v>
+                </c:pt>
+                <c:pt idx="13">
+                  <c:v> RMACy</c:v>
+                </c:pt>
+                <c:pt idx="14">
+                  <c:v> RMACz</c:v>
+                </c:pt>
+                <c:pt idx="15">
                   <c:v> LMACy</c:v>
                 </c:pt>
-                <c:pt idx="4">
+                <c:pt idx="16">
                   <c:v> RLGYz</c:v>
                 </c:pt>
-                <c:pt idx="5">
-                  <c:v> LkneeWid</c:v>
-                </c:pt>
-                <c:pt idx="6">
-                  <c:v> LLACz</c:v>
-                </c:pt>
-                <c:pt idx="7">
-                  <c:v> RMGYz</c:v>
-                </c:pt>
-                <c:pt idx="8">
-                  <c:v> LLACy</c:v>
-                </c:pt>
-                <c:pt idx="9">
-                  <c:v> RMACx</c:v>
-                </c:pt>
-                <c:pt idx="10">
-                  <c:v> LMACx</c:v>
-                </c:pt>
-                <c:pt idx="11">
-                  <c:v> LMGYz</c:v>
-                </c:pt>
-                <c:pt idx="12">
-                  <c:v> RMACy</c:v>
-                </c:pt>
-                <c:pt idx="13">
-                  <c:v> Rleglen</c:v>
-                </c:pt>
-                <c:pt idx="14">
+                <c:pt idx="17">
+                  <c:v> LLGYy</c:v>
+                </c:pt>
+                <c:pt idx="18">
                   <c:v> RLACy</c:v>
                 </c:pt>
-                <c:pt idx="15">
-                  <c:v> LLGYx</c:v>
-                </c:pt>
-                <c:pt idx="16">
-                  <c:v> LLGYy</c:v>
-                </c:pt>
-                <c:pt idx="17">
-                  <c:v> RLACx</c:v>
-                </c:pt>
-                <c:pt idx="18">
-                  <c:v> RLGYy</c:v>
-                </c:pt>
                 <c:pt idx="19">
-                  <c:v> RLACz</c:v>
+                  <c:v> RMGYx</c:v>
                 </c:pt>
                 <c:pt idx="20">
-                  <c:v> LMGYy</c:v>
+                  <c:v> RkneeWid</c:v>
                 </c:pt>
                 <c:pt idx="21">
                   <c:v> RLGYx</c:v>
                 </c:pt>
                 <c:pt idx="22">
-                  <c:v> RkneeWid</c:v>
+                  <c:v> LMACx</c:v>
                 </c:pt>
                 <c:pt idx="23">
+                  <c:v> Lleglen</c:v>
+                </c:pt>
+                <c:pt idx="24">
+                  <c:v> LLGYx</c:v>
+                </c:pt>
+                <c:pt idx="25">
+                  <c:v> LLACy</c:v>
+                </c:pt>
+                <c:pt idx="26">
+                  <c:v> LMGYy</c:v>
+                </c:pt>
+                <c:pt idx="27">
+                  <c:v> RLACx</c:v>
+                </c:pt>
+                <c:pt idx="28">
+                  <c:v> LLACz</c:v>
+                </c:pt>
+                <c:pt idx="29">
+                  <c:v> LMACz</c:v>
+                </c:pt>
+                <c:pt idx="30">
+                  <c:v> age</c:v>
+                </c:pt>
+                <c:pt idx="31">
+                  <c:v> LMGYx</c:v>
+                </c:pt>
+                <c:pt idx="32">
                   <c:v> LankleWid</c:v>
                 </c:pt>
-                <c:pt idx="24">
-                  <c:v> RMGYy</c:v>
-                </c:pt>
-                <c:pt idx="25">
-                  <c:v> LMACz</c:v>
-                </c:pt>
-                <c:pt idx="26">
-                  <c:v> LMGYx</c:v>
-                </c:pt>
-                <c:pt idx="27">
-                  <c:v> RMGYx</c:v>
-                </c:pt>
-                <c:pt idx="28">
-                  <c:v> RMACz</c:v>
-                </c:pt>
-                <c:pt idx="29">
-                  <c:v> age</c:v>
-                </c:pt>
-                <c:pt idx="30">
-                  <c:v> mass</c:v>
-                </c:pt>
-                <c:pt idx="31">
-                  <c:v> height</c:v>
-                </c:pt>
-                <c:pt idx="32">
-                  <c:v> Lleglen</c:v>
-                </c:pt>
                 <c:pt idx="33">
+                  <c:v> gender_F</c:v>
+                </c:pt>
+                <c:pt idx="34">
                   <c:v> gender_M</c:v>
-                </c:pt>
-                <c:pt idx="34">
-                  <c:v> gender_F</c:v>
                 </c:pt>
               </c:strCache>
             </c:strRef>
@@ -359,116 +357,116 @@
                 <c:formatCode>General</c:formatCode>
                 <c:ptCount val="35"/>
                 <c:pt idx="0">
-                  <c:v>0.25939072054060802</c:v>
+                  <c:v>0.25554796527097401</c:v>
                 </c:pt>
                 <c:pt idx="1">
-                  <c:v>0.130622840267926</c:v>
+                  <c:v>8.2405772025782295E-2</c:v>
                 </c:pt>
                 <c:pt idx="2">
-                  <c:v>0.107055319938611</c:v>
+                  <c:v>6.5550015265496198E-2</c:v>
                 </c:pt>
                 <c:pt idx="3">
-                  <c:v>4.5657781754163997E-2</c:v>
+                  <c:v>5.0860476788209E-2</c:v>
                 </c:pt>
                 <c:pt idx="4">
-                  <c:v>4.0679502412865901E-2</c:v>
+                  <c:v>4.4063083066198099E-2</c:v>
                 </c:pt>
                 <c:pt idx="5">
-                  <c:v>3.5811990542492303E-2</c:v>
+                  <c:v>3.62520362108502E-2</c:v>
                 </c:pt>
                 <c:pt idx="6">
-                  <c:v>3.0048173504884802E-2</c:v>
+                  <c:v>3.5756767654865899E-2</c:v>
                 </c:pt>
                 <c:pt idx="7">
-                  <c:v>3.0034020051686199E-2</c:v>
+                  <c:v>3.3764641649320401E-2</c:v>
                 </c:pt>
                 <c:pt idx="8">
-                  <c:v>2.6862380884943901E-2</c:v>
+                  <c:v>3.3176858287543999E-2</c:v>
                 </c:pt>
                 <c:pt idx="9">
-                  <c:v>2.5738809685280299E-2</c:v>
+                  <c:v>2.7344953106372302E-2</c:v>
                 </c:pt>
                 <c:pt idx="10">
-                  <c:v>2.3383702253420999E-2</c:v>
+                  <c:v>2.6317366384022899E-2</c:v>
                 </c:pt>
                 <c:pt idx="11">
-                  <c:v>2.2933907970845699E-2</c:v>
+                  <c:v>2.58350331263522E-2</c:v>
                 </c:pt>
                 <c:pt idx="12">
-                  <c:v>2.2298460962854299E-2</c:v>
+                  <c:v>1.9961798085714199E-2</c:v>
                 </c:pt>
                 <c:pt idx="13">
-                  <c:v>2.0995593463716301E-2</c:v>
+                  <c:v>1.93241014977703E-2</c:v>
                 </c:pt>
                 <c:pt idx="14">
-                  <c:v>1.6216696140536099E-2</c:v>
+                  <c:v>1.8666603698988E-2</c:v>
                 </c:pt>
                 <c:pt idx="15">
-                  <c:v>1.40277862664074E-2</c:v>
+                  <c:v>1.7366026247429001E-2</c:v>
                 </c:pt>
                 <c:pt idx="16">
-                  <c:v>1.3886242625483099E-2</c:v>
+                  <c:v>1.73273187578298E-2</c:v>
                 </c:pt>
                 <c:pt idx="17">
-                  <c:v>1.34009988745985E-2</c:v>
+                  <c:v>1.72299595448836E-2</c:v>
                 </c:pt>
                 <c:pt idx="18">
-                  <c:v>1.2803188535949601E-2</c:v>
+                  <c:v>1.6625835978022599E-2</c:v>
                 </c:pt>
                 <c:pt idx="19">
-                  <c:v>1.26520282638051E-2</c:v>
+                  <c:v>1.65915336406855E-2</c:v>
                 </c:pt>
                 <c:pt idx="20">
-                  <c:v>1.1704273498065401E-2</c:v>
+                  <c:v>1.54223770323301E-2</c:v>
                 </c:pt>
                 <c:pt idx="21">
-                  <c:v>1.1134064091048199E-2</c:v>
+                  <c:v>1.48209011547452E-2</c:v>
                 </c:pt>
                 <c:pt idx="22">
-                  <c:v>1.02074501982661E-2</c:v>
+                  <c:v>1.4531776753710699E-2</c:v>
                 </c:pt>
                 <c:pt idx="23">
-                  <c:v>8.7485785934044696E-3</c:v>
+                  <c:v>1.3940119555324501E-2</c:v>
                 </c:pt>
                 <c:pt idx="24">
-                  <c:v>8.5079789905591202E-3</c:v>
+                  <c:v>1.15081020160623E-2</c:v>
                 </c:pt>
                 <c:pt idx="25">
-                  <c:v>7.8721328362123203E-3</c:v>
+                  <c:v>1.06245656541556E-2</c:v>
                 </c:pt>
                 <c:pt idx="26">
-                  <c:v>7.8622856187705002E-3</c:v>
+                  <c:v>1.0213767342805199E-2</c:v>
                 </c:pt>
                 <c:pt idx="27">
-                  <c:v>7.1832026324675103E-3</c:v>
+                  <c:v>9.3798036486073197E-3</c:v>
                 </c:pt>
                 <c:pt idx="28">
-                  <c:v>5.4825948518893702E-3</c:v>
+                  <c:v>8.8064275838203396E-3</c:v>
                 </c:pt>
                 <c:pt idx="29">
-                  <c:v>5.3308012312194E-3</c:v>
+                  <c:v>7.80353192314036E-3</c:v>
                 </c:pt>
                 <c:pt idx="30">
-                  <c:v>5.0009839358514697E-3</c:v>
+                  <c:v>7.6564548648511898E-3</c:v>
                 </c:pt>
                 <c:pt idx="31">
-                  <c:v>3.0313942754427599E-3</c:v>
+                  <c:v>7.21062245606819E-3</c:v>
                 </c:pt>
                 <c:pt idx="32">
-                  <c:v>2.9214508520093501E-3</c:v>
+                  <c:v>5.1297641458099303E-3</c:v>
                 </c:pt>
                 <c:pt idx="33">
-                  <c:v>3.1283001936043703E-4</c:v>
+                  <c:v>2.14219836295875E-3</c:v>
                 </c:pt>
                 <c:pt idx="34">
-                  <c:v>1.9983343435075199E-4</c:v>
+                  <c:v>8.4144121829763296E-4</c:v>
                 </c:pt>
               </c:numCache>
             </c:numRef>
           </c:val>
           <c:extLst>
             <c:ext xmlns:c16="http://schemas.microsoft.com/office/drawing/2014/chart" uri="{C3380CC4-5D6E-409C-BE32-E72D297353CC}">
-              <c16:uniqueId val="{00000000-C1DC-4A0C-ABC1-0AD05AB44A71}"/>
+              <c16:uniqueId val="{00000000-DCDB-4E86-8811-19AC8E388184}"/>
             </c:ext>
           </c:extLst>
         </c:ser>
@@ -482,11 +480,11 @@
         </c:dLbls>
         <c:gapWidth val="219"/>
         <c:overlap val="-27"/>
-        <c:axId val="469193023"/>
-        <c:axId val="469196351"/>
+        <c:axId val="452402127"/>
+        <c:axId val="452405039"/>
       </c:barChart>
       <c:catAx>
-        <c:axId val="469193023"/>
+        <c:axId val="452402127"/>
         <c:scaling>
           <c:orientation val="minMax"/>
         </c:scaling>
@@ -529,7 +527,7 @@
             <a:endParaRPr lang="en-US"/>
           </a:p>
         </c:txPr>
-        <c:crossAx val="469196351"/>
+        <c:crossAx val="452405039"/>
         <c:crosses val="autoZero"/>
         <c:auto val="1"/>
         <c:lblAlgn val="ctr"/>
@@ -537,7 +535,7 @@
         <c:noMultiLvlLbl val="0"/>
       </c:catAx>
       <c:valAx>
-        <c:axId val="469196351"/>
+        <c:axId val="452405039"/>
         <c:scaling>
           <c:orientation val="minMax"/>
         </c:scaling>
@@ -588,7 +586,7 @@
             <a:endParaRPr lang="en-US"/>
           </a:p>
         </c:txPr>
-        <c:crossAx val="469193023"/>
+        <c:crossAx val="452402127"/>
         <c:crosses val="autoZero"/>
         <c:crossBetween val="between"/>
       </c:valAx>
@@ -670,7 +668,7 @@
               <a:rPr lang="en-US" sz="1400" b="0" i="0" baseline="0" dirty="0" smtClean="0">
                 <a:effectLst/>
               </a:rPr>
-              <a:t> RF-L</a:t>
+              <a:t> RF-R</a:t>
             </a:r>
             <a:endParaRPr lang="en-US" sz="1400" dirty="0">
               <a:effectLst/>
@@ -734,109 +732,109 @@
               <c:strCache>
                 <c:ptCount val="35"/>
                 <c:pt idx="0">
-                  <c:v>RMACx</c:v>
+                  <c:v>LLACx</c:v>
                 </c:pt>
                 <c:pt idx="1">
+                  <c:v> LLGYz</c:v>
+                </c:pt>
+                <c:pt idx="2">
+                  <c:v> RankleWid</c:v>
+                </c:pt>
+                <c:pt idx="3">
+                  <c:v> LMACy</c:v>
+                </c:pt>
+                <c:pt idx="4">
+                  <c:v> RLGYz</c:v>
+                </c:pt>
+                <c:pt idx="5">
+                  <c:v> LkneeWid</c:v>
+                </c:pt>
+                <c:pt idx="6">
+                  <c:v> LLACz</c:v>
+                </c:pt>
+                <c:pt idx="7">
+                  <c:v> RMGYz</c:v>
+                </c:pt>
+                <c:pt idx="8">
+                  <c:v> LLACy</c:v>
+                </c:pt>
+                <c:pt idx="9">
+                  <c:v> RMACx</c:v>
+                </c:pt>
+                <c:pt idx="10">
+                  <c:v> LMACx</c:v>
+                </c:pt>
+                <c:pt idx="11">
+                  <c:v> LMGYz</c:v>
+                </c:pt>
+                <c:pt idx="12">
+                  <c:v> RMACy</c:v>
+                </c:pt>
+                <c:pt idx="13">
+                  <c:v> Rleglen</c:v>
+                </c:pt>
+                <c:pt idx="14">
+                  <c:v> RLACy</c:v>
+                </c:pt>
+                <c:pt idx="15">
+                  <c:v> LLGYx</c:v>
+                </c:pt>
+                <c:pt idx="16">
+                  <c:v> LLGYy</c:v>
+                </c:pt>
+                <c:pt idx="17">
+                  <c:v> RLACx</c:v>
+                </c:pt>
+                <c:pt idx="18">
+                  <c:v> RLGYy</c:v>
+                </c:pt>
+                <c:pt idx="19">
                   <c:v> RLACz</c:v>
                 </c:pt>
-                <c:pt idx="2">
-                  <c:v> RLGYy</c:v>
-                </c:pt>
-                <c:pt idx="3">
-                  <c:v> LMGYz</c:v>
-                </c:pt>
-                <c:pt idx="4">
-                  <c:v> LLGYz</c:v>
-                </c:pt>
-                <c:pt idx="5">
-                  <c:v> height</c:v>
-                </c:pt>
-                <c:pt idx="6">
-                  <c:v> RankleWid</c:v>
-                </c:pt>
-                <c:pt idx="7">
-                  <c:v> Rleglen</c:v>
-                </c:pt>
-                <c:pt idx="8">
-                  <c:v> RMGYy</c:v>
-                </c:pt>
-                <c:pt idx="9">
-                  <c:v> RMGYz</c:v>
-                </c:pt>
-                <c:pt idx="10">
-                  <c:v> LkneeWid</c:v>
-                </c:pt>
-                <c:pt idx="11">
-                  <c:v> mass</c:v>
-                </c:pt>
-                <c:pt idx="12">
-                  <c:v> LLACx</c:v>
-                </c:pt>
-                <c:pt idx="13">
-                  <c:v> RMACy</c:v>
-                </c:pt>
-                <c:pt idx="14">
-                  <c:v> RMACz</c:v>
-                </c:pt>
-                <c:pt idx="15">
-                  <c:v> LMACy</c:v>
-                </c:pt>
-                <c:pt idx="16">
-                  <c:v> RLGYz</c:v>
-                </c:pt>
-                <c:pt idx="17">
-                  <c:v> LLGYy</c:v>
-                </c:pt>
-                <c:pt idx="18">
-                  <c:v> RLACy</c:v>
-                </c:pt>
-                <c:pt idx="19">
-                  <c:v> RMGYx</c:v>
-                </c:pt>
                 <c:pt idx="20">
-                  <c:v> RkneeWid</c:v>
+                  <c:v> LMGYy</c:v>
                 </c:pt>
                 <c:pt idx="21">
                   <c:v> RLGYx</c:v>
                 </c:pt>
                 <c:pt idx="22">
-                  <c:v> LMACx</c:v>
+                  <c:v> RkneeWid</c:v>
                 </c:pt>
                 <c:pt idx="23">
+                  <c:v> LankleWid</c:v>
+                </c:pt>
+                <c:pt idx="24">
+                  <c:v> RMGYy</c:v>
+                </c:pt>
+                <c:pt idx="25">
+                  <c:v> LMACz</c:v>
+                </c:pt>
+                <c:pt idx="26">
+                  <c:v> LMGYx</c:v>
+                </c:pt>
+                <c:pt idx="27">
+                  <c:v> RMGYx</c:v>
+                </c:pt>
+                <c:pt idx="28">
+                  <c:v> RMACz</c:v>
+                </c:pt>
+                <c:pt idx="29">
+                  <c:v> age</c:v>
+                </c:pt>
+                <c:pt idx="30">
+                  <c:v> mass</c:v>
+                </c:pt>
+                <c:pt idx="31">
+                  <c:v> height</c:v>
+                </c:pt>
+                <c:pt idx="32">
                   <c:v> Lleglen</c:v>
                 </c:pt>
-                <c:pt idx="24">
-                  <c:v> LLGYx</c:v>
-                </c:pt>
-                <c:pt idx="25">
-                  <c:v> LLACy</c:v>
-                </c:pt>
-                <c:pt idx="26">
-                  <c:v> LMGYy</c:v>
-                </c:pt>
-                <c:pt idx="27">
-                  <c:v> RLACx</c:v>
-                </c:pt>
-                <c:pt idx="28">
-                  <c:v> LLACz</c:v>
-                </c:pt>
-                <c:pt idx="29">
-                  <c:v> LMACz</c:v>
-                </c:pt>
-                <c:pt idx="30">
-                  <c:v> age</c:v>
-                </c:pt>
-                <c:pt idx="31">
-                  <c:v> LMGYx</c:v>
-                </c:pt>
-                <c:pt idx="32">
-                  <c:v> LankleWid</c:v>
-                </c:pt>
                 <c:pt idx="33">
+                  <c:v> gender_M</c:v>
+                </c:pt>
+                <c:pt idx="34">
                   <c:v> gender_F</c:v>
-                </c:pt>
-                <c:pt idx="34">
-                  <c:v> gender_M</c:v>
                 </c:pt>
               </c:strCache>
             </c:strRef>
@@ -848,116 +846,116 @@
                 <c:formatCode>General</c:formatCode>
                 <c:ptCount val="35"/>
                 <c:pt idx="0">
-                  <c:v>0.25554796527097401</c:v>
+                  <c:v>0.25939072054060802</c:v>
                 </c:pt>
                 <c:pt idx="1">
-                  <c:v>8.2405772025782295E-2</c:v>
+                  <c:v>0.130622840267926</c:v>
                 </c:pt>
                 <c:pt idx="2">
-                  <c:v>6.5550015265496198E-2</c:v>
+                  <c:v>0.107055319938611</c:v>
                 </c:pt>
                 <c:pt idx="3">
-                  <c:v>5.0860476788209E-2</c:v>
+                  <c:v>4.5657781754163997E-2</c:v>
                 </c:pt>
                 <c:pt idx="4">
-                  <c:v>4.4063083066198099E-2</c:v>
+                  <c:v>4.0679502412865901E-2</c:v>
                 </c:pt>
                 <c:pt idx="5">
-                  <c:v>3.62520362108502E-2</c:v>
+                  <c:v>3.5811990542492303E-2</c:v>
                 </c:pt>
                 <c:pt idx="6">
-                  <c:v>3.5756767654865899E-2</c:v>
+                  <c:v>3.0048173504884802E-2</c:v>
                 </c:pt>
                 <c:pt idx="7">
-                  <c:v>3.3764641649320401E-2</c:v>
+                  <c:v>3.0034020051686199E-2</c:v>
                 </c:pt>
                 <c:pt idx="8">
-                  <c:v>3.3176858287543999E-2</c:v>
+                  <c:v>2.6862380884943901E-2</c:v>
                 </c:pt>
                 <c:pt idx="9">
-                  <c:v>2.7344953106372302E-2</c:v>
+                  <c:v>2.5738809685280299E-2</c:v>
                 </c:pt>
                 <c:pt idx="10">
-                  <c:v>2.6317366384022899E-2</c:v>
+                  <c:v>2.3383702253420999E-2</c:v>
                 </c:pt>
                 <c:pt idx="11">
-                  <c:v>2.58350331263522E-2</c:v>
+                  <c:v>2.2933907970845699E-2</c:v>
                 </c:pt>
                 <c:pt idx="12">
-                  <c:v>1.9961798085714199E-2</c:v>
+                  <c:v>2.2298460962854299E-2</c:v>
                 </c:pt>
                 <c:pt idx="13">
-                  <c:v>1.93241014977703E-2</c:v>
+                  <c:v>2.0995593463716301E-2</c:v>
                 </c:pt>
                 <c:pt idx="14">
-                  <c:v>1.8666603698988E-2</c:v>
+                  <c:v>1.6216696140536099E-2</c:v>
                 </c:pt>
                 <c:pt idx="15">
-                  <c:v>1.7366026247429001E-2</c:v>
+                  <c:v>1.40277862664074E-2</c:v>
                 </c:pt>
                 <c:pt idx="16">
-                  <c:v>1.73273187578298E-2</c:v>
+                  <c:v>1.3886242625483099E-2</c:v>
                 </c:pt>
                 <c:pt idx="17">
-                  <c:v>1.72299595448836E-2</c:v>
+                  <c:v>1.34009988745985E-2</c:v>
                 </c:pt>
                 <c:pt idx="18">
-                  <c:v>1.6625835978022599E-2</c:v>
+                  <c:v>1.2803188535949601E-2</c:v>
                 </c:pt>
                 <c:pt idx="19">
-                  <c:v>1.65915336406855E-2</c:v>
+                  <c:v>1.26520282638051E-2</c:v>
                 </c:pt>
                 <c:pt idx="20">
-                  <c:v>1.54223770323301E-2</c:v>
+                  <c:v>1.1704273498065401E-2</c:v>
                 </c:pt>
                 <c:pt idx="21">
-                  <c:v>1.48209011547452E-2</c:v>
+                  <c:v>1.1134064091048199E-2</c:v>
                 </c:pt>
                 <c:pt idx="22">
-                  <c:v>1.4531776753710699E-2</c:v>
+                  <c:v>1.02074501982661E-2</c:v>
                 </c:pt>
                 <c:pt idx="23">
-                  <c:v>1.3940119555324501E-2</c:v>
+                  <c:v>8.7485785934044696E-3</c:v>
                 </c:pt>
                 <c:pt idx="24">
-                  <c:v>1.15081020160623E-2</c:v>
+                  <c:v>8.5079789905591202E-3</c:v>
                 </c:pt>
                 <c:pt idx="25">
-                  <c:v>1.06245656541556E-2</c:v>
+                  <c:v>7.8721328362123203E-3</c:v>
                 </c:pt>
                 <c:pt idx="26">
-                  <c:v>1.0213767342805199E-2</c:v>
+                  <c:v>7.8622856187705002E-3</c:v>
                 </c:pt>
                 <c:pt idx="27">
-                  <c:v>9.3798036486073197E-3</c:v>
+                  <c:v>7.1832026324675103E-3</c:v>
                 </c:pt>
                 <c:pt idx="28">
-                  <c:v>8.8064275838203396E-3</c:v>
+                  <c:v>5.4825948518893702E-3</c:v>
                 </c:pt>
                 <c:pt idx="29">
-                  <c:v>7.80353192314036E-3</c:v>
+                  <c:v>5.3308012312194E-3</c:v>
                 </c:pt>
                 <c:pt idx="30">
-                  <c:v>7.6564548648511898E-3</c:v>
+                  <c:v>5.0009839358514697E-3</c:v>
                 </c:pt>
                 <c:pt idx="31">
-                  <c:v>7.21062245606819E-3</c:v>
+                  <c:v>3.0313942754427599E-3</c:v>
                 </c:pt>
                 <c:pt idx="32">
-                  <c:v>5.1297641458099303E-3</c:v>
+                  <c:v>2.9214508520093501E-3</c:v>
                 </c:pt>
                 <c:pt idx="33">
-                  <c:v>2.14219836295875E-3</c:v>
+                  <c:v>3.1283001936043703E-4</c:v>
                 </c:pt>
                 <c:pt idx="34">
-                  <c:v>8.4144121829763296E-4</c:v>
+                  <c:v>1.9983343435075199E-4</c:v>
                 </c:pt>
               </c:numCache>
             </c:numRef>
           </c:val>
           <c:extLst>
             <c:ext xmlns:c16="http://schemas.microsoft.com/office/drawing/2014/chart" uri="{C3380CC4-5D6E-409C-BE32-E72D297353CC}">
-              <c16:uniqueId val="{00000000-F4E0-40DD-A79E-125B1A3E05A0}"/>
+              <c16:uniqueId val="{00000000-9A64-4D8B-9EAC-645A7347257B}"/>
             </c:ext>
           </c:extLst>
         </c:ser>
@@ -971,11 +969,11 @@
         </c:dLbls>
         <c:gapWidth val="219"/>
         <c:overlap val="-27"/>
-        <c:axId val="452406703"/>
-        <c:axId val="452399631"/>
+        <c:axId val="452409199"/>
+        <c:axId val="452405455"/>
       </c:barChart>
       <c:catAx>
-        <c:axId val="452406703"/>
+        <c:axId val="452409199"/>
         <c:scaling>
           <c:orientation val="minMax"/>
         </c:scaling>
@@ -1018,7 +1016,7 @@
             <a:endParaRPr lang="en-US"/>
           </a:p>
         </c:txPr>
-        <c:crossAx val="452399631"/>
+        <c:crossAx val="452405455"/>
         <c:crosses val="autoZero"/>
         <c:auto val="1"/>
         <c:lblAlgn val="ctr"/>
@@ -1026,7 +1024,7 @@
         <c:noMultiLvlLbl val="0"/>
       </c:catAx>
       <c:valAx>
-        <c:axId val="452399631"/>
+        <c:axId val="452405455"/>
         <c:scaling>
           <c:orientation val="minMax"/>
         </c:scaling>
@@ -1077,7 +1075,7 @@
             <a:endParaRPr lang="en-US"/>
           </a:p>
         </c:txPr>
-        <c:crossAx val="452406703"/>
+        <c:crossAx val="452409199"/>
         <c:crosses val="autoZero"/>
         <c:crossBetween val="between"/>
       </c:valAx>
@@ -1219,7 +1217,7 @@
           <c:invertIfNegative val="0"/>
           <c:cat>
             <c:strRef>
-              <c:f>Coefficient!$G$4:$G$38</c:f>
+              <c:f>Sheet1!$A$1:$A$35</c:f>
               <c:strCache>
                 <c:ptCount val="35"/>
                 <c:pt idx="0">
@@ -1332,7 +1330,7 @@
           </c:cat>
           <c:val>
             <c:numRef>
-              <c:f>Coefficient!$H$4:$H$38</c:f>
+              <c:f>Sheet1!$B$1:$B$35</c:f>
               <c:numCache>
                 <c:formatCode>General</c:formatCode>
                 <c:ptCount val="35"/>
@@ -1702,7 +1700,7 @@
           <c:invertIfNegative val="0"/>
           <c:cat>
             <c:strRef>
-              <c:f>Coefficient!$I$4:$I$38</c:f>
+              <c:f>Coefficient!$G$4:$G$38</c:f>
               <c:strCache>
                 <c:ptCount val="35"/>
                 <c:pt idx="0">
@@ -1815,7 +1813,7 @@
           </c:cat>
           <c:val>
             <c:numRef>
-              <c:f>Coefficient!$J$4:$J$38</c:f>
+              <c:f>Coefficient!$H$4:$H$38</c:f>
               <c:numCache>
                 <c:formatCode>General</c:formatCode>
                 <c:ptCount val="35"/>
@@ -7742,6 +7740,36 @@
           <a:chExt cx="0" cy="0"/>
         </a:xfrm>
       </p:grpSpPr>
+      <p:pic>
+        <p:nvPicPr>
+          <p:cNvPr id="10" name="Picture 9"/>
+          <p:cNvPicPr>
+            <a:picLocks noChangeAspect="1"/>
+          </p:cNvPicPr>
+          <p:nvPr/>
+        </p:nvPicPr>
+        <p:blipFill>
+          <a:blip r:embed="rId2">
+            <a:extLst>
+              <a:ext uri="{28A0092B-C50C-407E-A947-70E740481C1C}">
+                <a14:useLocalDpi xmlns:a14="http://schemas.microsoft.com/office/drawing/2010/main" val="0"/>
+              </a:ext>
+            </a:extLst>
+          </a:blip>
+          <a:stretch>
+            <a:fillRect/>
+          </a:stretch>
+        </p:blipFill>
+        <p:spPr>
+          <a:xfrm>
+            <a:off x="244545" y="958362"/>
+            <a:ext cx="6802865" cy="4748400"/>
+          </a:xfrm>
+          <a:prstGeom prst="rect">
+            <a:avLst/>
+          </a:prstGeom>
+        </p:spPr>
+      </p:pic>
       <p:sp>
         <p:nvSpPr>
           <p:cNvPr id="4" name="文本框 4"/>
@@ -7779,66 +7807,6 @@
           </a:p>
         </p:txBody>
       </p:sp>
-      <p:pic>
-        <p:nvPicPr>
-          <p:cNvPr id="5" name="Picture 4"/>
-          <p:cNvPicPr>
-            <a:picLocks noChangeAspect="1"/>
-          </p:cNvPicPr>
-          <p:nvPr/>
-        </p:nvPicPr>
-        <p:blipFill>
-          <a:blip r:embed="rId2">
-            <a:extLst>
-              <a:ext uri="{28A0092B-C50C-407E-A947-70E740481C1C}">
-                <a14:useLocalDpi xmlns:a14="http://schemas.microsoft.com/office/drawing/2010/main" val="0"/>
-              </a:ext>
-            </a:extLst>
-          </a:blip>
-          <a:stretch>
-            <a:fillRect/>
-          </a:stretch>
-        </p:blipFill>
-        <p:spPr>
-          <a:xfrm>
-            <a:off x="6144975" y="1208943"/>
-            <a:ext cx="5554728" cy="3877200"/>
-          </a:xfrm>
-          <a:prstGeom prst="rect">
-            <a:avLst/>
-          </a:prstGeom>
-        </p:spPr>
-      </p:pic>
-      <p:pic>
-        <p:nvPicPr>
-          <p:cNvPr id="6" name="Picture 5"/>
-          <p:cNvPicPr>
-            <a:picLocks noChangeAspect="1"/>
-          </p:cNvPicPr>
-          <p:nvPr/>
-        </p:nvPicPr>
-        <p:blipFill>
-          <a:blip r:embed="rId3">
-            <a:extLst>
-              <a:ext uri="{28A0092B-C50C-407E-A947-70E740481C1C}">
-                <a14:useLocalDpi xmlns:a14="http://schemas.microsoft.com/office/drawing/2010/main" val="0"/>
-              </a:ext>
-            </a:extLst>
-          </a:blip>
-          <a:stretch>
-            <a:fillRect/>
-          </a:stretch>
-        </p:blipFill>
-        <p:spPr>
-          <a:xfrm>
-            <a:off x="360484" y="1209081"/>
-            <a:ext cx="5554530" cy="3877062"/>
-          </a:xfrm>
-          <a:prstGeom prst="rect">
-            <a:avLst/>
-          </a:prstGeom>
-        </p:spPr>
-      </p:pic>
       <p:sp>
         <p:nvSpPr>
           <p:cNvPr id="7" name="TextBox 6"/>
@@ -7889,6 +7857,36 @@
           </a:p>
         </p:txBody>
       </p:sp>
+      <p:pic>
+        <p:nvPicPr>
+          <p:cNvPr id="11" name="Picture 10"/>
+          <p:cNvPicPr>
+            <a:picLocks noChangeAspect="1"/>
+          </p:cNvPicPr>
+          <p:nvPr/>
+        </p:nvPicPr>
+        <p:blipFill>
+          <a:blip r:embed="rId3">
+            <a:extLst>
+              <a:ext uri="{28A0092B-C50C-407E-A947-70E740481C1C}">
+                <a14:useLocalDpi xmlns:a14="http://schemas.microsoft.com/office/drawing/2010/main" val="0"/>
+              </a:ext>
+            </a:extLst>
+          </a:blip>
+          <a:stretch>
+            <a:fillRect/>
+          </a:stretch>
+        </p:blipFill>
+        <p:spPr>
+          <a:xfrm>
+            <a:off x="6096000" y="958362"/>
+            <a:ext cx="6802865" cy="4748400"/>
+          </a:xfrm>
+          <a:prstGeom prst="rect">
+            <a:avLst/>
+          </a:prstGeom>
+        </p:spPr>
+      </p:pic>
       <p:sp>
         <p:nvSpPr>
           <p:cNvPr id="8" name="TextBox 7"/>
@@ -8013,6 +8011,36 @@
           </a:p>
         </p:txBody>
       </p:sp>
+      <p:pic>
+        <p:nvPicPr>
+          <p:cNvPr id="9" name="Picture 8"/>
+          <p:cNvPicPr>
+            <a:picLocks noChangeAspect="1"/>
+          </p:cNvPicPr>
+          <p:nvPr/>
+        </p:nvPicPr>
+        <p:blipFill>
+          <a:blip r:embed="rId2">
+            <a:extLst>
+              <a:ext uri="{28A0092B-C50C-407E-A947-70E740481C1C}">
+                <a14:useLocalDpi xmlns:a14="http://schemas.microsoft.com/office/drawing/2010/main" val="0"/>
+              </a:ext>
+            </a:extLst>
+          </a:blip>
+          <a:stretch>
+            <a:fillRect/>
+          </a:stretch>
+        </p:blipFill>
+        <p:spPr>
+          <a:xfrm>
+            <a:off x="244545" y="896290"/>
+            <a:ext cx="6802865" cy="4748400"/>
+          </a:xfrm>
+          <a:prstGeom prst="rect">
+            <a:avLst/>
+          </a:prstGeom>
+        </p:spPr>
+      </p:pic>
       <p:sp>
         <p:nvSpPr>
           <p:cNvPr id="7" name="TextBox 6"/>
@@ -8063,6 +8091,36 @@
           </a:p>
         </p:txBody>
       </p:sp>
+      <p:pic>
+        <p:nvPicPr>
+          <p:cNvPr id="10" name="Picture 9"/>
+          <p:cNvPicPr>
+            <a:picLocks noChangeAspect="1"/>
+          </p:cNvPicPr>
+          <p:nvPr/>
+        </p:nvPicPr>
+        <p:blipFill>
+          <a:blip r:embed="rId3">
+            <a:extLst>
+              <a:ext uri="{28A0092B-C50C-407E-A947-70E740481C1C}">
+                <a14:useLocalDpi xmlns:a14="http://schemas.microsoft.com/office/drawing/2010/main" val="0"/>
+              </a:ext>
+            </a:extLst>
+          </a:blip>
+          <a:stretch>
+            <a:fillRect/>
+          </a:stretch>
+        </p:blipFill>
+        <p:spPr>
+          <a:xfrm>
+            <a:off x="6183916" y="896290"/>
+            <a:ext cx="6802865" cy="4748400"/>
+          </a:xfrm>
+          <a:prstGeom prst="rect">
+            <a:avLst/>
+          </a:prstGeom>
+        </p:spPr>
+      </p:pic>
       <p:sp>
         <p:nvSpPr>
           <p:cNvPr id="8" name="TextBox 7"/>
@@ -8113,66 +8171,6 @@
           </a:p>
         </p:txBody>
       </p:sp>
-      <p:pic>
-        <p:nvPicPr>
-          <p:cNvPr id="2" name="Picture 1"/>
-          <p:cNvPicPr>
-            <a:picLocks noChangeAspect="1"/>
-          </p:cNvPicPr>
-          <p:nvPr/>
-        </p:nvPicPr>
-        <p:blipFill>
-          <a:blip r:embed="rId2">
-            <a:extLst>
-              <a:ext uri="{28A0092B-C50C-407E-A947-70E740481C1C}">
-                <a14:useLocalDpi xmlns:a14="http://schemas.microsoft.com/office/drawing/2010/main" val="0"/>
-              </a:ext>
-            </a:extLst>
-          </a:blip>
-          <a:stretch>
-            <a:fillRect/>
-          </a:stretch>
-        </p:blipFill>
-        <p:spPr>
-          <a:xfrm>
-            <a:off x="6140494" y="1209081"/>
-            <a:ext cx="5554727" cy="3877200"/>
-          </a:xfrm>
-          <a:prstGeom prst="rect">
-            <a:avLst/>
-          </a:prstGeom>
-        </p:spPr>
-      </p:pic>
-      <p:pic>
-        <p:nvPicPr>
-          <p:cNvPr id="3" name="Picture 2"/>
-          <p:cNvPicPr>
-            <a:picLocks noChangeAspect="1"/>
-          </p:cNvPicPr>
-          <p:nvPr/>
-        </p:nvPicPr>
-        <p:blipFill>
-          <a:blip r:embed="rId3">
-            <a:extLst>
-              <a:ext uri="{28A0092B-C50C-407E-A947-70E740481C1C}">
-                <a14:useLocalDpi xmlns:a14="http://schemas.microsoft.com/office/drawing/2010/main" val="0"/>
-              </a:ext>
-            </a:extLst>
-          </a:blip>
-          <a:stretch>
-            <a:fillRect/>
-          </a:stretch>
-        </p:blipFill>
-        <p:spPr>
-          <a:xfrm>
-            <a:off x="349492" y="1209081"/>
-            <a:ext cx="5554727" cy="3877200"/>
-          </a:xfrm>
-          <a:prstGeom prst="rect">
-            <a:avLst/>
-          </a:prstGeom>
-        </p:spPr>
-      </p:pic>
     </p:spTree>
     <p:extLst>
       <p:ext uri="{BB962C8B-B14F-4D97-AF65-F5344CB8AC3E}">
@@ -8210,29 +8208,6 @@
           <a:chExt cx="0" cy="0"/>
         </a:xfrm>
       </p:grpSpPr>
-      <p:pic>
-        <p:nvPicPr>
-          <p:cNvPr id="5" name="Picture 4"/>
-          <p:cNvPicPr>
-            <a:picLocks noChangeAspect="1"/>
-          </p:cNvPicPr>
-          <p:nvPr/>
-        </p:nvPicPr>
-        <p:blipFill rotWithShape="1">
-          <a:blip r:embed="rId2"/>
-          <a:srcRect r="53984" b="1627"/>
-          <a:stretch/>
-        </p:blipFill>
-        <p:spPr>
-          <a:xfrm>
-            <a:off x="666383" y="2365497"/>
-            <a:ext cx="3791317" cy="2127006"/>
-          </a:xfrm>
-          <a:prstGeom prst="rect">
-            <a:avLst/>
-          </a:prstGeom>
-        </p:spPr>
-      </p:pic>
       <p:sp>
         <p:nvSpPr>
           <p:cNvPr id="6" name="文本框 4"/>
@@ -8267,54 +8242,6 @@
           </a:p>
         </p:txBody>
       </p:sp>
-      <p:graphicFrame>
-        <p:nvGraphicFramePr>
-          <p:cNvPr id="14" name="Chart 13"/>
-          <p:cNvGraphicFramePr>
-            <a:graphicFrameLocks/>
-          </p:cNvGraphicFramePr>
-          <p:nvPr>
-            <p:extLst>
-              <p:ext uri="{D42A27DB-BD31-4B8C-83A1-F6EECF244321}">
-                <p14:modId xmlns:p14="http://schemas.microsoft.com/office/powerpoint/2010/main" val="1772523281"/>
-              </p:ext>
-            </p:extLst>
-          </p:nvPr>
-        </p:nvGraphicFramePr>
-        <p:xfrm>
-          <a:off x="4917831" y="725355"/>
-          <a:ext cx="6450623" cy="2743200"/>
-        </p:xfrm>
-        <a:graphic>
-          <a:graphicData uri="http://schemas.openxmlformats.org/drawingml/2006/chart">
-            <c:chart xmlns:c="http://schemas.openxmlformats.org/drawingml/2006/chart" xmlns:r="http://schemas.openxmlformats.org/officeDocument/2006/relationships" r:id="rId3"/>
-          </a:graphicData>
-        </a:graphic>
-      </p:graphicFrame>
-      <p:graphicFrame>
-        <p:nvGraphicFramePr>
-          <p:cNvPr id="15" name="Chart 14"/>
-          <p:cNvGraphicFramePr>
-            <a:graphicFrameLocks/>
-          </p:cNvGraphicFramePr>
-          <p:nvPr>
-            <p:extLst>
-              <p:ext uri="{D42A27DB-BD31-4B8C-83A1-F6EECF244321}">
-                <p14:modId xmlns:p14="http://schemas.microsoft.com/office/powerpoint/2010/main" val="4139327607"/>
-              </p:ext>
-            </p:extLst>
-          </p:nvPr>
-        </p:nvGraphicFramePr>
-        <p:xfrm>
-          <a:off x="4917830" y="3894993"/>
-          <a:ext cx="6450623" cy="2743200"/>
-        </p:xfrm>
-        <a:graphic>
-          <a:graphicData uri="http://schemas.openxmlformats.org/drawingml/2006/chart">
-            <c:chart xmlns:c="http://schemas.openxmlformats.org/drawingml/2006/chart" xmlns:r="http://schemas.openxmlformats.org/officeDocument/2006/relationships" r:id="rId4"/>
-          </a:graphicData>
-        </a:graphic>
-      </p:graphicFrame>
       <p:sp>
         <p:nvSpPr>
           <p:cNvPr id="16" name="TextBox 15"/>
@@ -8358,6 +8285,78 @@
           </a:p>
         </p:txBody>
       </p:sp>
+      <p:pic>
+        <p:nvPicPr>
+          <p:cNvPr id="19" name="Picture 18"/>
+          <p:cNvPicPr>
+            <a:picLocks noChangeAspect="1"/>
+          </p:cNvPicPr>
+          <p:nvPr/>
+        </p:nvPicPr>
+        <p:blipFill>
+          <a:blip r:embed="rId2"/>
+          <a:stretch>
+            <a:fillRect/>
+          </a:stretch>
+        </p:blipFill>
+        <p:spPr>
+          <a:xfrm>
+            <a:off x="418916" y="2233612"/>
+            <a:ext cx="4286250" cy="2390775"/>
+          </a:xfrm>
+          <a:prstGeom prst="rect">
+            <a:avLst/>
+          </a:prstGeom>
+        </p:spPr>
+      </p:pic>
+      <p:graphicFrame>
+        <p:nvGraphicFramePr>
+          <p:cNvPr id="20" name="Chart 19"/>
+          <p:cNvGraphicFramePr>
+            <a:graphicFrameLocks/>
+          </p:cNvGraphicFramePr>
+          <p:nvPr>
+            <p:extLst>
+              <p:ext uri="{D42A27DB-BD31-4B8C-83A1-F6EECF244321}">
+                <p14:modId xmlns:p14="http://schemas.microsoft.com/office/powerpoint/2010/main" val="2684938809"/>
+              </p:ext>
+            </p:extLst>
+          </p:nvPr>
+        </p:nvGraphicFramePr>
+        <p:xfrm>
+          <a:off x="5199529" y="862012"/>
+          <a:ext cx="6451200" cy="2743200"/>
+        </p:xfrm>
+        <a:graphic>
+          <a:graphicData uri="http://schemas.openxmlformats.org/drawingml/2006/chart">
+            <c:chart xmlns:c="http://schemas.openxmlformats.org/drawingml/2006/chart" xmlns:r="http://schemas.openxmlformats.org/officeDocument/2006/relationships" r:id="rId3"/>
+          </a:graphicData>
+        </a:graphic>
+      </p:graphicFrame>
+      <p:graphicFrame>
+        <p:nvGraphicFramePr>
+          <p:cNvPr id="21" name="Chart 20"/>
+          <p:cNvGraphicFramePr>
+            <a:graphicFrameLocks/>
+          </p:cNvGraphicFramePr>
+          <p:nvPr>
+            <p:extLst>
+              <p:ext uri="{D42A27DB-BD31-4B8C-83A1-F6EECF244321}">
+                <p14:modId xmlns:p14="http://schemas.microsoft.com/office/powerpoint/2010/main" val="2544973462"/>
+              </p:ext>
+            </p:extLst>
+          </p:nvPr>
+        </p:nvGraphicFramePr>
+        <p:xfrm>
+          <a:off x="5199529" y="3648863"/>
+          <a:ext cx="6451200" cy="2743200"/>
+        </p:xfrm>
+        <a:graphic>
+          <a:graphicData uri="http://schemas.openxmlformats.org/drawingml/2006/chart">
+            <c:chart xmlns:c="http://schemas.openxmlformats.org/drawingml/2006/chart" xmlns:r="http://schemas.openxmlformats.org/officeDocument/2006/relationships" r:id="rId4"/>
+          </a:graphicData>
+        </a:graphic>
+      </p:graphicFrame>
     </p:spTree>
     <p:extLst>
       <p:ext uri="{BB962C8B-B14F-4D97-AF65-F5344CB8AC3E}">
@@ -8472,29 +8471,6 @@
           </a:p>
         </p:txBody>
       </p:sp>
-      <p:pic>
-        <p:nvPicPr>
-          <p:cNvPr id="7" name="Picture 6"/>
-          <p:cNvPicPr>
-            <a:picLocks noChangeAspect="1"/>
-          </p:cNvPicPr>
-          <p:nvPr/>
-        </p:nvPicPr>
-        <p:blipFill rotWithShape="1">
-          <a:blip r:embed="rId3"/>
-          <a:srcRect l="54304" b="1466"/>
-          <a:stretch/>
-        </p:blipFill>
-        <p:spPr>
-          <a:xfrm>
-            <a:off x="679571" y="2363761"/>
-            <a:ext cx="3764939" cy="2130477"/>
-          </a:xfrm>
-          <a:prstGeom prst="rect">
-            <a:avLst/>
-          </a:prstGeom>
-        </p:spPr>
-      </p:pic>
       <p:graphicFrame>
         <p:nvGraphicFramePr>
           <p:cNvPr id="8" name="Chart 7"/>
@@ -8504,18 +8480,18 @@
           <p:nvPr>
             <p:extLst>
               <p:ext uri="{D42A27DB-BD31-4B8C-83A1-F6EECF244321}">
-                <p14:modId xmlns:p14="http://schemas.microsoft.com/office/powerpoint/2010/main" val="2170093229"/>
+                <p14:modId xmlns:p14="http://schemas.microsoft.com/office/powerpoint/2010/main" val="3194018242"/>
               </p:ext>
             </p:extLst>
           </p:nvPr>
         </p:nvGraphicFramePr>
         <p:xfrm>
-          <a:off x="4917829" y="725355"/>
+          <a:off x="5070227" y="3782320"/>
           <a:ext cx="6450623" cy="2743200"/>
         </p:xfrm>
         <a:graphic>
           <a:graphicData uri="http://schemas.openxmlformats.org/drawingml/2006/chart">
-            <c:chart xmlns:c="http://schemas.openxmlformats.org/drawingml/2006/chart" xmlns:r="http://schemas.openxmlformats.org/officeDocument/2006/relationships" r:id="rId4"/>
+            <c:chart xmlns:c="http://schemas.openxmlformats.org/drawingml/2006/chart" xmlns:r="http://schemas.openxmlformats.org/officeDocument/2006/relationships" r:id="rId3"/>
           </a:graphicData>
         </a:graphic>
       </p:graphicFrame>
@@ -8528,21 +8504,45 @@
           <p:nvPr>
             <p:extLst>
               <p:ext uri="{D42A27DB-BD31-4B8C-83A1-F6EECF244321}">
-                <p14:modId xmlns:p14="http://schemas.microsoft.com/office/powerpoint/2010/main" val="3466546409"/>
+                <p14:modId xmlns:p14="http://schemas.microsoft.com/office/powerpoint/2010/main" val="829462665"/>
               </p:ext>
             </p:extLst>
           </p:nvPr>
         </p:nvGraphicFramePr>
         <p:xfrm>
-          <a:off x="4917828" y="3648863"/>
+          <a:off x="5070228" y="786901"/>
           <a:ext cx="6450623" cy="2743200"/>
         </p:xfrm>
         <a:graphic>
           <a:graphicData uri="http://schemas.openxmlformats.org/drawingml/2006/chart">
-            <c:chart xmlns:c="http://schemas.openxmlformats.org/drawingml/2006/chart" xmlns:r="http://schemas.openxmlformats.org/officeDocument/2006/relationships" r:id="rId5"/>
+            <c:chart xmlns:c="http://schemas.openxmlformats.org/drawingml/2006/chart" xmlns:r="http://schemas.openxmlformats.org/officeDocument/2006/relationships" r:id="rId4"/>
           </a:graphicData>
         </a:graphic>
       </p:graphicFrame>
+      <p:pic>
+        <p:nvPicPr>
+          <p:cNvPr id="3" name="Picture 2"/>
+          <p:cNvPicPr>
+            <a:picLocks noChangeAspect="1"/>
+          </p:cNvPicPr>
+          <p:nvPr/>
+        </p:nvPicPr>
+        <p:blipFill>
+          <a:blip r:embed="rId5"/>
+          <a:stretch>
+            <a:fillRect/>
+          </a:stretch>
+        </p:blipFill>
+        <p:spPr>
+          <a:xfrm>
+            <a:off x="207122" y="2158501"/>
+            <a:ext cx="4231182" cy="2390400"/>
+          </a:xfrm>
+          <a:prstGeom prst="rect">
+            <a:avLst/>
+          </a:prstGeom>
+        </p:spPr>
+      </p:pic>
     </p:spTree>
     <p:extLst>
       <p:ext uri="{BB962C8B-B14F-4D97-AF65-F5344CB8AC3E}">
@@ -8644,6 +8644,190 @@
               </a:rPr>
               <a:t> Variables correlation coefficient</a:t>
             </a:r>
+          </a:p>
+        </p:txBody>
+      </p:sp>
+      <p:sp>
+        <p:nvSpPr>
+          <p:cNvPr id="2" name="Rectangle 1"/>
+          <p:cNvSpPr/>
+          <p:nvPr/>
+        </p:nvSpPr>
+        <p:spPr>
+          <a:xfrm>
+            <a:off x="1424940" y="5097780"/>
+            <a:ext cx="8740140" cy="221933"/>
+          </a:xfrm>
+          <a:prstGeom prst="rect">
+            <a:avLst/>
+          </a:prstGeom>
+          <a:noFill/>
+          <a:ln w="28575">
+            <a:solidFill>
+              <a:srgbClr val="FF0000"/>
+            </a:solidFill>
+          </a:ln>
+        </p:spPr>
+        <p:style>
+          <a:lnRef idx="2">
+            <a:schemeClr val="accent1">
+              <a:shade val="50000"/>
+            </a:schemeClr>
+          </a:lnRef>
+          <a:fillRef idx="1">
+            <a:schemeClr val="accent1"/>
+          </a:fillRef>
+          <a:effectRef idx="0">
+            <a:schemeClr val="accent1"/>
+          </a:effectRef>
+          <a:fontRef idx="minor">
+            <a:schemeClr val="lt1"/>
+          </a:fontRef>
+        </p:style>
+        <p:txBody>
+          <a:bodyPr rtlCol="0" anchor="ctr"/>
+          <a:lstStyle/>
+          <a:p>
+            <a:pPr algn="ctr"/>
+            <a:endParaRPr lang="en-US"/>
+          </a:p>
+        </p:txBody>
+      </p:sp>
+      <p:sp>
+        <p:nvSpPr>
+          <p:cNvPr id="6" name="Rectangle 5"/>
+          <p:cNvSpPr/>
+          <p:nvPr/>
+        </p:nvSpPr>
+        <p:spPr>
+          <a:xfrm rot="5400000">
+            <a:off x="2914649" y="3569971"/>
+            <a:ext cx="5372098" cy="365759"/>
+          </a:xfrm>
+          <a:prstGeom prst="rect">
+            <a:avLst/>
+          </a:prstGeom>
+          <a:noFill/>
+          <a:ln w="28575">
+            <a:solidFill>
+              <a:srgbClr val="FFFF00"/>
+            </a:solidFill>
+          </a:ln>
+        </p:spPr>
+        <p:style>
+          <a:lnRef idx="2">
+            <a:schemeClr val="accent1">
+              <a:shade val="50000"/>
+            </a:schemeClr>
+          </a:lnRef>
+          <a:fillRef idx="1">
+            <a:schemeClr val="accent1"/>
+          </a:fillRef>
+          <a:effectRef idx="0">
+            <a:schemeClr val="accent1"/>
+          </a:effectRef>
+          <a:fontRef idx="minor">
+            <a:schemeClr val="lt1"/>
+          </a:fontRef>
+        </p:style>
+        <p:txBody>
+          <a:bodyPr rtlCol="0" anchor="ctr"/>
+          <a:lstStyle/>
+          <a:p>
+            <a:pPr algn="ctr"/>
+            <a:endParaRPr lang="en-US"/>
+          </a:p>
+        </p:txBody>
+      </p:sp>
+      <p:sp>
+        <p:nvSpPr>
+          <p:cNvPr id="7" name="Rectangle 6"/>
+          <p:cNvSpPr/>
+          <p:nvPr/>
+        </p:nvSpPr>
+        <p:spPr>
+          <a:xfrm>
+            <a:off x="1413508" y="1047751"/>
+            <a:ext cx="8740140" cy="221933"/>
+          </a:xfrm>
+          <a:prstGeom prst="rect">
+            <a:avLst/>
+          </a:prstGeom>
+          <a:noFill/>
+          <a:ln w="28575">
+            <a:solidFill>
+              <a:srgbClr val="FF0000"/>
+            </a:solidFill>
+          </a:ln>
+        </p:spPr>
+        <p:style>
+          <a:lnRef idx="2">
+            <a:schemeClr val="accent1">
+              <a:shade val="50000"/>
+            </a:schemeClr>
+          </a:lnRef>
+          <a:fillRef idx="1">
+            <a:schemeClr val="accent1"/>
+          </a:fillRef>
+          <a:effectRef idx="0">
+            <a:schemeClr val="accent1"/>
+          </a:effectRef>
+          <a:fontRef idx="minor">
+            <a:schemeClr val="lt1"/>
+          </a:fontRef>
+        </p:style>
+        <p:txBody>
+          <a:bodyPr rtlCol="0" anchor="ctr"/>
+          <a:lstStyle/>
+          <a:p>
+            <a:pPr algn="ctr"/>
+            <a:endParaRPr lang="en-US"/>
+          </a:p>
+        </p:txBody>
+      </p:sp>
+      <p:sp>
+        <p:nvSpPr>
+          <p:cNvPr id="8" name="Rectangle 7"/>
+          <p:cNvSpPr/>
+          <p:nvPr/>
+        </p:nvSpPr>
+        <p:spPr>
+          <a:xfrm rot="5400000">
+            <a:off x="5099683" y="3569972"/>
+            <a:ext cx="5372098" cy="365759"/>
+          </a:xfrm>
+          <a:prstGeom prst="rect">
+            <a:avLst/>
+          </a:prstGeom>
+          <a:noFill/>
+          <a:ln w="28575">
+            <a:solidFill>
+              <a:srgbClr val="FFFF00"/>
+            </a:solidFill>
+          </a:ln>
+        </p:spPr>
+        <p:style>
+          <a:lnRef idx="2">
+            <a:schemeClr val="accent1">
+              <a:shade val="50000"/>
+            </a:schemeClr>
+          </a:lnRef>
+          <a:fillRef idx="1">
+            <a:schemeClr val="accent1"/>
+          </a:fillRef>
+          <a:effectRef idx="0">
+            <a:schemeClr val="accent1"/>
+          </a:effectRef>
+          <a:fontRef idx="minor">
+            <a:schemeClr val="lt1"/>
+          </a:fontRef>
+        </p:style>
+        <p:txBody>
+          <a:bodyPr rtlCol="0" anchor="ctr"/>
+          <a:lstStyle/>
+          <a:p>
+            <a:pPr algn="ctr"/>
+            <a:endParaRPr lang="en-US"/>
           </a:p>
         </p:txBody>
       </p:sp>
@@ -8763,6 +8947,190 @@
           </a:p>
         </p:txBody>
       </p:sp>
+      <p:sp>
+        <p:nvSpPr>
+          <p:cNvPr id="6" name="Rectangle 5"/>
+          <p:cNvSpPr/>
+          <p:nvPr/>
+        </p:nvSpPr>
+        <p:spPr>
+          <a:xfrm>
+            <a:off x="1188720" y="4998720"/>
+            <a:ext cx="8820152" cy="221933"/>
+          </a:xfrm>
+          <a:prstGeom prst="rect">
+            <a:avLst/>
+          </a:prstGeom>
+          <a:noFill/>
+          <a:ln w="28575">
+            <a:solidFill>
+              <a:srgbClr val="FF0000"/>
+            </a:solidFill>
+          </a:ln>
+        </p:spPr>
+        <p:style>
+          <a:lnRef idx="2">
+            <a:schemeClr val="accent1">
+              <a:shade val="50000"/>
+            </a:schemeClr>
+          </a:lnRef>
+          <a:fillRef idx="1">
+            <a:schemeClr val="accent1"/>
+          </a:fillRef>
+          <a:effectRef idx="0">
+            <a:schemeClr val="accent1"/>
+          </a:effectRef>
+          <a:fontRef idx="minor">
+            <a:schemeClr val="lt1"/>
+          </a:fontRef>
+        </p:style>
+        <p:txBody>
+          <a:bodyPr rtlCol="0" anchor="ctr"/>
+          <a:lstStyle/>
+          <a:p>
+            <a:pPr algn="ctr"/>
+            <a:endParaRPr lang="en-US"/>
+          </a:p>
+        </p:txBody>
+      </p:sp>
+      <p:sp>
+        <p:nvSpPr>
+          <p:cNvPr id="7" name="Rectangle 6"/>
+          <p:cNvSpPr/>
+          <p:nvPr/>
+        </p:nvSpPr>
+        <p:spPr>
+          <a:xfrm>
+            <a:off x="1177288" y="944881"/>
+            <a:ext cx="8820152" cy="221933"/>
+          </a:xfrm>
+          <a:prstGeom prst="rect">
+            <a:avLst/>
+          </a:prstGeom>
+          <a:noFill/>
+          <a:ln w="28575">
+            <a:solidFill>
+              <a:srgbClr val="FF0000"/>
+            </a:solidFill>
+          </a:ln>
+        </p:spPr>
+        <p:style>
+          <a:lnRef idx="2">
+            <a:schemeClr val="accent1">
+              <a:shade val="50000"/>
+            </a:schemeClr>
+          </a:lnRef>
+          <a:fillRef idx="1">
+            <a:schemeClr val="accent1"/>
+          </a:fillRef>
+          <a:effectRef idx="0">
+            <a:schemeClr val="accent1"/>
+          </a:effectRef>
+          <a:fontRef idx="minor">
+            <a:schemeClr val="lt1"/>
+          </a:fontRef>
+        </p:style>
+        <p:txBody>
+          <a:bodyPr rtlCol="0" anchor="ctr"/>
+          <a:lstStyle/>
+          <a:p>
+            <a:pPr algn="ctr"/>
+            <a:endParaRPr lang="en-US"/>
+          </a:p>
+        </p:txBody>
+      </p:sp>
+      <p:sp>
+        <p:nvSpPr>
+          <p:cNvPr id="8" name="Rectangle 7"/>
+          <p:cNvSpPr/>
+          <p:nvPr/>
+        </p:nvSpPr>
+        <p:spPr>
+          <a:xfrm rot="5400000">
+            <a:off x="2731769" y="3463291"/>
+            <a:ext cx="5372098" cy="365759"/>
+          </a:xfrm>
+          <a:prstGeom prst="rect">
+            <a:avLst/>
+          </a:prstGeom>
+          <a:noFill/>
+          <a:ln w="28575">
+            <a:solidFill>
+              <a:srgbClr val="FFFF00"/>
+            </a:solidFill>
+          </a:ln>
+        </p:spPr>
+        <p:style>
+          <a:lnRef idx="2">
+            <a:schemeClr val="accent1">
+              <a:shade val="50000"/>
+            </a:schemeClr>
+          </a:lnRef>
+          <a:fillRef idx="1">
+            <a:schemeClr val="accent1"/>
+          </a:fillRef>
+          <a:effectRef idx="0">
+            <a:schemeClr val="accent1"/>
+          </a:effectRef>
+          <a:fontRef idx="minor">
+            <a:schemeClr val="lt1"/>
+          </a:fontRef>
+        </p:style>
+        <p:txBody>
+          <a:bodyPr rtlCol="0" anchor="ctr"/>
+          <a:lstStyle/>
+          <a:p>
+            <a:pPr algn="ctr"/>
+            <a:endParaRPr lang="en-US"/>
+          </a:p>
+        </p:txBody>
+      </p:sp>
+      <p:sp>
+        <p:nvSpPr>
+          <p:cNvPr id="9" name="Rectangle 8"/>
+          <p:cNvSpPr/>
+          <p:nvPr/>
+        </p:nvSpPr>
+        <p:spPr>
+          <a:xfrm rot="5400000">
+            <a:off x="4916803" y="3463292"/>
+            <a:ext cx="5372098" cy="365759"/>
+          </a:xfrm>
+          <a:prstGeom prst="rect">
+            <a:avLst/>
+          </a:prstGeom>
+          <a:noFill/>
+          <a:ln w="28575">
+            <a:solidFill>
+              <a:srgbClr val="FFFF00"/>
+            </a:solidFill>
+          </a:ln>
+        </p:spPr>
+        <p:style>
+          <a:lnRef idx="2">
+            <a:schemeClr val="accent1">
+              <a:shade val="50000"/>
+            </a:schemeClr>
+          </a:lnRef>
+          <a:fillRef idx="1">
+            <a:schemeClr val="accent1"/>
+          </a:fillRef>
+          <a:effectRef idx="0">
+            <a:schemeClr val="accent1"/>
+          </a:effectRef>
+          <a:fontRef idx="minor">
+            <a:schemeClr val="lt1"/>
+          </a:fontRef>
+        </p:style>
+        <p:txBody>
+          <a:bodyPr rtlCol="0" anchor="ctr"/>
+          <a:lstStyle/>
+          <a:p>
+            <a:pPr algn="ctr"/>
+            <a:endParaRPr lang="en-US"/>
+          </a:p>
+        </p:txBody>
+      </p:sp>
     </p:spTree>
     <p:extLst>
       <p:ext uri="{BB962C8B-B14F-4D97-AF65-F5344CB8AC3E}">
@@ -8780,6 +9148,181 @@
       </p:par>
     </p:tnLst>
   </p:timing>
+</p:sld>
+</file>
+
+<file path=ppt/slides/slide16.xml><?xml version="1.0" encoding="utf-8"?>
+<p:sld xmlns:a="http://schemas.openxmlformats.org/drawingml/2006/main" xmlns:r="http://schemas.openxmlformats.org/officeDocument/2006/relationships" xmlns:p="http://schemas.openxmlformats.org/presentationml/2006/main">
+  <p:cSld>
+    <p:spTree>
+      <p:nvGrpSpPr>
+        <p:cNvPr id="1" name=""/>
+        <p:cNvGrpSpPr/>
+        <p:nvPr/>
+      </p:nvGrpSpPr>
+      <p:grpSpPr>
+        <a:xfrm>
+          <a:off x="0" y="0"/>
+          <a:ext cx="0" cy="0"/>
+          <a:chOff x="0" y="0"/>
+          <a:chExt cx="0" cy="0"/>
+        </a:xfrm>
+      </p:grpSpPr>
+      <p:sp>
+        <p:nvSpPr>
+          <p:cNvPr id="4" name="文本框 4"/>
+          <p:cNvSpPr txBox="1"/>
+          <p:nvPr/>
+        </p:nvSpPr>
+        <p:spPr>
+          <a:xfrm>
+            <a:off x="244545" y="202135"/>
+            <a:ext cx="6361293" cy="769441"/>
+          </a:xfrm>
+          <a:prstGeom prst="rect">
+            <a:avLst/>
+          </a:prstGeom>
+          <a:noFill/>
+        </p:spPr>
+        <p:txBody>
+          <a:bodyPr wrap="none" rtlCol="0">
+            <a:spAutoFit/>
+          </a:bodyPr>
+          <a:lstStyle/>
+          <a:p>
+            <a:r>
+              <a:rPr lang="en-US" altLang="zh-CN" sz="2800" dirty="0" smtClean="0">
+                <a:latin typeface="Times New Roman" panose="02020603050405020304" pitchFamily="18" charset="0"/>
+              </a:rPr>
+              <a:t>Single sensor model</a:t>
+            </a:r>
+          </a:p>
+          <a:p>
+            <a:r>
+              <a:rPr lang="en-US" altLang="zh-CN" sz="1600" dirty="0" smtClean="0">
+                <a:latin typeface="Times New Roman" panose="02020603050405020304" pitchFamily="18" charset="0"/>
+              </a:rPr>
+              <a:t>All 4 sensors’ </a:t>
+            </a:r>
+            <a:r>
+              <a:rPr lang="en-US" altLang="zh-CN" sz="1600" dirty="0">
+                <a:latin typeface="Times New Roman" panose="02020603050405020304" pitchFamily="18" charset="0"/>
+              </a:rPr>
+              <a:t>model has approximately </a:t>
+            </a:r>
+            <a:r>
+              <a:rPr lang="en-US" altLang="zh-CN" sz="1600" dirty="0" smtClean="0">
+                <a:latin typeface="Times New Roman" panose="02020603050405020304" pitchFamily="18" charset="0"/>
+              </a:rPr>
+              <a:t>9% improve</a:t>
+            </a:r>
+            <a:r>
+              <a:rPr lang="en-US" altLang="zh-CN" sz="1600" dirty="0" smtClean="0">
+                <a:latin typeface="Times New Roman" panose="02020603050405020304" pitchFamily="18" charset="0"/>
+              </a:rPr>
+              <a:t>ment of R2 coefficient</a:t>
+            </a:r>
+            <a:endParaRPr lang="en-US" altLang="zh-CN" sz="1600" dirty="0" smtClean="0">
+              <a:latin typeface="Times New Roman" panose="02020603050405020304" pitchFamily="18" charset="0"/>
+            </a:endParaRPr>
+          </a:p>
+        </p:txBody>
+      </p:sp>
+      <p:pic>
+        <p:nvPicPr>
+          <p:cNvPr id="5" name="Picture 4"/>
+          <p:cNvPicPr>
+            <a:picLocks noChangeAspect="1"/>
+          </p:cNvPicPr>
+          <p:nvPr/>
+        </p:nvPicPr>
+        <p:blipFill>
+          <a:blip r:embed="rId2"/>
+          <a:stretch>
+            <a:fillRect/>
+          </a:stretch>
+        </p:blipFill>
+        <p:spPr>
+          <a:xfrm>
+            <a:off x="3338662" y="1685925"/>
+            <a:ext cx="5362575" cy="2114550"/>
+          </a:xfrm>
+          <a:prstGeom prst="rect">
+            <a:avLst/>
+          </a:prstGeom>
+        </p:spPr>
+      </p:pic>
+      <p:pic>
+        <p:nvPicPr>
+          <p:cNvPr id="7" name="Picture 6"/>
+          <p:cNvPicPr>
+            <a:picLocks noChangeAspect="1"/>
+          </p:cNvPicPr>
+          <p:nvPr/>
+        </p:nvPicPr>
+        <p:blipFill>
+          <a:blip r:embed="rId3"/>
+          <a:stretch>
+            <a:fillRect/>
+          </a:stretch>
+        </p:blipFill>
+        <p:spPr>
+          <a:xfrm>
+            <a:off x="3338662" y="4048125"/>
+            <a:ext cx="5362575" cy="1917932"/>
+          </a:xfrm>
+          <a:prstGeom prst="rect">
+            <a:avLst/>
+          </a:prstGeom>
+        </p:spPr>
+      </p:pic>
+    </p:spTree>
+    <p:extLst>
+      <p:ext uri="{BB962C8B-B14F-4D97-AF65-F5344CB8AC3E}">
+        <p14:creationId xmlns:p14="http://schemas.microsoft.com/office/powerpoint/2010/main" val="2744986845"/>
+      </p:ext>
+    </p:extLst>
+  </p:cSld>
+  <p:clrMapOvr>
+    <a:masterClrMapping/>
+  </p:clrMapOvr>
+  <p:timing>
+    <p:tnLst>
+      <p:par>
+        <p:cTn id="1" dur="indefinite" restart="never" nodeType="tmRoot"/>
+      </p:par>
+    </p:tnLst>
+  </p:timing>
+</p:sld>
+</file>
+
+<file path=ppt/slides/slide17.xml><?xml version="1.0" encoding="utf-8"?>
+<p:sld xmlns:a="http://schemas.openxmlformats.org/drawingml/2006/main" xmlns:r="http://schemas.openxmlformats.org/officeDocument/2006/relationships" xmlns:p="http://schemas.openxmlformats.org/presentationml/2006/main">
+  <p:cSld>
+    <p:spTree>
+      <p:nvGrpSpPr>
+        <p:cNvPr id="1" name=""/>
+        <p:cNvGrpSpPr/>
+        <p:nvPr/>
+      </p:nvGrpSpPr>
+      <p:grpSpPr>
+        <a:xfrm>
+          <a:off x="0" y="0"/>
+          <a:ext cx="0" cy="0"/>
+          <a:chOff x="0" y="0"/>
+          <a:chExt cx="0" cy="0"/>
+        </a:xfrm>
+      </p:grpSpPr>
+    </p:spTree>
+    <p:extLst>
+      <p:ext uri="{BB962C8B-B14F-4D97-AF65-F5344CB8AC3E}">
+        <p14:creationId xmlns:p14="http://schemas.microsoft.com/office/powerpoint/2010/main" val="994369257"/>
+      </p:ext>
+    </p:extLst>
+  </p:cSld>
+  <p:clrMapOvr>
+    <a:masterClrMapping/>
+  </p:clrMapOvr>
 </p:sld>
 </file>
 
@@ -9327,36 +9870,6 @@
           <a:chExt cx="0" cy="0"/>
         </a:xfrm>
       </p:grpSpPr>
-      <p:pic>
-        <p:nvPicPr>
-          <p:cNvPr id="11" name="图片 10"/>
-          <p:cNvPicPr>
-            <a:picLocks noChangeAspect="1"/>
-          </p:cNvPicPr>
-          <p:nvPr/>
-        </p:nvPicPr>
-        <p:blipFill>
-          <a:blip r:embed="rId2">
-            <a:extLst>
-              <a:ext uri="{28A0092B-C50C-407E-A947-70E740481C1C}">
-                <a14:useLocalDpi xmlns:a14="http://schemas.microsoft.com/office/drawing/2010/main" val="0"/>
-              </a:ext>
-            </a:extLst>
-          </a:blip>
-          <a:stretch>
-            <a:fillRect/>
-          </a:stretch>
-        </p:blipFill>
-        <p:spPr>
-          <a:xfrm>
-            <a:off x="3908773" y="-188593"/>
-            <a:ext cx="9088991" cy="6362294"/>
-          </a:xfrm>
-          <a:prstGeom prst="rect">
-            <a:avLst/>
-          </a:prstGeom>
-        </p:spPr>
-      </p:pic>
       <p:sp>
         <p:nvSpPr>
           <p:cNvPr id="4" name="文本框 3"/>
@@ -9397,14 +9910,14 @@
           <p:nvPr/>
         </p:nvPicPr>
         <p:blipFill>
-          <a:blip r:embed="rId3"/>
+          <a:blip r:embed="rId2"/>
           <a:stretch>
             <a:fillRect/>
           </a:stretch>
         </p:blipFill>
         <p:spPr>
           <a:xfrm>
-            <a:off x="397844" y="1614935"/>
+            <a:off x="397844" y="1755612"/>
             <a:ext cx="3510929" cy="1050361"/>
           </a:xfrm>
           <a:prstGeom prst="rect">
@@ -9414,22 +9927,28 @@
       </p:pic>
       <p:pic>
         <p:nvPicPr>
-          <p:cNvPr id="9" name="图片 8"/>
+          <p:cNvPr id="2" name="Picture 1"/>
           <p:cNvPicPr>
             <a:picLocks noChangeAspect="1"/>
           </p:cNvPicPr>
           <p:nvPr/>
         </p:nvPicPr>
         <p:blipFill>
-          <a:blip r:embed="rId4"/>
+          <a:blip r:embed="rId3">
+            <a:extLst>
+              <a:ext uri="{28A0092B-C50C-407E-A947-70E740481C1C}">
+                <a14:useLocalDpi xmlns:a14="http://schemas.microsoft.com/office/drawing/2010/main" val="0"/>
+              </a:ext>
+            </a:extLst>
+          </a:blip>
           <a:stretch>
             <a:fillRect/>
           </a:stretch>
         </p:blipFill>
         <p:spPr>
           <a:xfrm>
-            <a:off x="398773" y="3339064"/>
-            <a:ext cx="3510000" cy="1545956"/>
+            <a:off x="3908773" y="24364"/>
+            <a:ext cx="9144018" cy="6400813"/>
           </a:xfrm>
           <a:prstGeom prst="rect">
             <a:avLst/>
@@ -9475,7 +9994,7 @@
       </p:grpSpPr>
       <p:pic>
         <p:nvPicPr>
-          <p:cNvPr id="5" name="图片 4"/>
+          <p:cNvPr id="2" name="Picture 1"/>
           <p:cNvPicPr>
             <a:picLocks noChangeAspect="1"/>
           </p:cNvPicPr>
@@ -9495,38 +10014,8 @@
         </p:blipFill>
         <p:spPr>
           <a:xfrm>
-            <a:off x="5508850" y="818148"/>
-            <a:ext cx="7214597" cy="5050218"/>
-          </a:xfrm>
-          <a:prstGeom prst="rect">
-            <a:avLst/>
-          </a:prstGeom>
-        </p:spPr>
-      </p:pic>
-      <p:pic>
-        <p:nvPicPr>
-          <p:cNvPr id="4" name="图片 3"/>
-          <p:cNvPicPr>
-            <a:picLocks noChangeAspect="1"/>
-          </p:cNvPicPr>
-          <p:nvPr/>
-        </p:nvPicPr>
-        <p:blipFill>
-          <a:blip r:embed="rId3">
-            <a:extLst>
-              <a:ext uri="{28A0092B-C50C-407E-A947-70E740481C1C}">
-                <a14:useLocalDpi xmlns:a14="http://schemas.microsoft.com/office/drawing/2010/main" val="0"/>
-              </a:ext>
-            </a:extLst>
-          </a:blip>
-          <a:stretch>
-            <a:fillRect/>
-          </a:stretch>
-        </p:blipFill>
-        <p:spPr>
-          <a:xfrm>
-            <a:off x="0" y="908826"/>
-            <a:ext cx="5940162" cy="4868861"/>
+            <a:off x="0" y="1134208"/>
+            <a:ext cx="6593226" cy="4748398"/>
           </a:xfrm>
           <a:prstGeom prst="rect">
             <a:avLst/>
@@ -9564,6 +10053,35 @@
           </a:p>
         </p:txBody>
       </p:sp>
+      <p:pic>
+        <p:nvPicPr>
+          <p:cNvPr id="3" name="Picture 2"/>
+          <p:cNvPicPr>
+            <a:picLocks noChangeAspect="1"/>
+          </p:cNvPicPr>
+          <p:nvPr/>
+        </p:nvPicPr>
+        <p:blipFill rotWithShape="1">
+          <a:blip r:embed="rId3">
+            <a:extLst>
+              <a:ext uri="{28A0092B-C50C-407E-A947-70E740481C1C}">
+                <a14:useLocalDpi xmlns:a14="http://schemas.microsoft.com/office/drawing/2010/main" val="0"/>
+              </a:ext>
+            </a:extLst>
+          </a:blip>
+          <a:srcRect l="6008"/>
+          <a:stretch/>
+        </p:blipFill>
+        <p:spPr>
+          <a:xfrm>
+            <a:off x="5750169" y="1015785"/>
+            <a:ext cx="6693884" cy="4985244"/>
+          </a:xfrm>
+          <a:prstGeom prst="rect">
+            <a:avLst/>
+          </a:prstGeom>
+        </p:spPr>
+      </p:pic>
     </p:spTree>
     <p:extLst>
       <p:ext uri="{BB962C8B-B14F-4D97-AF65-F5344CB8AC3E}">
@@ -9601,65 +10119,6 @@
           <a:chExt cx="0" cy="0"/>
         </a:xfrm>
       </p:grpSpPr>
-      <p:pic>
-        <p:nvPicPr>
-          <p:cNvPr id="4" name="图片 3"/>
-          <p:cNvPicPr>
-            <a:picLocks noChangeAspect="1"/>
-          </p:cNvPicPr>
-          <p:nvPr/>
-        </p:nvPicPr>
-        <p:blipFill>
-          <a:blip r:embed="rId2">
-            <a:extLst>
-              <a:ext uri="{28A0092B-C50C-407E-A947-70E740481C1C}">
-                <a14:useLocalDpi xmlns:a14="http://schemas.microsoft.com/office/drawing/2010/main" val="0"/>
-              </a:ext>
-            </a:extLst>
-          </a:blip>
-          <a:stretch>
-            <a:fillRect/>
-          </a:stretch>
-        </p:blipFill>
-        <p:spPr>
-          <a:xfrm>
-            <a:off x="0" y="907857"/>
-            <a:ext cx="6404670" cy="4870800"/>
-          </a:xfrm>
-          <a:prstGeom prst="rect">
-            <a:avLst/>
-          </a:prstGeom>
-        </p:spPr>
-      </p:pic>
-      <p:pic>
-        <p:nvPicPr>
-          <p:cNvPr id="2" name="图片 1"/>
-          <p:cNvPicPr>
-            <a:picLocks noChangeAspect="1"/>
-          </p:cNvPicPr>
-          <p:nvPr/>
-        </p:nvPicPr>
-        <p:blipFill rotWithShape="1">
-          <a:blip r:embed="rId3">
-            <a:extLst>
-              <a:ext uri="{28A0092B-C50C-407E-A947-70E740481C1C}">
-                <a14:useLocalDpi xmlns:a14="http://schemas.microsoft.com/office/drawing/2010/main" val="0"/>
-              </a:ext>
-            </a:extLst>
-          </a:blip>
-          <a:srcRect l="5255"/>
-          <a:stretch/>
-        </p:blipFill>
-        <p:spPr>
-          <a:xfrm>
-            <a:off x="5813655" y="819657"/>
-            <a:ext cx="6831426" cy="5047200"/>
-          </a:xfrm>
-          <a:prstGeom prst="rect">
-            <a:avLst/>
-          </a:prstGeom>
-        </p:spPr>
-      </p:pic>
       <p:sp>
         <p:nvSpPr>
           <p:cNvPr id="6" name="文本框 5"/>
@@ -9691,6 +10150,65 @@
           </a:p>
         </p:txBody>
       </p:sp>
+      <p:pic>
+        <p:nvPicPr>
+          <p:cNvPr id="3" name="Picture 2"/>
+          <p:cNvPicPr>
+            <a:picLocks noChangeAspect="1"/>
+          </p:cNvPicPr>
+          <p:nvPr/>
+        </p:nvPicPr>
+        <p:blipFill>
+          <a:blip r:embed="rId2">
+            <a:extLst>
+              <a:ext uri="{28A0092B-C50C-407E-A947-70E740481C1C}">
+                <a14:useLocalDpi xmlns:a14="http://schemas.microsoft.com/office/drawing/2010/main" val="0"/>
+              </a:ext>
+            </a:extLst>
+          </a:blip>
+          <a:stretch>
+            <a:fillRect/>
+          </a:stretch>
+        </p:blipFill>
+        <p:spPr>
+          <a:xfrm>
+            <a:off x="-102586" y="1213332"/>
+            <a:ext cx="6783428" cy="4748400"/>
+          </a:xfrm>
+          <a:prstGeom prst="rect">
+            <a:avLst/>
+          </a:prstGeom>
+        </p:spPr>
+      </p:pic>
+      <p:pic>
+        <p:nvPicPr>
+          <p:cNvPr id="5" name="Picture 4"/>
+          <p:cNvPicPr>
+            <a:picLocks noChangeAspect="1"/>
+          </p:cNvPicPr>
+          <p:nvPr/>
+        </p:nvPicPr>
+        <p:blipFill rotWithShape="1">
+          <a:blip r:embed="rId3">
+            <a:extLst>
+              <a:ext uri="{28A0092B-C50C-407E-A947-70E740481C1C}">
+                <a14:useLocalDpi xmlns:a14="http://schemas.microsoft.com/office/drawing/2010/main" val="0"/>
+              </a:ext>
+            </a:extLst>
+          </a:blip>
+          <a:srcRect l="4882"/>
+          <a:stretch/>
+        </p:blipFill>
+        <p:spPr>
+          <a:xfrm>
+            <a:off x="5644661" y="995849"/>
+            <a:ext cx="6852147" cy="5042688"/>
+          </a:xfrm>
+          <a:prstGeom prst="rect">
+            <a:avLst/>
+          </a:prstGeom>
+        </p:spPr>
+      </p:pic>
     </p:spTree>
     <p:extLst>
       <p:ext uri="{BB962C8B-B14F-4D97-AF65-F5344CB8AC3E}">
@@ -9761,7 +10279,7 @@
       </p:sp>
       <p:pic>
         <p:nvPicPr>
-          <p:cNvPr id="3" name="图片 2"/>
+          <p:cNvPr id="2" name="Picture 1"/>
           <p:cNvPicPr>
             <a:picLocks noChangeAspect="1"/>
           </p:cNvPicPr>
@@ -9781,8 +10299,8 @@
         </p:blipFill>
         <p:spPr>
           <a:xfrm>
-            <a:off x="0" y="993600"/>
-            <a:ext cx="6179419" cy="4870800"/>
+            <a:off x="0" y="1345216"/>
+            <a:ext cx="6783428" cy="4748400"/>
           </a:xfrm>
           <a:prstGeom prst="rect">
             <a:avLst/>
@@ -9791,13 +10309,13 @@
       </p:pic>
       <p:pic>
         <p:nvPicPr>
-          <p:cNvPr id="5" name="图片 4"/>
+          <p:cNvPr id="4" name="Picture 3"/>
           <p:cNvPicPr>
             <a:picLocks noChangeAspect="1"/>
           </p:cNvPicPr>
           <p:nvPr/>
         </p:nvPicPr>
-        <p:blipFill>
+        <p:blipFill rotWithShape="1">
           <a:blip r:embed="rId3">
             <a:extLst>
               <a:ext uri="{28A0092B-C50C-407E-A947-70E740481C1C}">
@@ -9805,14 +10323,13 @@
               </a:ext>
             </a:extLst>
           </a:blip>
-          <a:stretch>
-            <a:fillRect/>
-          </a:stretch>
+          <a:srcRect l="3731"/>
+          <a:stretch/>
         </p:blipFill>
         <p:spPr>
           <a:xfrm>
-            <a:off x="5595477" y="811683"/>
-            <a:ext cx="7167622" cy="5017335"/>
+            <a:off x="5978769" y="1345216"/>
+            <a:ext cx="6456491" cy="4671735"/>
           </a:xfrm>
           <a:prstGeom prst="rect">
             <a:avLst/>
@@ -9872,7 +10389,7 @@
         </p:blipFill>
         <p:spPr>
           <a:xfrm>
-            <a:off x="362836" y="2035005"/>
+            <a:off x="279713" y="3053490"/>
             <a:ext cx="11466327" cy="2067024"/>
           </a:xfrm>
           <a:prstGeom prst="rect">
@@ -9919,7 +10436,7 @@
         </p:nvSpPr>
         <p:spPr>
           <a:xfrm>
-            <a:off x="362836" y="1591380"/>
+            <a:off x="244545" y="2609865"/>
             <a:ext cx="2864887" cy="369332"/>
           </a:xfrm>
           <a:prstGeom prst="rect">
@@ -9951,6 +10468,30 @@
           </a:p>
         </p:txBody>
       </p:sp>
+      <p:pic>
+        <p:nvPicPr>
+          <p:cNvPr id="7" name="图片 8"/>
+          <p:cNvPicPr>
+            <a:picLocks noChangeAspect="1"/>
+          </p:cNvPicPr>
+          <p:nvPr/>
+        </p:nvPicPr>
+        <p:blipFill>
+          <a:blip r:embed="rId3"/>
+          <a:stretch>
+            <a:fillRect/>
+          </a:stretch>
+        </p:blipFill>
+        <p:spPr>
+          <a:xfrm>
+            <a:off x="323676" y="964387"/>
+            <a:ext cx="3193247" cy="1406445"/>
+          </a:xfrm>
+          <a:prstGeom prst="rect">
+            <a:avLst/>
+          </a:prstGeom>
+        </p:spPr>
+      </p:pic>
     </p:spTree>
     <p:extLst>
       <p:ext uri="{BB962C8B-B14F-4D97-AF65-F5344CB8AC3E}">
